--- a/slide.pptx
+++ b/slide.pptx
@@ -2323,7 +2323,7 @@
           <a:p>
             <a:fld id="{6DBCBB2E-48DC-49CA-8E72-BE7599524DFA}" type="datetimeFigureOut">
               <a:rPr lang="zh-CN" altLang="en-US" smtClean="0"/>
-              <a:t>2019/12/10</a:t>
+              <a:t>2019/12/9</a:t>
             </a:fld>
             <a:endParaRPr lang="zh-CN" altLang="en-US"/>
           </a:p>
@@ -4231,7 +4231,7 @@
           <a:p>
             <a:fld id="{134FF752-093A-47B5-9666-7DC80AC766F8}" type="datetimeFigureOut">
               <a:rPr lang="zh-CN" altLang="en-US" smtClean="0"/>
-              <a:t>2019/12/10</a:t>
+              <a:t>2019/12/9</a:t>
             </a:fld>
             <a:endParaRPr lang="zh-CN" altLang="en-US"/>
           </a:p>
@@ -4411,7 +4411,7 @@
           <a:p>
             <a:fld id="{134FF752-093A-47B5-9666-7DC80AC766F8}" type="datetimeFigureOut">
               <a:rPr lang="zh-CN" altLang="en-US" smtClean="0"/>
-              <a:t>2019/12/10</a:t>
+              <a:t>2019/12/9</a:t>
             </a:fld>
             <a:endParaRPr lang="zh-CN" altLang="en-US"/>
           </a:p>
@@ -4601,7 +4601,7 @@
           <a:p>
             <a:fld id="{134FF752-093A-47B5-9666-7DC80AC766F8}" type="datetimeFigureOut">
               <a:rPr lang="zh-CN" altLang="en-US" smtClean="0"/>
-              <a:t>2019/12/10</a:t>
+              <a:t>2019/12/9</a:t>
             </a:fld>
             <a:endParaRPr lang="zh-CN" altLang="en-US"/>
           </a:p>
@@ -4781,7 +4781,7 @@
           <a:p>
             <a:fld id="{134FF752-093A-47B5-9666-7DC80AC766F8}" type="datetimeFigureOut">
               <a:rPr lang="zh-CN" altLang="en-US" smtClean="0"/>
-              <a:t>2019/12/10</a:t>
+              <a:t>2019/12/9</a:t>
             </a:fld>
             <a:endParaRPr lang="zh-CN" altLang="en-US"/>
           </a:p>
@@ -5038,7 +5038,7 @@
           <a:p>
             <a:fld id="{134FF752-093A-47B5-9666-7DC80AC766F8}" type="datetimeFigureOut">
               <a:rPr lang="zh-CN" altLang="en-US" smtClean="0"/>
-              <a:t>2019/12/10</a:t>
+              <a:t>2019/12/9</a:t>
             </a:fld>
             <a:endParaRPr lang="zh-CN" altLang="en-US"/>
           </a:p>
@@ -5839,7 +5839,7 @@
           <a:p>
             <a:fld id="{134FF752-093A-47B5-9666-7DC80AC766F8}" type="datetimeFigureOut">
               <a:rPr lang="zh-CN" altLang="en-US" smtClean="0"/>
-              <a:t>2019/12/10</a:t>
+              <a:t>2019/12/9</a:t>
             </a:fld>
             <a:endParaRPr lang="zh-CN" altLang="en-US"/>
           </a:p>
@@ -6215,7 +6215,7 @@
           <a:p>
             <a:fld id="{134FF752-093A-47B5-9666-7DC80AC766F8}" type="datetimeFigureOut">
               <a:rPr lang="zh-CN" altLang="en-US" smtClean="0"/>
-              <a:t>2019/12/10</a:t>
+              <a:t>2019/12/9</a:t>
             </a:fld>
             <a:endParaRPr lang="zh-CN" altLang="en-US"/>
           </a:p>
@@ -6344,7 +6344,7 @@
           <a:p>
             <a:fld id="{134FF752-093A-47B5-9666-7DC80AC766F8}" type="datetimeFigureOut">
               <a:rPr lang="zh-CN" altLang="en-US" smtClean="0"/>
-              <a:t>2019/12/10</a:t>
+              <a:t>2019/12/9</a:t>
             </a:fld>
             <a:endParaRPr lang="zh-CN" altLang="en-US"/>
           </a:p>
@@ -6451,7 +6451,7 @@
           <a:p>
             <a:fld id="{134FF752-093A-47B5-9666-7DC80AC766F8}" type="datetimeFigureOut">
               <a:rPr lang="zh-CN" altLang="en-US" smtClean="0"/>
-              <a:t>2019/12/10</a:t>
+              <a:t>2019/12/9</a:t>
             </a:fld>
             <a:endParaRPr lang="zh-CN" altLang="en-US"/>
           </a:p>
@@ -6738,7 +6738,7 @@
           <a:p>
             <a:fld id="{134FF752-093A-47B5-9666-7DC80AC766F8}" type="datetimeFigureOut">
               <a:rPr lang="zh-CN" altLang="en-US" smtClean="0"/>
-              <a:t>2019/12/10</a:t>
+              <a:t>2019/12/9</a:t>
             </a:fld>
             <a:endParaRPr lang="zh-CN" altLang="en-US"/>
           </a:p>
@@ -7002,7 +7002,7 @@
           <a:p>
             <a:fld id="{134FF752-093A-47B5-9666-7DC80AC766F8}" type="datetimeFigureOut">
               <a:rPr lang="zh-CN" altLang="en-US" smtClean="0"/>
-              <a:t>2019/12/10</a:t>
+              <a:t>2019/12/9</a:t>
             </a:fld>
             <a:endParaRPr lang="zh-CN" altLang="en-US"/>
           </a:p>
@@ -7230,7 +7230,7 @@
           <a:p>
             <a:fld id="{134FF752-093A-47B5-9666-7DC80AC766F8}" type="datetimeFigureOut">
               <a:rPr lang="zh-CN" altLang="en-US" smtClean="0"/>
-              <a:t>2019/12/10</a:t>
+              <a:t>2019/12/9</a:t>
             </a:fld>
             <a:endParaRPr lang="zh-CN" altLang="en-US"/>
           </a:p>
@@ -7662,7 +7662,7 @@
           <p:cNvPr id="42" name="组合 41">
             <a:extLst>
               <a:ext uri="{FF2B5EF4-FFF2-40B4-BE49-F238E27FC236}">
-                <a16:creationId xmlns:a16="http://schemas.microsoft.com/office/drawing/2014/main" id="{7AFA7012-798C-40E5-B08A-FE9678A251D7}"/>
+                <a16:creationId xmlns:a16="http://schemas.microsoft.com/office/drawing/2014/main" xmlns="" id="{7AFA7012-798C-40E5-B08A-FE9678A251D7}"/>
               </a:ext>
             </a:extLst>
           </p:cNvPr>
@@ -7682,7 +7682,7 @@
             <p:cNvPr id="44" name="矩形 43">
               <a:extLst>
                 <a:ext uri="{FF2B5EF4-FFF2-40B4-BE49-F238E27FC236}">
-                  <a16:creationId xmlns:a16="http://schemas.microsoft.com/office/drawing/2014/main" id="{227B53CD-A63F-4C91-A9FF-1D36E56A1C02}"/>
+                  <a16:creationId xmlns:a16="http://schemas.microsoft.com/office/drawing/2014/main" xmlns="" id="{227B53CD-A63F-4C91-A9FF-1D36E56A1C02}"/>
                 </a:ext>
               </a:extLst>
             </p:cNvPr>
@@ -7738,7 +7738,7 @@
             <p:cNvPr id="12" name="矩形 11">
               <a:extLst>
                 <a:ext uri="{FF2B5EF4-FFF2-40B4-BE49-F238E27FC236}">
-                  <a16:creationId xmlns:a16="http://schemas.microsoft.com/office/drawing/2014/main" id="{36B1F8BD-6223-4476-8E54-3EA176FBE218}"/>
+                  <a16:creationId xmlns:a16="http://schemas.microsoft.com/office/drawing/2014/main" xmlns="" id="{36B1F8BD-6223-4476-8E54-3EA176FBE218}"/>
                 </a:ext>
               </a:extLst>
             </p:cNvPr>
@@ -7793,7 +7793,7 @@
             <p:cNvPr id="13" name="矩形 12">
               <a:extLst>
                 <a:ext uri="{FF2B5EF4-FFF2-40B4-BE49-F238E27FC236}">
-                  <a16:creationId xmlns:a16="http://schemas.microsoft.com/office/drawing/2014/main" id="{6E7ADB3A-2F2C-410D-8252-ED41992D3E41}"/>
+                  <a16:creationId xmlns:a16="http://schemas.microsoft.com/office/drawing/2014/main" xmlns="" id="{6E7ADB3A-2F2C-410D-8252-ED41992D3E41}"/>
                 </a:ext>
               </a:extLst>
             </p:cNvPr>
@@ -7848,7 +7848,7 @@
             <p:cNvPr id="14" name="矩形 13">
               <a:extLst>
                 <a:ext uri="{FF2B5EF4-FFF2-40B4-BE49-F238E27FC236}">
-                  <a16:creationId xmlns:a16="http://schemas.microsoft.com/office/drawing/2014/main" id="{A5FF5BCC-FD31-420A-A408-C5135593AC27}"/>
+                  <a16:creationId xmlns:a16="http://schemas.microsoft.com/office/drawing/2014/main" xmlns="" id="{A5FF5BCC-FD31-420A-A408-C5135593AC27}"/>
                 </a:ext>
               </a:extLst>
             </p:cNvPr>
@@ -7903,7 +7903,7 @@
             <p:cNvPr id="15" name="矩形 14">
               <a:extLst>
                 <a:ext uri="{FF2B5EF4-FFF2-40B4-BE49-F238E27FC236}">
-                  <a16:creationId xmlns:a16="http://schemas.microsoft.com/office/drawing/2014/main" id="{7CCF0A5B-5F90-48C0-80EA-D6D0A8DABC5E}"/>
+                  <a16:creationId xmlns:a16="http://schemas.microsoft.com/office/drawing/2014/main" xmlns="" id="{7CCF0A5B-5F90-48C0-80EA-D6D0A8DABC5E}"/>
                 </a:ext>
               </a:extLst>
             </p:cNvPr>
@@ -7958,7 +7958,7 @@
             <p:cNvPr id="16" name="矩形 15">
               <a:extLst>
                 <a:ext uri="{FF2B5EF4-FFF2-40B4-BE49-F238E27FC236}">
-                  <a16:creationId xmlns:a16="http://schemas.microsoft.com/office/drawing/2014/main" id="{F6310E21-0E24-41DC-87C5-0237703D19D6}"/>
+                  <a16:creationId xmlns:a16="http://schemas.microsoft.com/office/drawing/2014/main" xmlns="" id="{F6310E21-0E24-41DC-87C5-0237703D19D6}"/>
                 </a:ext>
               </a:extLst>
             </p:cNvPr>
@@ -8013,7 +8013,7 @@
             <p:cNvPr id="17" name="矩形 16">
               <a:extLst>
                 <a:ext uri="{FF2B5EF4-FFF2-40B4-BE49-F238E27FC236}">
-                  <a16:creationId xmlns:a16="http://schemas.microsoft.com/office/drawing/2014/main" id="{41928513-ACB6-48B3-A3C8-D031F908A5A2}"/>
+                  <a16:creationId xmlns:a16="http://schemas.microsoft.com/office/drawing/2014/main" xmlns="" id="{41928513-ACB6-48B3-A3C8-D031F908A5A2}"/>
                 </a:ext>
               </a:extLst>
             </p:cNvPr>
@@ -8068,7 +8068,7 @@
             <p:cNvPr id="18" name="矩形 17">
               <a:extLst>
                 <a:ext uri="{FF2B5EF4-FFF2-40B4-BE49-F238E27FC236}">
-                  <a16:creationId xmlns:a16="http://schemas.microsoft.com/office/drawing/2014/main" id="{006EBB9F-CD94-422C-B0EE-AAD400BB34DF}"/>
+                  <a16:creationId xmlns:a16="http://schemas.microsoft.com/office/drawing/2014/main" xmlns="" id="{006EBB9F-CD94-422C-B0EE-AAD400BB34DF}"/>
                 </a:ext>
               </a:extLst>
             </p:cNvPr>
@@ -8123,7 +8123,7 @@
             <p:cNvPr id="19" name="矩形 18">
               <a:extLst>
                 <a:ext uri="{FF2B5EF4-FFF2-40B4-BE49-F238E27FC236}">
-                  <a16:creationId xmlns:a16="http://schemas.microsoft.com/office/drawing/2014/main" id="{40E9E687-E6E0-4351-B0E9-1EA7FB106887}"/>
+                  <a16:creationId xmlns:a16="http://schemas.microsoft.com/office/drawing/2014/main" xmlns="" id="{40E9E687-E6E0-4351-B0E9-1EA7FB106887}"/>
                 </a:ext>
               </a:extLst>
             </p:cNvPr>
@@ -8178,7 +8178,7 @@
             <p:cNvPr id="20" name="矩形 19">
               <a:extLst>
                 <a:ext uri="{FF2B5EF4-FFF2-40B4-BE49-F238E27FC236}">
-                  <a16:creationId xmlns:a16="http://schemas.microsoft.com/office/drawing/2014/main" id="{0EA22228-8B9C-4A87-9906-3A886140440F}"/>
+                  <a16:creationId xmlns:a16="http://schemas.microsoft.com/office/drawing/2014/main" xmlns="" id="{0EA22228-8B9C-4A87-9906-3A886140440F}"/>
                 </a:ext>
               </a:extLst>
             </p:cNvPr>
@@ -8233,7 +8233,7 @@
             <p:cNvPr id="21" name="矩形 20">
               <a:extLst>
                 <a:ext uri="{FF2B5EF4-FFF2-40B4-BE49-F238E27FC236}">
-                  <a16:creationId xmlns:a16="http://schemas.microsoft.com/office/drawing/2014/main" id="{AA8B53EF-C010-4EF4-B061-9456970B6D5E}"/>
+                  <a16:creationId xmlns:a16="http://schemas.microsoft.com/office/drawing/2014/main" xmlns="" id="{AA8B53EF-C010-4EF4-B061-9456970B6D5E}"/>
                 </a:ext>
               </a:extLst>
             </p:cNvPr>
@@ -8288,7 +8288,7 @@
             <p:cNvPr id="22" name="矩形 21">
               <a:extLst>
                 <a:ext uri="{FF2B5EF4-FFF2-40B4-BE49-F238E27FC236}">
-                  <a16:creationId xmlns:a16="http://schemas.microsoft.com/office/drawing/2014/main" id="{066696DA-9313-4E4B-871C-84ADDC678106}"/>
+                  <a16:creationId xmlns:a16="http://schemas.microsoft.com/office/drawing/2014/main" xmlns="" id="{066696DA-9313-4E4B-871C-84ADDC678106}"/>
                 </a:ext>
               </a:extLst>
             </p:cNvPr>
@@ -8343,7 +8343,7 @@
             <p:cNvPr id="23" name="矩形 22">
               <a:extLst>
                 <a:ext uri="{FF2B5EF4-FFF2-40B4-BE49-F238E27FC236}">
-                  <a16:creationId xmlns:a16="http://schemas.microsoft.com/office/drawing/2014/main" id="{FC56AE96-4295-4D24-B746-963B4F4BF8E5}"/>
+                  <a16:creationId xmlns:a16="http://schemas.microsoft.com/office/drawing/2014/main" xmlns="" id="{FC56AE96-4295-4D24-B746-963B4F4BF8E5}"/>
                 </a:ext>
               </a:extLst>
             </p:cNvPr>
@@ -8398,7 +8398,7 @@
             <p:cNvPr id="24" name="矩形 23">
               <a:extLst>
                 <a:ext uri="{FF2B5EF4-FFF2-40B4-BE49-F238E27FC236}">
-                  <a16:creationId xmlns:a16="http://schemas.microsoft.com/office/drawing/2014/main" id="{7C8284BA-D9BF-4E1C-81F9-1A6B5FBA870B}"/>
+                  <a16:creationId xmlns:a16="http://schemas.microsoft.com/office/drawing/2014/main" xmlns="" id="{7C8284BA-D9BF-4E1C-81F9-1A6B5FBA870B}"/>
                 </a:ext>
               </a:extLst>
             </p:cNvPr>
@@ -8453,7 +8453,7 @@
             <p:cNvPr id="25" name="矩形 24">
               <a:extLst>
                 <a:ext uri="{FF2B5EF4-FFF2-40B4-BE49-F238E27FC236}">
-                  <a16:creationId xmlns:a16="http://schemas.microsoft.com/office/drawing/2014/main" id="{6FF71A69-8C13-44D9-B0D0-214EF78E0CB2}"/>
+                  <a16:creationId xmlns:a16="http://schemas.microsoft.com/office/drawing/2014/main" xmlns="" id="{6FF71A69-8C13-44D9-B0D0-214EF78E0CB2}"/>
                 </a:ext>
               </a:extLst>
             </p:cNvPr>
@@ -8508,7 +8508,7 @@
             <p:cNvPr id="26" name="矩形 25">
               <a:extLst>
                 <a:ext uri="{FF2B5EF4-FFF2-40B4-BE49-F238E27FC236}">
-                  <a16:creationId xmlns:a16="http://schemas.microsoft.com/office/drawing/2014/main" id="{586B7DCF-14EE-4304-BFDD-F8E41FDEEE12}"/>
+                  <a16:creationId xmlns:a16="http://schemas.microsoft.com/office/drawing/2014/main" xmlns="" id="{586B7DCF-14EE-4304-BFDD-F8E41FDEEE12}"/>
                 </a:ext>
               </a:extLst>
             </p:cNvPr>
@@ -8563,7 +8563,7 @@
             <p:cNvPr id="27" name="矩形 26">
               <a:extLst>
                 <a:ext uri="{FF2B5EF4-FFF2-40B4-BE49-F238E27FC236}">
-                  <a16:creationId xmlns:a16="http://schemas.microsoft.com/office/drawing/2014/main" id="{4F9407C0-EFD0-43B9-8A36-8D892AEF3B28}"/>
+                  <a16:creationId xmlns:a16="http://schemas.microsoft.com/office/drawing/2014/main" xmlns="" id="{4F9407C0-EFD0-43B9-8A36-8D892AEF3B28}"/>
                 </a:ext>
               </a:extLst>
             </p:cNvPr>
@@ -8618,7 +8618,7 @@
             <p:cNvPr id="28" name="矩形 27">
               <a:extLst>
                 <a:ext uri="{FF2B5EF4-FFF2-40B4-BE49-F238E27FC236}">
-                  <a16:creationId xmlns:a16="http://schemas.microsoft.com/office/drawing/2014/main" id="{7D9E52CE-4D25-4C74-A7D6-0F911C8BB5FE}"/>
+                  <a16:creationId xmlns:a16="http://schemas.microsoft.com/office/drawing/2014/main" xmlns="" id="{7D9E52CE-4D25-4C74-A7D6-0F911C8BB5FE}"/>
                 </a:ext>
               </a:extLst>
             </p:cNvPr>
@@ -8666,7 +8666,7 @@
             <p:cNvPr id="29" name="矩形 28">
               <a:extLst>
                 <a:ext uri="{FF2B5EF4-FFF2-40B4-BE49-F238E27FC236}">
-                  <a16:creationId xmlns:a16="http://schemas.microsoft.com/office/drawing/2014/main" id="{1FF070DA-414F-49FE-97A1-D9F01C222624}"/>
+                  <a16:creationId xmlns:a16="http://schemas.microsoft.com/office/drawing/2014/main" xmlns="" id="{1FF070DA-414F-49FE-97A1-D9F01C222624}"/>
                 </a:ext>
               </a:extLst>
             </p:cNvPr>
@@ -8714,7 +8714,7 @@
             <p:cNvPr id="30" name="矩形 29">
               <a:extLst>
                 <a:ext uri="{FF2B5EF4-FFF2-40B4-BE49-F238E27FC236}">
-                  <a16:creationId xmlns:a16="http://schemas.microsoft.com/office/drawing/2014/main" id="{8CEF42DF-93AB-4945-A6A8-8D339B4DBF17}"/>
+                  <a16:creationId xmlns:a16="http://schemas.microsoft.com/office/drawing/2014/main" xmlns="" id="{8CEF42DF-93AB-4945-A6A8-8D339B4DBF17}"/>
                 </a:ext>
               </a:extLst>
             </p:cNvPr>
@@ -8762,7 +8762,7 @@
             <p:cNvPr id="31" name="矩形 30">
               <a:extLst>
                 <a:ext uri="{FF2B5EF4-FFF2-40B4-BE49-F238E27FC236}">
-                  <a16:creationId xmlns:a16="http://schemas.microsoft.com/office/drawing/2014/main" id="{C7F47249-2D08-4AB1-9681-F2F62707AE98}"/>
+                  <a16:creationId xmlns:a16="http://schemas.microsoft.com/office/drawing/2014/main" xmlns="" id="{C7F47249-2D08-4AB1-9681-F2F62707AE98}"/>
                 </a:ext>
               </a:extLst>
             </p:cNvPr>
@@ -8810,7 +8810,7 @@
             <p:cNvPr id="32" name="矩形 31">
               <a:extLst>
                 <a:ext uri="{FF2B5EF4-FFF2-40B4-BE49-F238E27FC236}">
-                  <a16:creationId xmlns:a16="http://schemas.microsoft.com/office/drawing/2014/main" id="{3A5ADC00-ACCB-4CBF-9CB1-155BE7026C02}"/>
+                  <a16:creationId xmlns:a16="http://schemas.microsoft.com/office/drawing/2014/main" xmlns="" id="{3A5ADC00-ACCB-4CBF-9CB1-155BE7026C02}"/>
                 </a:ext>
               </a:extLst>
             </p:cNvPr>
@@ -8858,7 +8858,7 @@
             <p:cNvPr id="33" name="矩形 32">
               <a:extLst>
                 <a:ext uri="{FF2B5EF4-FFF2-40B4-BE49-F238E27FC236}">
-                  <a16:creationId xmlns:a16="http://schemas.microsoft.com/office/drawing/2014/main" id="{00A66F15-32AA-4AB3-B1AE-40AE4AC36167}"/>
+                  <a16:creationId xmlns:a16="http://schemas.microsoft.com/office/drawing/2014/main" xmlns="" id="{00A66F15-32AA-4AB3-B1AE-40AE4AC36167}"/>
                 </a:ext>
               </a:extLst>
             </p:cNvPr>
@@ -8906,7 +8906,7 @@
             <p:cNvPr id="46" name="矩形 45">
               <a:extLst>
                 <a:ext uri="{FF2B5EF4-FFF2-40B4-BE49-F238E27FC236}">
-                  <a16:creationId xmlns:a16="http://schemas.microsoft.com/office/drawing/2014/main" id="{A8EC09B3-4D26-45A0-8845-A6EECF3A0B32}"/>
+                  <a16:creationId xmlns:a16="http://schemas.microsoft.com/office/drawing/2014/main" xmlns="" id="{A8EC09B3-4D26-45A0-8845-A6EECF3A0B32}"/>
                 </a:ext>
               </a:extLst>
             </p:cNvPr>
@@ -8962,7 +8962,7 @@
             <p:cNvPr id="47" name="矩形 46">
               <a:extLst>
                 <a:ext uri="{FF2B5EF4-FFF2-40B4-BE49-F238E27FC236}">
-                  <a16:creationId xmlns:a16="http://schemas.microsoft.com/office/drawing/2014/main" id="{6AAB4875-4FC4-4AB7-8FC0-871911AB8FF2}"/>
+                  <a16:creationId xmlns:a16="http://schemas.microsoft.com/office/drawing/2014/main" xmlns="" id="{6AAB4875-4FC4-4AB7-8FC0-871911AB8FF2}"/>
                 </a:ext>
               </a:extLst>
             </p:cNvPr>
@@ -9018,7 +9018,7 @@
             <p:cNvPr id="48" name="矩形 47">
               <a:extLst>
                 <a:ext uri="{FF2B5EF4-FFF2-40B4-BE49-F238E27FC236}">
-                  <a16:creationId xmlns:a16="http://schemas.microsoft.com/office/drawing/2014/main" id="{C8DC75B5-6D3E-476A-8716-1C2D38AA8497}"/>
+                  <a16:creationId xmlns:a16="http://schemas.microsoft.com/office/drawing/2014/main" xmlns="" id="{C8DC75B5-6D3E-476A-8716-1C2D38AA8497}"/>
                 </a:ext>
               </a:extLst>
             </p:cNvPr>
@@ -9074,7 +9074,7 @@
             <p:cNvPr id="82" name="矩形 81">
               <a:extLst>
                 <a:ext uri="{FF2B5EF4-FFF2-40B4-BE49-F238E27FC236}">
-                  <a16:creationId xmlns:a16="http://schemas.microsoft.com/office/drawing/2014/main" id="{D00AE3E5-F787-4496-BC9F-FE4478F87F73}"/>
+                  <a16:creationId xmlns:a16="http://schemas.microsoft.com/office/drawing/2014/main" xmlns="" id="{D00AE3E5-F787-4496-BC9F-FE4478F87F73}"/>
                 </a:ext>
               </a:extLst>
             </p:cNvPr>
@@ -9130,7 +9130,7 @@
             <p:cNvPr id="83" name="矩形 82">
               <a:extLst>
                 <a:ext uri="{FF2B5EF4-FFF2-40B4-BE49-F238E27FC236}">
-                  <a16:creationId xmlns:a16="http://schemas.microsoft.com/office/drawing/2014/main" id="{22C1626D-1EB9-49B7-B850-E755AD6AC26D}"/>
+                  <a16:creationId xmlns:a16="http://schemas.microsoft.com/office/drawing/2014/main" xmlns="" id="{22C1626D-1EB9-49B7-B850-E755AD6AC26D}"/>
                 </a:ext>
               </a:extLst>
             </p:cNvPr>
@@ -9187,7 +9187,7 @@
           <p:cNvPr id="35" name="组合 34">
             <a:extLst>
               <a:ext uri="{FF2B5EF4-FFF2-40B4-BE49-F238E27FC236}">
-                <a16:creationId xmlns:a16="http://schemas.microsoft.com/office/drawing/2014/main" id="{D95035E2-DF95-4CBF-915B-C2D64D7C8039}"/>
+                <a16:creationId xmlns:a16="http://schemas.microsoft.com/office/drawing/2014/main" xmlns="" id="{D95035E2-DF95-4CBF-915B-C2D64D7C8039}"/>
               </a:ext>
             </a:extLst>
           </p:cNvPr>
@@ -9207,7 +9207,7 @@
             <p:cNvPr id="36" name="文本框 35">
               <a:extLst>
                 <a:ext uri="{FF2B5EF4-FFF2-40B4-BE49-F238E27FC236}">
-                  <a16:creationId xmlns:a16="http://schemas.microsoft.com/office/drawing/2014/main" id="{57ECD779-18A3-4BF0-BCF0-9139F1891390}"/>
+                  <a16:creationId xmlns:a16="http://schemas.microsoft.com/office/drawing/2014/main" xmlns="" id="{57ECD779-18A3-4BF0-BCF0-9139F1891390}"/>
                 </a:ext>
               </a:extLst>
             </p:cNvPr>
@@ -9282,7 +9282,7 @@
             <p:cNvPr id="40" name="燕尾形 23">
               <a:extLst>
                 <a:ext uri="{FF2B5EF4-FFF2-40B4-BE49-F238E27FC236}">
-                  <a16:creationId xmlns:a16="http://schemas.microsoft.com/office/drawing/2014/main" id="{DFE2851B-1E8E-4955-8D3B-72304C42B698}"/>
+                  <a16:creationId xmlns:a16="http://schemas.microsoft.com/office/drawing/2014/main" xmlns="" id="{DFE2851B-1E8E-4955-8D3B-72304C42B698}"/>
                 </a:ext>
               </a:extLst>
             </p:cNvPr>
@@ -9342,7 +9342,7 @@
             <p:cNvPr id="41" name="文本框 40">
               <a:extLst>
                 <a:ext uri="{FF2B5EF4-FFF2-40B4-BE49-F238E27FC236}">
-                  <a16:creationId xmlns:a16="http://schemas.microsoft.com/office/drawing/2014/main" id="{40C8042C-E9F6-469B-90F3-28BC1A5EFAB5}"/>
+                  <a16:creationId xmlns:a16="http://schemas.microsoft.com/office/drawing/2014/main" xmlns="" id="{40C8042C-E9F6-469B-90F3-28BC1A5EFAB5}"/>
                 </a:ext>
               </a:extLst>
             </p:cNvPr>
@@ -9477,7 +9477,7 @@
           <p:cNvPr id="29" name="组合 28">
             <a:extLst>
               <a:ext uri="{FF2B5EF4-FFF2-40B4-BE49-F238E27FC236}">
-                <a16:creationId xmlns:a16="http://schemas.microsoft.com/office/drawing/2014/main" id="{6E2E6247-D5BD-4C75-B61E-3965EF32694F}"/>
+                <a16:creationId xmlns:a16="http://schemas.microsoft.com/office/drawing/2014/main" xmlns="" id="{6E2E6247-D5BD-4C75-B61E-3965EF32694F}"/>
               </a:ext>
             </a:extLst>
           </p:cNvPr>
@@ -9497,7 +9497,7 @@
             <p:cNvPr id="34" name="饼形 6">
               <a:extLst>
                 <a:ext uri="{FF2B5EF4-FFF2-40B4-BE49-F238E27FC236}">
-                  <a16:creationId xmlns:a16="http://schemas.microsoft.com/office/drawing/2014/main" id="{E443680E-5E21-42C5-82E3-F92BE292DAAE}"/>
+                  <a16:creationId xmlns:a16="http://schemas.microsoft.com/office/drawing/2014/main" xmlns="" id="{E443680E-5E21-42C5-82E3-F92BE292DAAE}"/>
                 </a:ext>
               </a:extLst>
             </p:cNvPr>
@@ -9555,7 +9555,7 @@
             <p:cNvPr id="38" name="矩形 37">
               <a:extLst>
                 <a:ext uri="{FF2B5EF4-FFF2-40B4-BE49-F238E27FC236}">
-                  <a16:creationId xmlns:a16="http://schemas.microsoft.com/office/drawing/2014/main" id="{70C7200A-1BD1-4B1A-B6FE-D3E9C916A9A7}"/>
+                  <a16:creationId xmlns:a16="http://schemas.microsoft.com/office/drawing/2014/main" xmlns="" id="{70C7200A-1BD1-4B1A-B6FE-D3E9C916A9A7}"/>
                 </a:ext>
               </a:extLst>
             </p:cNvPr>
@@ -9607,7 +9607,7 @@
             <p:cNvPr id="39" name="文本框 38">
               <a:extLst>
                 <a:ext uri="{FF2B5EF4-FFF2-40B4-BE49-F238E27FC236}">
-                  <a16:creationId xmlns:a16="http://schemas.microsoft.com/office/drawing/2014/main" id="{55698F93-45E8-402C-98AF-AD5AFFAFEFF9}"/>
+                  <a16:creationId xmlns:a16="http://schemas.microsoft.com/office/drawing/2014/main" xmlns="" id="{55698F93-45E8-402C-98AF-AD5AFFAFEFF9}"/>
                 </a:ext>
               </a:extLst>
             </p:cNvPr>
@@ -9704,7 +9704,7 @@
           <p:cNvPr id="31" name="组合 30">
             <a:extLst>
               <a:ext uri="{FF2B5EF4-FFF2-40B4-BE49-F238E27FC236}">
-                <a16:creationId xmlns:a16="http://schemas.microsoft.com/office/drawing/2014/main" id="{AE777496-9F9E-4A7A-BB8F-ADFAD85B2F4A}"/>
+                <a16:creationId xmlns:a16="http://schemas.microsoft.com/office/drawing/2014/main" xmlns="" id="{AE777496-9F9E-4A7A-BB8F-ADFAD85B2F4A}"/>
               </a:ext>
             </a:extLst>
           </p:cNvPr>
@@ -9724,7 +9724,7 @@
             <p:cNvPr id="32" name="饼形 6">
               <a:extLst>
                 <a:ext uri="{FF2B5EF4-FFF2-40B4-BE49-F238E27FC236}">
-                  <a16:creationId xmlns:a16="http://schemas.microsoft.com/office/drawing/2014/main" id="{F84FD497-AE93-4D6F-BF09-444AA041FB5A}"/>
+                  <a16:creationId xmlns:a16="http://schemas.microsoft.com/office/drawing/2014/main" xmlns="" id="{F84FD497-AE93-4D6F-BF09-444AA041FB5A}"/>
                 </a:ext>
               </a:extLst>
             </p:cNvPr>
@@ -9782,7 +9782,7 @@
             <p:cNvPr id="33" name="矩形 32">
               <a:extLst>
                 <a:ext uri="{FF2B5EF4-FFF2-40B4-BE49-F238E27FC236}">
-                  <a16:creationId xmlns:a16="http://schemas.microsoft.com/office/drawing/2014/main" id="{ED10EF23-834C-46BF-A59A-0C60BC651F36}"/>
+                  <a16:creationId xmlns:a16="http://schemas.microsoft.com/office/drawing/2014/main" xmlns="" id="{ED10EF23-834C-46BF-A59A-0C60BC651F36}"/>
                 </a:ext>
               </a:extLst>
             </p:cNvPr>
@@ -9835,7 +9835,7 @@
           <p:cNvPr id="25" name="文本框 24">
             <a:extLst>
               <a:ext uri="{FF2B5EF4-FFF2-40B4-BE49-F238E27FC236}">
-                <a16:creationId xmlns:a16="http://schemas.microsoft.com/office/drawing/2014/main" id="{55698F93-45E8-402C-98AF-AD5AFFAFEFF9}"/>
+                <a16:creationId xmlns:a16="http://schemas.microsoft.com/office/drawing/2014/main" xmlns="" id="{55698F93-45E8-402C-98AF-AD5AFFAFEFF9}"/>
               </a:ext>
             </a:extLst>
           </p:cNvPr>
@@ -9845,7 +9845,7 @@
         <p:spPr>
           <a:xfrm>
             <a:off x="1269559" y="360163"/>
-            <a:ext cx="7092387" cy="523220"/>
+            <a:ext cx="7092387" cy="584775"/>
           </a:xfrm>
           <a:prstGeom prst="rect">
             <a:avLst/>
@@ -9859,19 +9859,20 @@
           <a:lstStyle/>
           <a:p>
             <a:r>
-              <a:rPr lang="en-US" altLang="zh-CN" sz="2800" spc="300" dirty="0">
+              <a:rPr lang="en-US" altLang="zh-CN" sz="3200" spc="300" dirty="0">
                 <a:solidFill>
                   <a:schemeClr val="tx1">
                     <a:lumMod val="75000"/>
                     <a:lumOff val="25000"/>
                   </a:schemeClr>
                 </a:solidFill>
-                <a:latin typeface="思源黑体 CN Medium" panose="020B0600000000000000" pitchFamily="34" charset="-122"/>
-                <a:ea typeface="思源黑体 CN Medium" panose="020B0600000000000000" pitchFamily="34" charset="-122"/>
+                <a:latin typeface="+mn-ea"/>
               </a:rPr>
               <a:t>Data Preprocessing</a:t>
             </a:r>
-            <a:endParaRPr lang="en-US" altLang="zh-CN" sz="2800" dirty="0"/>
+            <a:endParaRPr lang="en-US" altLang="zh-CN" sz="3200" dirty="0">
+              <a:latin typeface="+mn-ea"/>
+            </a:endParaRPr>
           </a:p>
         </p:txBody>
       </p:sp>
@@ -9902,7 +9903,7 @@
           <p:cNvPr id="14" name="Group 13">
             <a:extLst>
               <a:ext uri="{FF2B5EF4-FFF2-40B4-BE49-F238E27FC236}">
-                <a16:creationId xmlns:a16="http://schemas.microsoft.com/office/drawing/2014/main" id="{6A0B2B05-E1BC-432C-93DE-513F4F1EBBBF}"/>
+                <a16:creationId xmlns:a16="http://schemas.microsoft.com/office/drawing/2014/main" xmlns="" id="{6A0B2B05-E1BC-432C-93DE-513F4F1EBBBF}"/>
               </a:ext>
             </a:extLst>
           </p:cNvPr>
@@ -9922,7 +9923,7 @@
             <p:cNvPr id="15" name="Freeform: Shape 14">
               <a:extLst>
                 <a:ext uri="{FF2B5EF4-FFF2-40B4-BE49-F238E27FC236}">
-                  <a16:creationId xmlns:a16="http://schemas.microsoft.com/office/drawing/2014/main" id="{9EAAF17F-6680-45E5-BDDD-FC031DB6B765}"/>
+                  <a16:creationId xmlns:a16="http://schemas.microsoft.com/office/drawing/2014/main" xmlns="" id="{9EAAF17F-6680-45E5-BDDD-FC031DB6B765}"/>
                 </a:ext>
               </a:extLst>
             </p:cNvPr>
@@ -10066,7 +10067,7 @@
             </a:fontRef>
           </p:style>
           <p:txBody>
-            <a:bodyPr spcFirstLastPara="0" vert="horz" wrap="square" lIns="90647" tIns="90647" rIns="90647" bIns="491253" numCol="1" spcCol="1270" anchor="t" anchorCtr="0">
+            <a:bodyPr spcFirstLastPara="0" vert="horz" wrap="square" lIns="90647" tIns="90647" rIns="90647" bIns="491253" numCol="1" spcCol="1270" anchor="ctr" anchorCtr="0">
               <a:noAutofit/>
             </a:bodyPr>
             <a:lstStyle/>
@@ -10100,7 +10101,7 @@
             <p:cNvPr id="16" name="Shape 15">
               <a:extLst>
                 <a:ext uri="{FF2B5EF4-FFF2-40B4-BE49-F238E27FC236}">
-                  <a16:creationId xmlns:a16="http://schemas.microsoft.com/office/drawing/2014/main" id="{7762BCF5-E188-4C8D-9E77-AEABFC7BA1E3}"/>
+                  <a16:creationId xmlns:a16="http://schemas.microsoft.com/office/drawing/2014/main" xmlns="" id="{7762BCF5-E188-4C8D-9E77-AEABFC7BA1E3}"/>
                 </a:ext>
               </a:extLst>
             </p:cNvPr>
@@ -10160,7 +10161,7 @@
             <p:cNvPr id="17" name="Freeform: Shape 16">
               <a:extLst>
                 <a:ext uri="{FF2B5EF4-FFF2-40B4-BE49-F238E27FC236}">
-                  <a16:creationId xmlns:a16="http://schemas.microsoft.com/office/drawing/2014/main" id="{E0A46D3D-FD1E-48E8-8C3A-4FEB3896C613}"/>
+                  <a16:creationId xmlns:a16="http://schemas.microsoft.com/office/drawing/2014/main" xmlns="" id="{E0A46D3D-FD1E-48E8-8C3A-4FEB3896C613}"/>
                 </a:ext>
               </a:extLst>
             </p:cNvPr>
@@ -10331,7 +10332,7 @@
             <p:cNvPr id="18" name="Freeform: Shape 17">
               <a:extLst>
                 <a:ext uri="{FF2B5EF4-FFF2-40B4-BE49-F238E27FC236}">
-                  <a16:creationId xmlns:a16="http://schemas.microsoft.com/office/drawing/2014/main" id="{5D262382-9002-4CC8-9E1D-9CE9C52FF02A}"/>
+                  <a16:creationId xmlns:a16="http://schemas.microsoft.com/office/drawing/2014/main" xmlns="" id="{5D262382-9002-4CC8-9E1D-9CE9C52FF02A}"/>
                 </a:ext>
               </a:extLst>
             </p:cNvPr>
@@ -10475,7 +10476,7 @@
             </a:fontRef>
           </p:style>
           <p:txBody>
-            <a:bodyPr spcFirstLastPara="0" vert="horz" wrap="square" lIns="90647" tIns="491253" rIns="90647" bIns="90647" numCol="1" spcCol="1270" anchor="t" anchorCtr="0">
+            <a:bodyPr spcFirstLastPara="0" vert="horz" wrap="square" lIns="90647" tIns="491253" rIns="90647" bIns="90647" numCol="1" spcCol="1270" anchor="ctr" anchorCtr="0">
               <a:noAutofit/>
             </a:bodyPr>
             <a:lstStyle/>
@@ -10493,10 +10494,52 @@
                 <a:buChar char="•"/>
               </a:pPr>
               <a:r>
+                <a:rPr lang="en-US" altLang="zh-CN" sz="2500" b="1" kern="1200" dirty="0" smtClean="0">
+                  <a:ea typeface="思源黑体 CN Light" panose="020B0300000000000000"/>
+                </a:rPr>
+                <a:t>T</a:t>
+              </a:r>
+              <a:r>
+                <a:rPr lang="en-US" altLang="zh-CN" sz="2500" b="1" kern="1200" dirty="0" smtClean="0">
+                  <a:ea typeface="思源黑体 CN Light" panose="020B0300000000000000"/>
+                </a:rPr>
+                <a:t>op 1,</a:t>
+              </a:r>
+              <a:r>
+                <a:rPr lang="zh-CN" altLang="en-US" sz="2500" b="1" kern="1200" dirty="0" smtClean="0">
+                  <a:ea typeface="思源黑体 CN Light" panose="020B0300000000000000"/>
+                </a:rPr>
+                <a:t> </a:t>
+              </a:r>
+              <a:r>
+                <a:rPr lang="en-US" altLang="zh-CN" sz="2500" b="1" kern="1200" dirty="0" smtClean="0">
+                  <a:ea typeface="思源黑体 CN Light" panose="020B0300000000000000"/>
+                </a:rPr>
+                <a:t>T</a:t>
+              </a:r>
+              <a:r>
+                <a:rPr lang="en-US" altLang="zh-CN" sz="2500" b="1" kern="1200" dirty="0" smtClean="0">
+                  <a:ea typeface="思源黑体 CN Light" panose="020B0300000000000000"/>
+                </a:rPr>
+                <a:t>op2-10</a:t>
+              </a:r>
+              <a:r>
                 <a:rPr lang="en-US" altLang="zh-CN" sz="2500" b="1" kern="1200" dirty="0">
                   <a:ea typeface="思源黑体 CN Light" panose="020B0300000000000000"/>
                 </a:rPr>
-                <a:t>Top 1, top2-10, top11-</a:t>
+                <a:t>, </a:t>
+              </a:r>
+              <a:r>
+                <a:rPr lang="en-US" altLang="zh-CN" sz="2500" b="1" kern="1200" dirty="0" smtClean="0">
+                  <a:ea typeface="思源黑体 CN Light" panose="020B0300000000000000"/>
+                </a:rPr>
+                <a:t>T</a:t>
+              </a:r>
+              <a:r>
+                <a:rPr lang="en-US" altLang="zh-CN" sz="2500" b="1" kern="1200" dirty="0" smtClean="0">
+                  <a:ea typeface="思源黑体 CN Light" panose="020B0300000000000000"/>
+                </a:rPr>
+                <a:t>op11-</a:t>
               </a:r>
               <a:endParaRPr lang="zh-CN" altLang="en-US" sz="2500" b="1" kern="1200" dirty="0">
                 <a:ea typeface="思源黑体 CN Light" panose="020B0300000000000000"/>
@@ -10532,7 +10575,7 @@
             <p:cNvPr id="19" name="Arrow: Circular 18">
               <a:extLst>
                 <a:ext uri="{FF2B5EF4-FFF2-40B4-BE49-F238E27FC236}">
-                  <a16:creationId xmlns:a16="http://schemas.microsoft.com/office/drawing/2014/main" id="{9887B09E-B95E-4A20-9B0C-85EBEFB5629D}"/>
+                  <a16:creationId xmlns:a16="http://schemas.microsoft.com/office/drawing/2014/main" xmlns="" id="{9887B09E-B95E-4A20-9B0C-85EBEFB5629D}"/>
                 </a:ext>
               </a:extLst>
             </p:cNvPr>
@@ -10592,7 +10635,7 @@
             <p:cNvPr id="20" name="Freeform: Shape 19">
               <a:extLst>
                 <a:ext uri="{FF2B5EF4-FFF2-40B4-BE49-F238E27FC236}">
-                  <a16:creationId xmlns:a16="http://schemas.microsoft.com/office/drawing/2014/main" id="{10C36825-FF90-467A-A06E-A03CE521DD9D}"/>
+                  <a16:creationId xmlns:a16="http://schemas.microsoft.com/office/drawing/2014/main" xmlns="" id="{10C36825-FF90-467A-A06E-A03CE521DD9D}"/>
                 </a:ext>
               </a:extLst>
             </p:cNvPr>
@@ -10763,7 +10806,7 @@
             <p:cNvPr id="21" name="Freeform: Shape 20">
               <a:extLst>
                 <a:ext uri="{FF2B5EF4-FFF2-40B4-BE49-F238E27FC236}">
-                  <a16:creationId xmlns:a16="http://schemas.microsoft.com/office/drawing/2014/main" id="{F89FD5BB-8845-4597-B786-74E4AE894D27}"/>
+                  <a16:creationId xmlns:a16="http://schemas.microsoft.com/office/drawing/2014/main" xmlns="" id="{F89FD5BB-8845-4597-B786-74E4AE894D27}"/>
                 </a:ext>
               </a:extLst>
             </p:cNvPr>
@@ -10907,7 +10950,7 @@
             </a:fontRef>
           </p:style>
           <p:txBody>
-            <a:bodyPr spcFirstLastPara="0" vert="horz" wrap="square" lIns="90647" tIns="90647" rIns="90647" bIns="491253" numCol="1" spcCol="1270" anchor="t" anchorCtr="0">
+            <a:bodyPr spcFirstLastPara="0" vert="horz" wrap="square" lIns="90647" tIns="90647" rIns="90647" bIns="491253" numCol="1" spcCol="1270" anchor="ctr" anchorCtr="0">
               <a:noAutofit/>
             </a:bodyPr>
             <a:lstStyle/>
@@ -10941,7 +10984,7 @@
             <p:cNvPr id="22" name="Freeform: Shape 21">
               <a:extLst>
                 <a:ext uri="{FF2B5EF4-FFF2-40B4-BE49-F238E27FC236}">
-                  <a16:creationId xmlns:a16="http://schemas.microsoft.com/office/drawing/2014/main" id="{BA1DD3C9-E533-4766-BDD5-056A6D70BC94}"/>
+                  <a16:creationId xmlns:a16="http://schemas.microsoft.com/office/drawing/2014/main" xmlns="" id="{BA1DD3C9-E533-4766-BDD5-056A6D70BC94}"/>
                 </a:ext>
               </a:extLst>
             </p:cNvPr>
@@ -11155,7 +11198,7 @@
           <p:cNvPr id="29" name="组合 28">
             <a:extLst>
               <a:ext uri="{FF2B5EF4-FFF2-40B4-BE49-F238E27FC236}">
-                <a16:creationId xmlns:a16="http://schemas.microsoft.com/office/drawing/2014/main" id="{6E2E6247-D5BD-4C75-B61E-3965EF32694F}"/>
+                <a16:creationId xmlns:a16="http://schemas.microsoft.com/office/drawing/2014/main" xmlns="" id="{6E2E6247-D5BD-4C75-B61E-3965EF32694F}"/>
               </a:ext>
             </a:extLst>
           </p:cNvPr>
@@ -11175,7 +11218,7 @@
             <p:cNvPr id="34" name="饼形 6">
               <a:extLst>
                 <a:ext uri="{FF2B5EF4-FFF2-40B4-BE49-F238E27FC236}">
-                  <a16:creationId xmlns:a16="http://schemas.microsoft.com/office/drawing/2014/main" id="{E443680E-5E21-42C5-82E3-F92BE292DAAE}"/>
+                  <a16:creationId xmlns:a16="http://schemas.microsoft.com/office/drawing/2014/main" xmlns="" id="{E443680E-5E21-42C5-82E3-F92BE292DAAE}"/>
                 </a:ext>
               </a:extLst>
             </p:cNvPr>
@@ -11233,7 +11276,7 @@
             <p:cNvPr id="38" name="矩形 37">
               <a:extLst>
                 <a:ext uri="{FF2B5EF4-FFF2-40B4-BE49-F238E27FC236}">
-                  <a16:creationId xmlns:a16="http://schemas.microsoft.com/office/drawing/2014/main" id="{70C7200A-1BD1-4B1A-B6FE-D3E9C916A9A7}"/>
+                  <a16:creationId xmlns:a16="http://schemas.microsoft.com/office/drawing/2014/main" xmlns="" id="{70C7200A-1BD1-4B1A-B6FE-D3E9C916A9A7}"/>
                 </a:ext>
               </a:extLst>
             </p:cNvPr>
@@ -11285,7 +11328,7 @@
             <p:cNvPr id="39" name="文本框 38">
               <a:extLst>
                 <a:ext uri="{FF2B5EF4-FFF2-40B4-BE49-F238E27FC236}">
-                  <a16:creationId xmlns:a16="http://schemas.microsoft.com/office/drawing/2014/main" id="{55698F93-45E8-402C-98AF-AD5AFFAFEFF9}"/>
+                  <a16:creationId xmlns:a16="http://schemas.microsoft.com/office/drawing/2014/main" xmlns="" id="{55698F93-45E8-402C-98AF-AD5AFFAFEFF9}"/>
                 </a:ext>
               </a:extLst>
             </p:cNvPr>
@@ -11295,7 +11338,7 @@
           <p:spPr>
             <a:xfrm>
               <a:off x="1269559" y="360163"/>
-              <a:ext cx="7092387" cy="523220"/>
+              <a:ext cx="7092387" cy="584775"/>
             </a:xfrm>
             <a:prstGeom prst="rect">
               <a:avLst/>
@@ -11309,21 +11352,16 @@
             <a:lstStyle/>
             <a:p>
               <a:r>
-                <a:rPr lang="en-US" altLang="zh-CN" sz="2800" spc="300" dirty="0">
+                <a:rPr lang="en-US" altLang="zh-CN" sz="3200" spc="300" dirty="0">
                   <a:solidFill>
                     <a:schemeClr val="tx1">
                       <a:lumMod val="75000"/>
                       <a:lumOff val="25000"/>
                     </a:schemeClr>
                   </a:solidFill>
-                  <a:latin typeface="思源黑体 CN Medium" panose="020B0600000000000000" pitchFamily="34" charset="-122"/>
-                  <a:ea typeface="思源黑体 CN Medium" panose="020B0600000000000000" pitchFamily="34" charset="-122"/>
+                  <a:latin typeface="+mn-ea"/>
                 </a:rPr>
-                <a:t>Aggregate——</a:t>
-              </a:r>
-              <a:r>
-                <a:rPr lang="en-US" altLang="zh-CN" sz="2800" dirty="0"/>
-                <a:t>Prediction </a:t>
+                <a:t>Aggregate——Prediction </a:t>
               </a:r>
             </a:p>
           </p:txBody>
@@ -11357,42 +11395,42 @@
                 <a:gridCol w="1634289">
                   <a:extLst>
                     <a:ext uri="{9D8B030D-6E8A-4147-A177-3AD203B41FA5}">
-                      <a16:colId xmlns:a16="http://schemas.microsoft.com/office/drawing/2014/main" val="20000"/>
+                      <a16:colId xmlns:a16="http://schemas.microsoft.com/office/drawing/2014/main" xmlns="" val="20000"/>
                     </a:ext>
                   </a:extLst>
                 </a:gridCol>
                 <a:gridCol w="1634289">
                   <a:extLst>
                     <a:ext uri="{9D8B030D-6E8A-4147-A177-3AD203B41FA5}">
-                      <a16:colId xmlns:a16="http://schemas.microsoft.com/office/drawing/2014/main" val="20001"/>
+                      <a16:colId xmlns:a16="http://schemas.microsoft.com/office/drawing/2014/main" xmlns="" val="20001"/>
                     </a:ext>
                   </a:extLst>
                 </a:gridCol>
                 <a:gridCol w="1634289">
                   <a:extLst>
                     <a:ext uri="{9D8B030D-6E8A-4147-A177-3AD203B41FA5}">
-                      <a16:colId xmlns:a16="http://schemas.microsoft.com/office/drawing/2014/main" val="20002"/>
+                      <a16:colId xmlns:a16="http://schemas.microsoft.com/office/drawing/2014/main" xmlns="" val="20002"/>
                     </a:ext>
                   </a:extLst>
                 </a:gridCol>
                 <a:gridCol w="1634289">
                   <a:extLst>
                     <a:ext uri="{9D8B030D-6E8A-4147-A177-3AD203B41FA5}">
-                      <a16:colId xmlns:a16="http://schemas.microsoft.com/office/drawing/2014/main" val="20003"/>
+                      <a16:colId xmlns:a16="http://schemas.microsoft.com/office/drawing/2014/main" xmlns="" val="20003"/>
                     </a:ext>
                   </a:extLst>
                 </a:gridCol>
                 <a:gridCol w="1634289">
                   <a:extLst>
                     <a:ext uri="{9D8B030D-6E8A-4147-A177-3AD203B41FA5}">
-                      <a16:colId xmlns:a16="http://schemas.microsoft.com/office/drawing/2014/main" val="20004"/>
+                      <a16:colId xmlns:a16="http://schemas.microsoft.com/office/drawing/2014/main" xmlns="" val="20004"/>
                     </a:ext>
                   </a:extLst>
                 </a:gridCol>
                 <a:gridCol w="1634289">
                   <a:extLst>
                     <a:ext uri="{9D8B030D-6E8A-4147-A177-3AD203B41FA5}">
-                      <a16:colId xmlns:a16="http://schemas.microsoft.com/office/drawing/2014/main" val="20005"/>
+                      <a16:colId xmlns:a16="http://schemas.microsoft.com/office/drawing/2014/main" xmlns="" val="20005"/>
                     </a:ext>
                   </a:extLst>
                 </a:gridCol>
@@ -11497,7 +11535,7 @@
                 </a:tc>
                 <a:extLst>
                   <a:ext uri="{0D108BD9-81ED-4DB2-BD59-A6C34878D82A}">
-                    <a16:rowId xmlns:a16="http://schemas.microsoft.com/office/drawing/2014/main" val="10000"/>
+                    <a16:rowId xmlns:a16="http://schemas.microsoft.com/office/drawing/2014/main" xmlns="" val="10000"/>
                   </a:ext>
                 </a:extLst>
               </a:tr>
@@ -11594,7 +11632,7 @@
                 </a:tc>
                 <a:extLst>
                   <a:ext uri="{0D108BD9-81ED-4DB2-BD59-A6C34878D82A}">
-                    <a16:rowId xmlns:a16="http://schemas.microsoft.com/office/drawing/2014/main" val="10001"/>
+                    <a16:rowId xmlns:a16="http://schemas.microsoft.com/office/drawing/2014/main" xmlns="" val="10001"/>
                   </a:ext>
                 </a:extLst>
               </a:tr>
@@ -11687,7 +11725,7 @@
                 </a:tc>
                 <a:extLst>
                   <a:ext uri="{0D108BD9-81ED-4DB2-BD59-A6C34878D82A}">
-                    <a16:rowId xmlns:a16="http://schemas.microsoft.com/office/drawing/2014/main" val="10002"/>
+                    <a16:rowId xmlns:a16="http://schemas.microsoft.com/office/drawing/2014/main" xmlns="" val="10002"/>
                   </a:ext>
                 </a:extLst>
               </a:tr>
@@ -11784,7 +11822,7 @@
                 </a:tc>
                 <a:extLst>
                   <a:ext uri="{0D108BD9-81ED-4DB2-BD59-A6C34878D82A}">
-                    <a16:rowId xmlns:a16="http://schemas.microsoft.com/office/drawing/2014/main" val="10003"/>
+                    <a16:rowId xmlns:a16="http://schemas.microsoft.com/office/drawing/2014/main" xmlns="" val="10003"/>
                   </a:ext>
                 </a:extLst>
               </a:tr>
@@ -11877,7 +11915,7 @@
                 </a:tc>
                 <a:extLst>
                   <a:ext uri="{0D108BD9-81ED-4DB2-BD59-A6C34878D82A}">
-                    <a16:rowId xmlns:a16="http://schemas.microsoft.com/office/drawing/2014/main" val="10004"/>
+                    <a16:rowId xmlns:a16="http://schemas.microsoft.com/office/drawing/2014/main" xmlns="" val="10004"/>
                   </a:ext>
                 </a:extLst>
               </a:tr>
@@ -11974,7 +12012,7 @@
                 </a:tc>
                 <a:extLst>
                   <a:ext uri="{0D108BD9-81ED-4DB2-BD59-A6C34878D82A}">
-                    <a16:rowId xmlns:a16="http://schemas.microsoft.com/office/drawing/2014/main" val="10005"/>
+                    <a16:rowId xmlns:a16="http://schemas.microsoft.com/office/drawing/2014/main" xmlns="" val="10005"/>
                   </a:ext>
                 </a:extLst>
               </a:tr>
@@ -12067,7 +12105,7 @@
                 </a:tc>
                 <a:extLst>
                   <a:ext uri="{0D108BD9-81ED-4DB2-BD59-A6C34878D82A}">
-                    <a16:rowId xmlns:a16="http://schemas.microsoft.com/office/drawing/2014/main" val="10006"/>
+                    <a16:rowId xmlns:a16="http://schemas.microsoft.com/office/drawing/2014/main" xmlns="" val="10006"/>
                   </a:ext>
                 </a:extLst>
               </a:tr>
@@ -12122,7 +12160,7 @@
           <p:cNvPr id="29" name="组合 28">
             <a:extLst>
               <a:ext uri="{FF2B5EF4-FFF2-40B4-BE49-F238E27FC236}">
-                <a16:creationId xmlns:a16="http://schemas.microsoft.com/office/drawing/2014/main" id="{6E2E6247-D5BD-4C75-B61E-3965EF32694F}"/>
+                <a16:creationId xmlns:a16="http://schemas.microsoft.com/office/drawing/2014/main" xmlns="" id="{6E2E6247-D5BD-4C75-B61E-3965EF32694F}"/>
               </a:ext>
             </a:extLst>
           </p:cNvPr>
@@ -12142,7 +12180,7 @@
             <p:cNvPr id="34" name="饼形 6">
               <a:extLst>
                 <a:ext uri="{FF2B5EF4-FFF2-40B4-BE49-F238E27FC236}">
-                  <a16:creationId xmlns:a16="http://schemas.microsoft.com/office/drawing/2014/main" id="{E443680E-5E21-42C5-82E3-F92BE292DAAE}"/>
+                  <a16:creationId xmlns:a16="http://schemas.microsoft.com/office/drawing/2014/main" xmlns="" id="{E443680E-5E21-42C5-82E3-F92BE292DAAE}"/>
                 </a:ext>
               </a:extLst>
             </p:cNvPr>
@@ -12200,7 +12238,7 @@
             <p:cNvPr id="38" name="矩形 37">
               <a:extLst>
                 <a:ext uri="{FF2B5EF4-FFF2-40B4-BE49-F238E27FC236}">
-                  <a16:creationId xmlns:a16="http://schemas.microsoft.com/office/drawing/2014/main" id="{70C7200A-1BD1-4B1A-B6FE-D3E9C916A9A7}"/>
+                  <a16:creationId xmlns:a16="http://schemas.microsoft.com/office/drawing/2014/main" xmlns="" id="{70C7200A-1BD1-4B1A-B6FE-D3E9C916A9A7}"/>
                 </a:ext>
               </a:extLst>
             </p:cNvPr>
@@ -12252,7 +12290,7 @@
             <p:cNvPr id="39" name="文本框 38">
               <a:extLst>
                 <a:ext uri="{FF2B5EF4-FFF2-40B4-BE49-F238E27FC236}">
-                  <a16:creationId xmlns:a16="http://schemas.microsoft.com/office/drawing/2014/main" id="{55698F93-45E8-402C-98AF-AD5AFFAFEFF9}"/>
+                  <a16:creationId xmlns:a16="http://schemas.microsoft.com/office/drawing/2014/main" xmlns="" id="{55698F93-45E8-402C-98AF-AD5AFFAFEFF9}"/>
                 </a:ext>
               </a:extLst>
             </p:cNvPr>
@@ -12262,7 +12300,7 @@
           <p:spPr>
             <a:xfrm>
               <a:off x="1269559" y="360163"/>
-              <a:ext cx="7092387" cy="523220"/>
+              <a:ext cx="7092387" cy="584775"/>
             </a:xfrm>
             <a:prstGeom prst="rect">
               <a:avLst/>
@@ -12276,72 +12314,69 @@
             <a:lstStyle/>
             <a:p>
               <a:r>
-                <a:rPr lang="en-US" altLang="zh-CN" sz="2800" spc="300" dirty="0">
+                <a:rPr lang="en-US" altLang="zh-CN" sz="3200" spc="300" dirty="0">
                   <a:solidFill>
                     <a:schemeClr val="tx1">
                       <a:lumMod val="75000"/>
                       <a:lumOff val="25000"/>
                     </a:schemeClr>
                   </a:solidFill>
-                  <a:latin typeface="思源黑体 CN Medium" panose="020B0600000000000000" pitchFamily="34" charset="-122"/>
-                  <a:ea typeface="思源黑体 CN Medium" panose="020B0600000000000000" pitchFamily="34" charset="-122"/>
+                  <a:latin typeface="+mn-ea"/>
                 </a:rPr>
                 <a:t>Aggregate——Party</a:t>
               </a:r>
               <a:r>
-                <a:rPr lang="zh-CN" altLang="en-US" sz="2800" spc="300" dirty="0">
+                <a:rPr lang="zh-CN" altLang="en-US" sz="3200" spc="300" dirty="0">
                   <a:solidFill>
                     <a:schemeClr val="tx1">
                       <a:lumMod val="75000"/>
                       <a:lumOff val="25000"/>
                     </a:schemeClr>
                   </a:solidFill>
-                  <a:latin typeface="思源黑体 CN Medium" panose="020B0600000000000000" pitchFamily="34" charset="-122"/>
-                  <a:ea typeface="思源黑体 CN Medium" panose="020B0600000000000000" pitchFamily="34" charset="-122"/>
+                  <a:latin typeface="+mn-ea"/>
                 </a:rPr>
                 <a:t> </a:t>
               </a:r>
               <a:r>
-                <a:rPr lang="en-US" altLang="zh-CN" sz="2800" spc="300" dirty="0">
+                <a:rPr lang="en-US" altLang="zh-CN" sz="3200" spc="300" dirty="0">
                   <a:solidFill>
                     <a:schemeClr val="tx1">
                       <a:lumMod val="75000"/>
                       <a:lumOff val="25000"/>
                     </a:schemeClr>
                   </a:solidFill>
-                  <a:latin typeface="思源黑体 CN Medium" panose="020B0600000000000000" pitchFamily="34" charset="-122"/>
-                  <a:ea typeface="思源黑体 CN Medium" panose="020B0600000000000000" pitchFamily="34" charset="-122"/>
+                  <a:latin typeface="+mn-ea"/>
                 </a:rPr>
                 <a:t>Size</a:t>
               </a:r>
               <a:r>
-                <a:rPr lang="zh-CN" altLang="en-US" sz="2800" spc="300" dirty="0">
+                <a:rPr lang="zh-CN" altLang="en-US" sz="3200" spc="300" dirty="0">
                   <a:solidFill>
                     <a:schemeClr val="tx1">
                       <a:lumMod val="75000"/>
                       <a:lumOff val="25000"/>
                     </a:schemeClr>
                   </a:solidFill>
-                  <a:latin typeface="思源黑体 CN Medium" panose="020B0600000000000000" pitchFamily="34" charset="-122"/>
-                  <a:ea typeface="思源黑体 CN Medium" panose="020B0600000000000000" pitchFamily="34" charset="-122"/>
+                  <a:latin typeface="+mn-ea"/>
                 </a:rPr>
                 <a:t> </a:t>
               </a:r>
               <a:r>
-                <a:rPr lang="en-US" altLang="zh-CN" sz="2800" spc="300" dirty="0">
+                <a:rPr lang="en-US" altLang="zh-CN" sz="3200" spc="300" dirty="0">
                   <a:solidFill>
                     <a:schemeClr val="tx1">
                       <a:lumMod val="75000"/>
                       <a:lumOff val="25000"/>
                     </a:schemeClr>
                   </a:solidFill>
-                  <a:latin typeface="思源黑体 CN Medium" panose="020B0600000000000000" pitchFamily="34" charset="-122"/>
-                  <a:ea typeface="思源黑体 CN Medium" panose="020B0600000000000000" pitchFamily="34" charset="-122"/>
+                  <a:latin typeface="+mn-ea"/>
                 </a:rPr>
                 <a:t>1</a:t>
               </a:r>
               <a:r>
-                <a:rPr lang="en-US" altLang="zh-CN" sz="2800" dirty="0"/>
+                <a:rPr lang="en-US" altLang="zh-CN" sz="3200" dirty="0">
+                  <a:latin typeface="+mn-ea"/>
+                </a:rPr>
                 <a:t> </a:t>
               </a:r>
             </a:p>
@@ -12353,7 +12388,7 @@
           <p:cNvPr id="4" name="Picture 3">
             <a:extLst>
               <a:ext uri="{FF2B5EF4-FFF2-40B4-BE49-F238E27FC236}">
-                <a16:creationId xmlns:a16="http://schemas.microsoft.com/office/drawing/2014/main" id="{7FA8F14A-D910-4C3D-B4C5-681E8E8FA301}"/>
+                <a16:creationId xmlns:a16="http://schemas.microsoft.com/office/drawing/2014/main" xmlns="" id="{7FA8F14A-D910-4C3D-B4C5-681E8E8FA301}"/>
               </a:ext>
             </a:extLst>
           </p:cNvPr>
@@ -12431,7 +12466,7 @@
           <p:cNvPr id="29" name="组合 28">
             <a:extLst>
               <a:ext uri="{FF2B5EF4-FFF2-40B4-BE49-F238E27FC236}">
-                <a16:creationId xmlns:a16="http://schemas.microsoft.com/office/drawing/2014/main" id="{6E2E6247-D5BD-4C75-B61E-3965EF32694F}"/>
+                <a16:creationId xmlns:a16="http://schemas.microsoft.com/office/drawing/2014/main" xmlns="" id="{6E2E6247-D5BD-4C75-B61E-3965EF32694F}"/>
               </a:ext>
             </a:extLst>
           </p:cNvPr>
@@ -12451,7 +12486,7 @@
             <p:cNvPr id="34" name="饼形 6">
               <a:extLst>
                 <a:ext uri="{FF2B5EF4-FFF2-40B4-BE49-F238E27FC236}">
-                  <a16:creationId xmlns:a16="http://schemas.microsoft.com/office/drawing/2014/main" id="{E443680E-5E21-42C5-82E3-F92BE292DAAE}"/>
+                  <a16:creationId xmlns:a16="http://schemas.microsoft.com/office/drawing/2014/main" xmlns="" id="{E443680E-5E21-42C5-82E3-F92BE292DAAE}"/>
                 </a:ext>
               </a:extLst>
             </p:cNvPr>
@@ -12509,7 +12544,7 @@
             <p:cNvPr id="38" name="矩形 37">
               <a:extLst>
                 <a:ext uri="{FF2B5EF4-FFF2-40B4-BE49-F238E27FC236}">
-                  <a16:creationId xmlns:a16="http://schemas.microsoft.com/office/drawing/2014/main" id="{70C7200A-1BD1-4B1A-B6FE-D3E9C916A9A7}"/>
+                  <a16:creationId xmlns:a16="http://schemas.microsoft.com/office/drawing/2014/main" xmlns="" id="{70C7200A-1BD1-4B1A-B6FE-D3E9C916A9A7}"/>
                 </a:ext>
               </a:extLst>
             </p:cNvPr>
@@ -12561,7 +12596,7 @@
             <p:cNvPr id="39" name="文本框 38">
               <a:extLst>
                 <a:ext uri="{FF2B5EF4-FFF2-40B4-BE49-F238E27FC236}">
-                  <a16:creationId xmlns:a16="http://schemas.microsoft.com/office/drawing/2014/main" id="{55698F93-45E8-402C-98AF-AD5AFFAFEFF9}"/>
+                  <a16:creationId xmlns:a16="http://schemas.microsoft.com/office/drawing/2014/main" xmlns="" id="{55698F93-45E8-402C-98AF-AD5AFFAFEFF9}"/>
                 </a:ext>
               </a:extLst>
             </p:cNvPr>
@@ -12571,7 +12606,7 @@
           <p:spPr>
             <a:xfrm>
               <a:off x="1269559" y="360163"/>
-              <a:ext cx="7092387" cy="523220"/>
+              <a:ext cx="7092387" cy="584775"/>
             </a:xfrm>
             <a:prstGeom prst="rect">
               <a:avLst/>
@@ -12585,72 +12620,69 @@
             <a:lstStyle/>
             <a:p>
               <a:r>
-                <a:rPr lang="en-US" altLang="zh-CN" sz="2800" spc="300" dirty="0">
+                <a:rPr lang="en-US" altLang="zh-CN" sz="3200" spc="300" dirty="0">
                   <a:solidFill>
                     <a:schemeClr val="tx1">
                       <a:lumMod val="75000"/>
                       <a:lumOff val="25000"/>
                     </a:schemeClr>
                   </a:solidFill>
-                  <a:latin typeface="思源黑体 CN Medium" panose="020B0600000000000000" pitchFamily="34" charset="-122"/>
-                  <a:ea typeface="思源黑体 CN Medium" panose="020B0600000000000000" pitchFamily="34" charset="-122"/>
+                  <a:latin typeface="+mn-ea"/>
                 </a:rPr>
                 <a:t>Aggregate——Party</a:t>
               </a:r>
               <a:r>
-                <a:rPr lang="zh-CN" altLang="en-US" sz="2800" spc="300" dirty="0">
+                <a:rPr lang="zh-CN" altLang="en-US" sz="3200" spc="300" dirty="0">
                   <a:solidFill>
                     <a:schemeClr val="tx1">
                       <a:lumMod val="75000"/>
                       <a:lumOff val="25000"/>
                     </a:schemeClr>
                   </a:solidFill>
-                  <a:latin typeface="思源黑体 CN Medium" panose="020B0600000000000000" pitchFamily="34" charset="-122"/>
-                  <a:ea typeface="思源黑体 CN Medium" panose="020B0600000000000000" pitchFamily="34" charset="-122"/>
+                  <a:latin typeface="+mn-ea"/>
                 </a:rPr>
                 <a:t> </a:t>
               </a:r>
               <a:r>
-                <a:rPr lang="en-US" altLang="zh-CN" sz="2800" spc="300" dirty="0">
+                <a:rPr lang="en-US" altLang="zh-CN" sz="3200" spc="300" dirty="0">
                   <a:solidFill>
                     <a:schemeClr val="tx1">
                       <a:lumMod val="75000"/>
                       <a:lumOff val="25000"/>
                     </a:schemeClr>
                   </a:solidFill>
-                  <a:latin typeface="思源黑体 CN Medium" panose="020B0600000000000000" pitchFamily="34" charset="-122"/>
-                  <a:ea typeface="思源黑体 CN Medium" panose="020B0600000000000000" pitchFamily="34" charset="-122"/>
+                  <a:latin typeface="+mn-ea"/>
                 </a:rPr>
                 <a:t>Size</a:t>
               </a:r>
               <a:r>
-                <a:rPr lang="zh-CN" altLang="en-US" sz="2800" spc="300" dirty="0">
+                <a:rPr lang="zh-CN" altLang="en-US" sz="3200" spc="300" dirty="0">
                   <a:solidFill>
                     <a:schemeClr val="tx1">
                       <a:lumMod val="75000"/>
                       <a:lumOff val="25000"/>
                     </a:schemeClr>
                   </a:solidFill>
-                  <a:latin typeface="思源黑体 CN Medium" panose="020B0600000000000000" pitchFamily="34" charset="-122"/>
-                  <a:ea typeface="思源黑体 CN Medium" panose="020B0600000000000000" pitchFamily="34" charset="-122"/>
+                  <a:latin typeface="+mn-ea"/>
                 </a:rPr>
                 <a:t> </a:t>
               </a:r>
               <a:r>
-                <a:rPr lang="en-US" altLang="zh-CN" sz="2800" spc="300" dirty="0">
+                <a:rPr lang="en-US" altLang="zh-CN" sz="3200" spc="300" dirty="0">
                   <a:solidFill>
                     <a:schemeClr val="tx1">
                       <a:lumMod val="75000"/>
                       <a:lumOff val="25000"/>
                     </a:schemeClr>
                   </a:solidFill>
-                  <a:latin typeface="思源黑体 CN Medium" panose="020B0600000000000000" pitchFamily="34" charset="-122"/>
-                  <a:ea typeface="思源黑体 CN Medium" panose="020B0600000000000000" pitchFamily="34" charset="-122"/>
+                  <a:latin typeface="+mn-ea"/>
                 </a:rPr>
                 <a:t>2</a:t>
               </a:r>
               <a:r>
-                <a:rPr lang="en-US" altLang="zh-CN" sz="2800" dirty="0"/>
+                <a:rPr lang="en-US" altLang="zh-CN" sz="3200" dirty="0">
+                  <a:latin typeface="+mn-ea"/>
+                </a:rPr>
                 <a:t> </a:t>
               </a:r>
             </a:p>
@@ -12662,7 +12694,7 @@
           <p:cNvPr id="4" name="Picture 3">
             <a:extLst>
               <a:ext uri="{FF2B5EF4-FFF2-40B4-BE49-F238E27FC236}">
-                <a16:creationId xmlns:a16="http://schemas.microsoft.com/office/drawing/2014/main" id="{43CBB20E-A752-4569-B144-0B1243D03B3F}"/>
+                <a16:creationId xmlns:a16="http://schemas.microsoft.com/office/drawing/2014/main" xmlns="" id="{43CBB20E-A752-4569-B144-0B1243D03B3F}"/>
               </a:ext>
             </a:extLst>
           </p:cNvPr>
@@ -12740,7 +12772,7 @@
           <p:cNvPr id="29" name="组合 28">
             <a:extLst>
               <a:ext uri="{FF2B5EF4-FFF2-40B4-BE49-F238E27FC236}">
-                <a16:creationId xmlns:a16="http://schemas.microsoft.com/office/drawing/2014/main" id="{6E2E6247-D5BD-4C75-B61E-3965EF32694F}"/>
+                <a16:creationId xmlns:a16="http://schemas.microsoft.com/office/drawing/2014/main" xmlns="" id="{6E2E6247-D5BD-4C75-B61E-3965EF32694F}"/>
               </a:ext>
             </a:extLst>
           </p:cNvPr>
@@ -12760,7 +12792,7 @@
             <p:cNvPr id="34" name="饼形 6">
               <a:extLst>
                 <a:ext uri="{FF2B5EF4-FFF2-40B4-BE49-F238E27FC236}">
-                  <a16:creationId xmlns:a16="http://schemas.microsoft.com/office/drawing/2014/main" id="{E443680E-5E21-42C5-82E3-F92BE292DAAE}"/>
+                  <a16:creationId xmlns:a16="http://schemas.microsoft.com/office/drawing/2014/main" xmlns="" id="{E443680E-5E21-42C5-82E3-F92BE292DAAE}"/>
                 </a:ext>
               </a:extLst>
             </p:cNvPr>
@@ -12818,7 +12850,7 @@
             <p:cNvPr id="38" name="矩形 37">
               <a:extLst>
                 <a:ext uri="{FF2B5EF4-FFF2-40B4-BE49-F238E27FC236}">
-                  <a16:creationId xmlns:a16="http://schemas.microsoft.com/office/drawing/2014/main" id="{70C7200A-1BD1-4B1A-B6FE-D3E9C916A9A7}"/>
+                  <a16:creationId xmlns:a16="http://schemas.microsoft.com/office/drawing/2014/main" xmlns="" id="{70C7200A-1BD1-4B1A-B6FE-D3E9C916A9A7}"/>
                 </a:ext>
               </a:extLst>
             </p:cNvPr>
@@ -12870,7 +12902,7 @@
             <p:cNvPr id="39" name="文本框 38">
               <a:extLst>
                 <a:ext uri="{FF2B5EF4-FFF2-40B4-BE49-F238E27FC236}">
-                  <a16:creationId xmlns:a16="http://schemas.microsoft.com/office/drawing/2014/main" id="{55698F93-45E8-402C-98AF-AD5AFFAFEFF9}"/>
+                  <a16:creationId xmlns:a16="http://schemas.microsoft.com/office/drawing/2014/main" xmlns="" id="{55698F93-45E8-402C-98AF-AD5AFFAFEFF9}"/>
                 </a:ext>
               </a:extLst>
             </p:cNvPr>
@@ -12880,7 +12912,7 @@
           <p:spPr>
             <a:xfrm>
               <a:off x="1269559" y="360163"/>
-              <a:ext cx="7092387" cy="523220"/>
+              <a:ext cx="7092387" cy="584775"/>
             </a:xfrm>
             <a:prstGeom prst="rect">
               <a:avLst/>
@@ -12894,75 +12926,71 @@
             <a:lstStyle/>
             <a:p>
               <a:r>
-                <a:rPr lang="en-US" altLang="zh-CN" sz="2800" spc="300" dirty="0">
+                <a:rPr lang="en-US" altLang="zh-CN" sz="3200" spc="300" dirty="0">
                   <a:solidFill>
                     <a:schemeClr val="tx1">
                       <a:lumMod val="75000"/>
                       <a:lumOff val="25000"/>
                     </a:schemeClr>
                   </a:solidFill>
-                  <a:latin typeface="思源黑体 CN Medium" panose="020B0600000000000000" pitchFamily="34" charset="-122"/>
-                  <a:ea typeface="思源黑体 CN Medium" panose="020B0600000000000000" pitchFamily="34" charset="-122"/>
+                  <a:latin typeface="+mn-ea"/>
                 </a:rPr>
                 <a:t>Aggregate——Party</a:t>
               </a:r>
               <a:r>
-                <a:rPr lang="zh-CN" altLang="en-US" sz="2800" spc="300" dirty="0">
+                <a:rPr lang="zh-CN" altLang="en-US" sz="3200" spc="300" dirty="0">
                   <a:solidFill>
                     <a:schemeClr val="tx1">
                       <a:lumMod val="75000"/>
                       <a:lumOff val="25000"/>
                     </a:schemeClr>
                   </a:solidFill>
-                  <a:latin typeface="思源黑体 CN Medium" panose="020B0600000000000000" pitchFamily="34" charset="-122"/>
-                  <a:ea typeface="思源黑体 CN Medium" panose="020B0600000000000000" pitchFamily="34" charset="-122"/>
+                  <a:latin typeface="+mn-ea"/>
                 </a:rPr>
                 <a:t> </a:t>
               </a:r>
               <a:r>
-                <a:rPr lang="en-US" altLang="zh-CN" sz="2800" spc="300" dirty="0">
+                <a:rPr lang="en-US" altLang="zh-CN" sz="3200" spc="300" dirty="0">
                   <a:solidFill>
                     <a:schemeClr val="tx1">
                       <a:lumMod val="75000"/>
                       <a:lumOff val="25000"/>
                     </a:schemeClr>
                   </a:solidFill>
-                  <a:latin typeface="思源黑体 CN Medium" panose="020B0600000000000000" pitchFamily="34" charset="-122"/>
-                  <a:ea typeface="思源黑体 CN Medium" panose="020B0600000000000000" pitchFamily="34" charset="-122"/>
+                  <a:latin typeface="+mn-ea"/>
                 </a:rPr>
                 <a:t>Size</a:t>
               </a:r>
               <a:r>
-                <a:rPr lang="zh-CN" altLang="en-US" sz="2800" spc="300" dirty="0">
+                <a:rPr lang="zh-CN" altLang="en-US" sz="3200" spc="300" dirty="0">
                   <a:solidFill>
                     <a:schemeClr val="tx1">
                       <a:lumMod val="75000"/>
                       <a:lumOff val="25000"/>
                     </a:schemeClr>
                   </a:solidFill>
-                  <a:latin typeface="思源黑体 CN Medium" panose="020B0600000000000000" pitchFamily="34" charset="-122"/>
-                  <a:ea typeface="思源黑体 CN Medium" panose="020B0600000000000000" pitchFamily="34" charset="-122"/>
+                  <a:latin typeface="+mn-ea"/>
                 </a:rPr>
                 <a:t> </a:t>
               </a:r>
               <a:r>
-                <a:rPr lang="en-US" altLang="zh-CN" sz="2800" spc="300">
+                <a:rPr lang="en-US" altLang="zh-CN" sz="3200" spc="300" dirty="0">
                   <a:solidFill>
                     <a:schemeClr val="tx1">
                       <a:lumMod val="75000"/>
                       <a:lumOff val="25000"/>
                     </a:schemeClr>
                   </a:solidFill>
-                  <a:latin typeface="思源黑体 CN Medium" panose="020B0600000000000000" pitchFamily="34" charset="-122"/>
-                  <a:ea typeface="思源黑体 CN Medium" panose="020B0600000000000000" pitchFamily="34" charset="-122"/>
+                  <a:latin typeface="+mn-ea"/>
                 </a:rPr>
                 <a:t>4</a:t>
               </a:r>
               <a:r>
-                <a:rPr lang="en-US" altLang="zh-CN" sz="2800"/>
+                <a:rPr lang="en-US" altLang="zh-CN" sz="3200" dirty="0">
+                  <a:latin typeface="+mn-ea"/>
+                </a:rPr>
                 <a:t> </a:t>
               </a:r>
-              <a:endParaRPr lang="en-US" altLang="zh-CN" sz="2800" dirty="0"/>
             </a:p>
           </p:txBody>
         </p:sp>
@@ -12972,7 +13000,7 @@
           <p:cNvPr id="4" name="Picture 3">
             <a:extLst>
               <a:ext uri="{FF2B5EF4-FFF2-40B4-BE49-F238E27FC236}">
-                <a16:creationId xmlns:a16="http://schemas.microsoft.com/office/drawing/2014/main" id="{7D20F159-B34F-43BC-BCE8-8BE8FA2028A7}"/>
+                <a16:creationId xmlns:a16="http://schemas.microsoft.com/office/drawing/2014/main" xmlns="" id="{7D20F159-B34F-43BC-BCE8-8BE8FA2028A7}"/>
               </a:ext>
             </a:extLst>
           </p:cNvPr>
@@ -13050,7 +13078,7 @@
           <p:cNvPr id="29" name="组合 28">
             <a:extLst>
               <a:ext uri="{FF2B5EF4-FFF2-40B4-BE49-F238E27FC236}">
-                <a16:creationId xmlns:a16="http://schemas.microsoft.com/office/drawing/2014/main" id="{6E2E6247-D5BD-4C75-B61E-3965EF32694F}"/>
+                <a16:creationId xmlns:a16="http://schemas.microsoft.com/office/drawing/2014/main" xmlns="" id="{6E2E6247-D5BD-4C75-B61E-3965EF32694F}"/>
               </a:ext>
             </a:extLst>
           </p:cNvPr>
@@ -13070,7 +13098,7 @@
             <p:cNvPr id="34" name="饼形 6">
               <a:extLst>
                 <a:ext uri="{FF2B5EF4-FFF2-40B4-BE49-F238E27FC236}">
-                  <a16:creationId xmlns:a16="http://schemas.microsoft.com/office/drawing/2014/main" id="{E443680E-5E21-42C5-82E3-F92BE292DAAE}"/>
+                  <a16:creationId xmlns:a16="http://schemas.microsoft.com/office/drawing/2014/main" xmlns="" id="{E443680E-5E21-42C5-82E3-F92BE292DAAE}"/>
                 </a:ext>
               </a:extLst>
             </p:cNvPr>
@@ -13128,7 +13156,7 @@
             <p:cNvPr id="38" name="矩形 37">
               <a:extLst>
                 <a:ext uri="{FF2B5EF4-FFF2-40B4-BE49-F238E27FC236}">
-                  <a16:creationId xmlns:a16="http://schemas.microsoft.com/office/drawing/2014/main" id="{70C7200A-1BD1-4B1A-B6FE-D3E9C916A9A7}"/>
+                  <a16:creationId xmlns:a16="http://schemas.microsoft.com/office/drawing/2014/main" xmlns="" id="{70C7200A-1BD1-4B1A-B6FE-D3E9C916A9A7}"/>
                 </a:ext>
               </a:extLst>
             </p:cNvPr>
@@ -13180,7 +13208,7 @@
             <p:cNvPr id="39" name="文本框 38">
               <a:extLst>
                 <a:ext uri="{FF2B5EF4-FFF2-40B4-BE49-F238E27FC236}">
-                  <a16:creationId xmlns:a16="http://schemas.microsoft.com/office/drawing/2014/main" id="{55698F93-45E8-402C-98AF-AD5AFFAFEFF9}"/>
+                  <a16:creationId xmlns:a16="http://schemas.microsoft.com/office/drawing/2014/main" xmlns="" id="{55698F93-45E8-402C-98AF-AD5AFFAFEFF9}"/>
                 </a:ext>
               </a:extLst>
             </p:cNvPr>
@@ -13190,7 +13218,7 @@
           <p:spPr>
             <a:xfrm>
               <a:off x="1269559" y="360163"/>
-              <a:ext cx="7092387" cy="523220"/>
+              <a:ext cx="7092387" cy="584775"/>
             </a:xfrm>
             <a:prstGeom prst="rect">
               <a:avLst/>
@@ -13204,19 +13232,20 @@
             <a:lstStyle/>
             <a:p>
               <a:r>
-                <a:rPr lang="en-US" altLang="zh-CN" sz="2800" spc="300" dirty="0">
+                <a:rPr lang="en-US" altLang="zh-CN" sz="3200" spc="300" dirty="0">
                   <a:solidFill>
                     <a:schemeClr val="tx1">
                       <a:lumMod val="75000"/>
                       <a:lumOff val="25000"/>
                     </a:schemeClr>
                   </a:solidFill>
-                  <a:latin typeface="思源黑体 CN Medium" panose="020B0600000000000000" pitchFamily="34" charset="-122"/>
-                  <a:ea typeface="思源黑体 CN Medium" panose="020B0600000000000000" pitchFamily="34" charset="-122"/>
+                  <a:latin typeface="+mn-ea"/>
                 </a:rPr>
                 <a:t>Strategy Analysis</a:t>
               </a:r>
-              <a:endParaRPr lang="en-US" altLang="zh-CN" sz="2800" dirty="0"/>
+              <a:endParaRPr lang="en-US" altLang="zh-CN" sz="3200" dirty="0">
+                <a:latin typeface="+mn-ea"/>
+              </a:endParaRPr>
             </a:p>
           </p:txBody>
         </p:sp>
@@ -13226,7 +13255,7 @@
           <p:cNvPr id="6" name="组合 3">
             <a:extLst>
               <a:ext uri="{FF2B5EF4-FFF2-40B4-BE49-F238E27FC236}">
-                <a16:creationId xmlns:a16="http://schemas.microsoft.com/office/drawing/2014/main" id="{4DFD84B2-5D7C-6D4D-A53F-7C4E24A81D11}"/>
+                <a16:creationId xmlns:a16="http://schemas.microsoft.com/office/drawing/2014/main" xmlns="" id="{4DFD84B2-5D7C-6D4D-A53F-7C4E24A81D11}"/>
               </a:ext>
             </a:extLst>
           </p:cNvPr>
@@ -13246,7 +13275,7 @@
             <p:cNvPr id="7" name="椭圆 11">
               <a:extLst>
                 <a:ext uri="{FF2B5EF4-FFF2-40B4-BE49-F238E27FC236}">
-                  <a16:creationId xmlns:a16="http://schemas.microsoft.com/office/drawing/2014/main" id="{BBAB2A8E-8C76-FB41-8CDE-7A414C840D16}"/>
+                  <a16:creationId xmlns:a16="http://schemas.microsoft.com/office/drawing/2014/main" xmlns="" id="{BBAB2A8E-8C76-FB41-8CDE-7A414C840D16}"/>
                 </a:ext>
               </a:extLst>
             </p:cNvPr>
@@ -13317,7 +13346,7 @@
             <p:cNvPr id="8" name="文本框 12">
               <a:extLst>
                 <a:ext uri="{FF2B5EF4-FFF2-40B4-BE49-F238E27FC236}">
-                  <a16:creationId xmlns:a16="http://schemas.microsoft.com/office/drawing/2014/main" id="{D38C8657-A1FE-5D48-BBD9-FF52BFF11BC3}"/>
+                  <a16:creationId xmlns:a16="http://schemas.microsoft.com/office/drawing/2014/main" xmlns="" id="{D38C8657-A1FE-5D48-BBD9-FF52BFF11BC3}"/>
                 </a:ext>
               </a:extLst>
             </p:cNvPr>
@@ -13466,7 +13495,7 @@
           <p:cNvPr id="11" name="椭圆 16">
             <a:extLst>
               <a:ext uri="{FF2B5EF4-FFF2-40B4-BE49-F238E27FC236}">
-                <a16:creationId xmlns:a16="http://schemas.microsoft.com/office/drawing/2014/main" id="{A640E9ED-67F8-5948-96B0-5DA291B65802}"/>
+                <a16:creationId xmlns:a16="http://schemas.microsoft.com/office/drawing/2014/main" xmlns="" id="{A640E9ED-67F8-5948-96B0-5DA291B65802}"/>
               </a:ext>
             </a:extLst>
           </p:cNvPr>
@@ -13536,7 +13565,7 @@
           <p:cNvPr id="15" name="椭圆 19">
             <a:extLst>
               <a:ext uri="{FF2B5EF4-FFF2-40B4-BE49-F238E27FC236}">
-                <a16:creationId xmlns:a16="http://schemas.microsoft.com/office/drawing/2014/main" id="{DFD5C809-DCA2-6D4A-817C-99ACBFAE30EB}"/>
+                <a16:creationId xmlns:a16="http://schemas.microsoft.com/office/drawing/2014/main" xmlns="" id="{DFD5C809-DCA2-6D4A-817C-99ACBFAE30EB}"/>
               </a:ext>
             </a:extLst>
           </p:cNvPr>
@@ -13590,7 +13619,7 @@
           <p:cNvPr id="18" name="文本框 12">
             <a:extLst>
               <a:ext uri="{FF2B5EF4-FFF2-40B4-BE49-F238E27FC236}">
-                <a16:creationId xmlns:a16="http://schemas.microsoft.com/office/drawing/2014/main" id="{B572686E-374A-094C-917D-C2F26AF7EF56}"/>
+                <a16:creationId xmlns:a16="http://schemas.microsoft.com/office/drawing/2014/main" xmlns="" id="{B572686E-374A-094C-917D-C2F26AF7EF56}"/>
               </a:ext>
             </a:extLst>
           </p:cNvPr>
@@ -13738,7 +13767,7 @@
           <p:cNvPr id="19" name="文本框 12">
             <a:extLst>
               <a:ext uri="{FF2B5EF4-FFF2-40B4-BE49-F238E27FC236}">
-                <a16:creationId xmlns:a16="http://schemas.microsoft.com/office/drawing/2014/main" id="{07B8F40C-0910-44A5-9FBE-4FB821392A2C}"/>
+                <a16:creationId xmlns:a16="http://schemas.microsoft.com/office/drawing/2014/main" xmlns="" id="{07B8F40C-0910-44A5-9FBE-4FB821392A2C}"/>
               </a:ext>
             </a:extLst>
           </p:cNvPr>
@@ -14014,7 +14043,7 @@
           <p:cNvPr id="29" name="组合 28">
             <a:extLst>
               <a:ext uri="{FF2B5EF4-FFF2-40B4-BE49-F238E27FC236}">
-                <a16:creationId xmlns:a16="http://schemas.microsoft.com/office/drawing/2014/main" id="{6E2E6247-D5BD-4C75-B61E-3965EF32694F}"/>
+                <a16:creationId xmlns:a16="http://schemas.microsoft.com/office/drawing/2014/main" xmlns="" id="{6E2E6247-D5BD-4C75-B61E-3965EF32694F}"/>
               </a:ext>
             </a:extLst>
           </p:cNvPr>
@@ -14034,7 +14063,7 @@
             <p:cNvPr id="34" name="饼形 6">
               <a:extLst>
                 <a:ext uri="{FF2B5EF4-FFF2-40B4-BE49-F238E27FC236}">
-                  <a16:creationId xmlns:a16="http://schemas.microsoft.com/office/drawing/2014/main" id="{E443680E-5E21-42C5-82E3-F92BE292DAAE}"/>
+                  <a16:creationId xmlns:a16="http://schemas.microsoft.com/office/drawing/2014/main" xmlns="" id="{E443680E-5E21-42C5-82E3-F92BE292DAAE}"/>
                 </a:ext>
               </a:extLst>
             </p:cNvPr>
@@ -14092,7 +14121,7 @@
             <p:cNvPr id="38" name="矩形 37">
               <a:extLst>
                 <a:ext uri="{FF2B5EF4-FFF2-40B4-BE49-F238E27FC236}">
-                  <a16:creationId xmlns:a16="http://schemas.microsoft.com/office/drawing/2014/main" id="{70C7200A-1BD1-4B1A-B6FE-D3E9C916A9A7}"/>
+                  <a16:creationId xmlns:a16="http://schemas.microsoft.com/office/drawing/2014/main" xmlns="" id="{70C7200A-1BD1-4B1A-B6FE-D3E9C916A9A7}"/>
                 </a:ext>
               </a:extLst>
             </p:cNvPr>
@@ -14144,7 +14173,7 @@
             <p:cNvPr id="39" name="文本框 38">
               <a:extLst>
                 <a:ext uri="{FF2B5EF4-FFF2-40B4-BE49-F238E27FC236}">
-                  <a16:creationId xmlns:a16="http://schemas.microsoft.com/office/drawing/2014/main" id="{55698F93-45E8-402C-98AF-AD5AFFAFEFF9}"/>
+                  <a16:creationId xmlns:a16="http://schemas.microsoft.com/office/drawing/2014/main" xmlns="" id="{55698F93-45E8-402C-98AF-AD5AFFAFEFF9}"/>
                 </a:ext>
               </a:extLst>
             </p:cNvPr>
@@ -14154,7 +14183,7 @@
           <p:spPr>
             <a:xfrm>
               <a:off x="1269559" y="360163"/>
-              <a:ext cx="7092387" cy="523220"/>
+              <a:ext cx="7092387" cy="584775"/>
             </a:xfrm>
             <a:prstGeom prst="rect">
               <a:avLst/>
@@ -14168,19 +14197,44 @@
             <a:lstStyle/>
             <a:p>
               <a:r>
-                <a:rPr lang="en-US" altLang="zh-CN" sz="2800" spc="300" dirty="0">
+                <a:rPr lang="en-US" altLang="zh-CN" sz="3200" spc="300">
                   <a:solidFill>
                     <a:schemeClr val="tx1">
                       <a:lumMod val="75000"/>
                       <a:lumOff val="25000"/>
                     </a:schemeClr>
                   </a:solidFill>
-                  <a:latin typeface="思源黑体 CN Medium" panose="020B0600000000000000" pitchFamily="34" charset="-122"/>
-                  <a:ea typeface="思源黑体 CN Medium" panose="020B0600000000000000" pitchFamily="34" charset="-122"/>
+                  <a:latin typeface="+mn-ea"/>
                 </a:rPr>
-                <a:t>Specific suggestion</a:t>
+                <a:t>Specific </a:t>
               </a:r>
-              <a:endParaRPr lang="en-US" altLang="zh-CN" sz="2800" dirty="0"/>
+              <a:r>
+                <a:rPr lang="en-US" altLang="zh-CN" sz="3200" spc="300" smtClean="0">
+                  <a:solidFill>
+                    <a:schemeClr val="tx1">
+                      <a:lumMod val="75000"/>
+                      <a:lumOff val="25000"/>
+                    </a:schemeClr>
+                  </a:solidFill>
+                  <a:latin typeface="+mn-ea"/>
+                </a:rPr>
+                <a:t>S</a:t>
+              </a:r>
+              <a:r>
+                <a:rPr lang="en-US" altLang="zh-CN" sz="3200" spc="300" smtClean="0">
+                  <a:solidFill>
+                    <a:schemeClr val="tx1">
+                      <a:lumMod val="75000"/>
+                      <a:lumOff val="25000"/>
+                    </a:schemeClr>
+                  </a:solidFill>
+                  <a:latin typeface="+mn-ea"/>
+                </a:rPr>
+                <a:t>uggestion</a:t>
+              </a:r>
+              <a:endParaRPr lang="en-US" altLang="zh-CN" sz="3200" dirty="0">
+                <a:latin typeface="+mn-ea"/>
+              </a:endParaRPr>
             </a:p>
           </p:txBody>
         </p:sp>
@@ -14190,7 +14244,7 @@
           <p:cNvPr id="6" name="组合 3">
             <a:extLst>
               <a:ext uri="{FF2B5EF4-FFF2-40B4-BE49-F238E27FC236}">
-                <a16:creationId xmlns:a16="http://schemas.microsoft.com/office/drawing/2014/main" id="{4DFD84B2-5D7C-6D4D-A53F-7C4E24A81D11}"/>
+                <a16:creationId xmlns:a16="http://schemas.microsoft.com/office/drawing/2014/main" xmlns="" id="{4DFD84B2-5D7C-6D4D-A53F-7C4E24A81D11}"/>
               </a:ext>
             </a:extLst>
           </p:cNvPr>
@@ -14200,9 +14254,9 @@
         <p:grpSpPr>
           <a:xfrm>
             <a:off x="946381" y="1795773"/>
-            <a:ext cx="10067983" cy="734063"/>
+            <a:ext cx="10067980" cy="734063"/>
             <a:chOff x="6869200" y="1723037"/>
-            <a:chExt cx="10067983" cy="734063"/>
+            <a:chExt cx="10067980" cy="734063"/>
           </a:xfrm>
         </p:grpSpPr>
         <p:sp>
@@ -14210,7 +14264,7 @@
             <p:cNvPr id="7" name="椭圆 11">
               <a:extLst>
                 <a:ext uri="{FF2B5EF4-FFF2-40B4-BE49-F238E27FC236}">
-                  <a16:creationId xmlns:a16="http://schemas.microsoft.com/office/drawing/2014/main" id="{BBAB2A8E-8C76-FB41-8CDE-7A414C840D16}"/>
+                  <a16:creationId xmlns:a16="http://schemas.microsoft.com/office/drawing/2014/main" xmlns="" id="{BBAB2A8E-8C76-FB41-8CDE-7A414C840D16}"/>
                 </a:ext>
               </a:extLst>
             </p:cNvPr>
@@ -14281,7 +14335,7 @@
             <p:cNvPr id="8" name="文本框 12">
               <a:extLst>
                 <a:ext uri="{FF2B5EF4-FFF2-40B4-BE49-F238E27FC236}">
-                  <a16:creationId xmlns:a16="http://schemas.microsoft.com/office/drawing/2014/main" id="{D38C8657-A1FE-5D48-BBD9-FF52BFF11BC3}"/>
+                  <a16:creationId xmlns:a16="http://schemas.microsoft.com/office/drawing/2014/main" xmlns="" id="{D38C8657-A1FE-5D48-BBD9-FF52BFF11BC3}"/>
                 </a:ext>
               </a:extLst>
             </p:cNvPr>
@@ -14290,7 +14344,7 @@
           </p:nvSpPr>
           <p:spPr>
             <a:xfrm>
-              <a:off x="7858786" y="1761532"/>
+              <a:off x="7858783" y="1864993"/>
               <a:ext cx="9078397" cy="400110"/>
             </a:xfrm>
             <a:prstGeom prst="rect">
@@ -14409,7 +14463,33 @@
                   <a:latin typeface="思源黑体 CN Normal" panose="020B0400000000000000" pitchFamily="34" charset="-122"/>
                   <a:ea typeface="思源黑体 CN Normal" panose="020B0400000000000000" pitchFamily="34" charset="-122"/>
                 </a:rPr>
-                <a:t>It is player kills and player damage that count</a:t>
+                <a:t>It is player kills and player damage that </a:t>
+              </a:r>
+              <a:r>
+                <a:rPr lang="en-US" altLang="zh-CN" sz="2000" spc="300" dirty="0" smtClean="0">
+                  <a:solidFill>
+                    <a:schemeClr val="tx1">
+                      <a:lumMod val="75000"/>
+                      <a:lumOff val="25000"/>
+                    </a:schemeClr>
+                  </a:solidFill>
+                  <a:latin typeface="思源黑体 CN Normal" panose="020B0400000000000000" pitchFamily="34" charset="-122"/>
+                  <a:ea typeface="思源黑体 CN Normal" panose="020B0400000000000000" pitchFamily="34" charset="-122"/>
+                </a:rPr>
+                <a:t>count</a:t>
+              </a:r>
+              <a:r>
+                <a:rPr lang="en-US" altLang="zh-CN" sz="2000" spc="300" dirty="0">
+                  <a:solidFill>
+                    <a:schemeClr val="tx1">
+                      <a:lumMod val="75000"/>
+                      <a:lumOff val="25000"/>
+                    </a:schemeClr>
+                  </a:solidFill>
+                  <a:latin typeface="思源黑体 CN Normal" panose="020B0400000000000000" pitchFamily="34" charset="-122"/>
+                  <a:ea typeface="思源黑体 CN Normal" panose="020B0400000000000000" pitchFamily="34" charset="-122"/>
+                </a:rPr>
+                <a:t>.</a:t>
               </a:r>
               <a:endParaRPr lang="zh-CN" altLang="en-US" sz="2000" spc="300" dirty="0">
                 <a:solidFill>
@@ -14430,7 +14510,7 @@
           <p:cNvPr id="11" name="椭圆 16">
             <a:extLst>
               <a:ext uri="{FF2B5EF4-FFF2-40B4-BE49-F238E27FC236}">
-                <a16:creationId xmlns:a16="http://schemas.microsoft.com/office/drawing/2014/main" id="{A640E9ED-67F8-5948-96B0-5DA291B65802}"/>
+                <a16:creationId xmlns:a16="http://schemas.microsoft.com/office/drawing/2014/main" xmlns="" id="{A640E9ED-67F8-5948-96B0-5DA291B65802}"/>
               </a:ext>
             </a:extLst>
           </p:cNvPr>
@@ -14500,7 +14580,7 @@
           <p:cNvPr id="15" name="椭圆 19">
             <a:extLst>
               <a:ext uri="{FF2B5EF4-FFF2-40B4-BE49-F238E27FC236}">
-                <a16:creationId xmlns:a16="http://schemas.microsoft.com/office/drawing/2014/main" id="{DFD5C809-DCA2-6D4A-817C-99ACBFAE30EB}"/>
+                <a16:creationId xmlns:a16="http://schemas.microsoft.com/office/drawing/2014/main" xmlns="" id="{DFD5C809-DCA2-6D4A-817C-99ACBFAE30EB}"/>
               </a:ext>
             </a:extLst>
           </p:cNvPr>
@@ -14537,7 +14617,7 @@
                 <a:latin typeface="思源黑体 CN Light" panose="020B0300000000000000" pitchFamily="34" charset="-122"/>
                 <a:ea typeface="思源黑体 CN Light" panose="020B0300000000000000" pitchFamily="34" charset="-122"/>
               </a:rPr>
-              <a:t>4</a:t>
+              <a:t>3</a:t>
             </a:r>
             <a:endParaRPr lang="zh-CN" altLang="en-US" sz="3200" b="1" dirty="0">
               <a:solidFill>
@@ -14554,7 +14634,7 @@
           <p:cNvPr id="18" name="文本框 12">
             <a:extLst>
               <a:ext uri="{FF2B5EF4-FFF2-40B4-BE49-F238E27FC236}">
-                <a16:creationId xmlns:a16="http://schemas.microsoft.com/office/drawing/2014/main" id="{B572686E-374A-094C-917D-C2F26AF7EF56}"/>
+                <a16:creationId xmlns:a16="http://schemas.microsoft.com/office/drawing/2014/main" xmlns="" id="{B572686E-374A-094C-917D-C2F26AF7EF56}"/>
               </a:ext>
             </a:extLst>
           </p:cNvPr>
@@ -14563,7 +14643,7 @@
         </p:nvSpPr>
         <p:spPr>
           <a:xfrm>
-            <a:off x="1935966" y="3264514"/>
+            <a:off x="1935965" y="3419060"/>
             <a:ext cx="9078397" cy="707886"/>
           </a:xfrm>
           <a:prstGeom prst="rect">
@@ -14702,7 +14782,7 @@
           <p:cNvPr id="19" name="文本框 12">
             <a:extLst>
               <a:ext uri="{FF2B5EF4-FFF2-40B4-BE49-F238E27FC236}">
-                <a16:creationId xmlns:a16="http://schemas.microsoft.com/office/drawing/2014/main" id="{07B8F40C-0910-44A5-9FBE-4FB821392A2C}"/>
+                <a16:creationId xmlns:a16="http://schemas.microsoft.com/office/drawing/2014/main" xmlns="" id="{07B8F40C-0910-44A5-9FBE-4FB821392A2C}"/>
               </a:ext>
             </a:extLst>
           </p:cNvPr>
@@ -14711,7 +14791,7 @@
         </p:nvSpPr>
         <p:spPr>
           <a:xfrm>
-            <a:off x="1907094" y="4819675"/>
+            <a:off x="1935965" y="4900230"/>
             <a:ext cx="9078397" cy="400110"/>
           </a:xfrm>
           <a:prstGeom prst="rect">
@@ -14830,7 +14910,20 @@
                 <a:latin typeface="思源黑体 CN Normal" panose="020B0400000000000000" pitchFamily="34" charset="-122"/>
                 <a:ea typeface="思源黑体 CN Normal" panose="020B0400000000000000" pitchFamily="34" charset="-122"/>
               </a:rPr>
-              <a:t>Focus more on two average moving speed</a:t>
+              <a:t>Focus more on two average moving </a:t>
+            </a:r>
+            <a:r>
+              <a:rPr lang="en-US" altLang="zh-CN" sz="2000" spc="300" dirty="0" smtClean="0">
+                <a:solidFill>
+                  <a:schemeClr val="tx1">
+                    <a:lumMod val="75000"/>
+                    <a:lumOff val="25000"/>
+                  </a:schemeClr>
+                </a:solidFill>
+                <a:latin typeface="思源黑体 CN Normal" panose="020B0400000000000000" pitchFamily="34" charset="-122"/>
+                <a:ea typeface="思源黑体 CN Normal" panose="020B0400000000000000" pitchFamily="34" charset="-122"/>
+              </a:rPr>
+              <a:t>speed.</a:t>
             </a:r>
             <a:endParaRPr lang="zh-CN" altLang="en-US" sz="2000" spc="300" dirty="0">
               <a:solidFill>
@@ -14978,7 +15071,7 @@
           <p:cNvPr id="42" name="组合 41">
             <a:extLst>
               <a:ext uri="{FF2B5EF4-FFF2-40B4-BE49-F238E27FC236}">
-                <a16:creationId xmlns:a16="http://schemas.microsoft.com/office/drawing/2014/main" id="{7AFA7012-798C-40E5-B08A-FE9678A251D7}"/>
+                <a16:creationId xmlns:a16="http://schemas.microsoft.com/office/drawing/2014/main" xmlns="" id="{7AFA7012-798C-40E5-B08A-FE9678A251D7}"/>
               </a:ext>
             </a:extLst>
           </p:cNvPr>
@@ -14998,7 +15091,7 @@
             <p:cNvPr id="44" name="矩形 43">
               <a:extLst>
                 <a:ext uri="{FF2B5EF4-FFF2-40B4-BE49-F238E27FC236}">
-                  <a16:creationId xmlns:a16="http://schemas.microsoft.com/office/drawing/2014/main" id="{227B53CD-A63F-4C91-A9FF-1D36E56A1C02}"/>
+                  <a16:creationId xmlns:a16="http://schemas.microsoft.com/office/drawing/2014/main" xmlns="" id="{227B53CD-A63F-4C91-A9FF-1D36E56A1C02}"/>
                 </a:ext>
               </a:extLst>
             </p:cNvPr>
@@ -15054,7 +15147,7 @@
             <p:cNvPr id="12" name="矩形 11">
               <a:extLst>
                 <a:ext uri="{FF2B5EF4-FFF2-40B4-BE49-F238E27FC236}">
-                  <a16:creationId xmlns:a16="http://schemas.microsoft.com/office/drawing/2014/main" id="{36B1F8BD-6223-4476-8E54-3EA176FBE218}"/>
+                  <a16:creationId xmlns:a16="http://schemas.microsoft.com/office/drawing/2014/main" xmlns="" id="{36B1F8BD-6223-4476-8E54-3EA176FBE218}"/>
                 </a:ext>
               </a:extLst>
             </p:cNvPr>
@@ -15109,7 +15202,7 @@
             <p:cNvPr id="13" name="矩形 12">
               <a:extLst>
                 <a:ext uri="{FF2B5EF4-FFF2-40B4-BE49-F238E27FC236}">
-                  <a16:creationId xmlns:a16="http://schemas.microsoft.com/office/drawing/2014/main" id="{6E7ADB3A-2F2C-410D-8252-ED41992D3E41}"/>
+                  <a16:creationId xmlns:a16="http://schemas.microsoft.com/office/drawing/2014/main" xmlns="" id="{6E7ADB3A-2F2C-410D-8252-ED41992D3E41}"/>
                 </a:ext>
               </a:extLst>
             </p:cNvPr>
@@ -15164,7 +15257,7 @@
             <p:cNvPr id="14" name="矩形 13">
               <a:extLst>
                 <a:ext uri="{FF2B5EF4-FFF2-40B4-BE49-F238E27FC236}">
-                  <a16:creationId xmlns:a16="http://schemas.microsoft.com/office/drawing/2014/main" id="{A5FF5BCC-FD31-420A-A408-C5135593AC27}"/>
+                  <a16:creationId xmlns:a16="http://schemas.microsoft.com/office/drawing/2014/main" xmlns="" id="{A5FF5BCC-FD31-420A-A408-C5135593AC27}"/>
                 </a:ext>
               </a:extLst>
             </p:cNvPr>
@@ -15219,7 +15312,7 @@
             <p:cNvPr id="15" name="矩形 14">
               <a:extLst>
                 <a:ext uri="{FF2B5EF4-FFF2-40B4-BE49-F238E27FC236}">
-                  <a16:creationId xmlns:a16="http://schemas.microsoft.com/office/drawing/2014/main" id="{7CCF0A5B-5F90-48C0-80EA-D6D0A8DABC5E}"/>
+                  <a16:creationId xmlns:a16="http://schemas.microsoft.com/office/drawing/2014/main" xmlns="" id="{7CCF0A5B-5F90-48C0-80EA-D6D0A8DABC5E}"/>
                 </a:ext>
               </a:extLst>
             </p:cNvPr>
@@ -15274,7 +15367,7 @@
             <p:cNvPr id="16" name="矩形 15">
               <a:extLst>
                 <a:ext uri="{FF2B5EF4-FFF2-40B4-BE49-F238E27FC236}">
-                  <a16:creationId xmlns:a16="http://schemas.microsoft.com/office/drawing/2014/main" id="{F6310E21-0E24-41DC-87C5-0237703D19D6}"/>
+                  <a16:creationId xmlns:a16="http://schemas.microsoft.com/office/drawing/2014/main" xmlns="" id="{F6310E21-0E24-41DC-87C5-0237703D19D6}"/>
                 </a:ext>
               </a:extLst>
             </p:cNvPr>
@@ -15329,7 +15422,7 @@
             <p:cNvPr id="17" name="矩形 16">
               <a:extLst>
                 <a:ext uri="{FF2B5EF4-FFF2-40B4-BE49-F238E27FC236}">
-                  <a16:creationId xmlns:a16="http://schemas.microsoft.com/office/drawing/2014/main" id="{41928513-ACB6-48B3-A3C8-D031F908A5A2}"/>
+                  <a16:creationId xmlns:a16="http://schemas.microsoft.com/office/drawing/2014/main" xmlns="" id="{41928513-ACB6-48B3-A3C8-D031F908A5A2}"/>
                 </a:ext>
               </a:extLst>
             </p:cNvPr>
@@ -15384,7 +15477,7 @@
             <p:cNvPr id="18" name="矩形 17">
               <a:extLst>
                 <a:ext uri="{FF2B5EF4-FFF2-40B4-BE49-F238E27FC236}">
-                  <a16:creationId xmlns:a16="http://schemas.microsoft.com/office/drawing/2014/main" id="{006EBB9F-CD94-422C-B0EE-AAD400BB34DF}"/>
+                  <a16:creationId xmlns:a16="http://schemas.microsoft.com/office/drawing/2014/main" xmlns="" id="{006EBB9F-CD94-422C-B0EE-AAD400BB34DF}"/>
                 </a:ext>
               </a:extLst>
             </p:cNvPr>
@@ -15439,7 +15532,7 @@
             <p:cNvPr id="19" name="矩形 18">
               <a:extLst>
                 <a:ext uri="{FF2B5EF4-FFF2-40B4-BE49-F238E27FC236}">
-                  <a16:creationId xmlns:a16="http://schemas.microsoft.com/office/drawing/2014/main" id="{40E9E687-E6E0-4351-B0E9-1EA7FB106887}"/>
+                  <a16:creationId xmlns:a16="http://schemas.microsoft.com/office/drawing/2014/main" xmlns="" id="{40E9E687-E6E0-4351-B0E9-1EA7FB106887}"/>
                 </a:ext>
               </a:extLst>
             </p:cNvPr>
@@ -15494,7 +15587,7 @@
             <p:cNvPr id="20" name="矩形 19">
               <a:extLst>
                 <a:ext uri="{FF2B5EF4-FFF2-40B4-BE49-F238E27FC236}">
-                  <a16:creationId xmlns:a16="http://schemas.microsoft.com/office/drawing/2014/main" id="{0EA22228-8B9C-4A87-9906-3A886140440F}"/>
+                  <a16:creationId xmlns:a16="http://schemas.microsoft.com/office/drawing/2014/main" xmlns="" id="{0EA22228-8B9C-4A87-9906-3A886140440F}"/>
                 </a:ext>
               </a:extLst>
             </p:cNvPr>
@@ -15549,7 +15642,7 @@
             <p:cNvPr id="21" name="矩形 20">
               <a:extLst>
                 <a:ext uri="{FF2B5EF4-FFF2-40B4-BE49-F238E27FC236}">
-                  <a16:creationId xmlns:a16="http://schemas.microsoft.com/office/drawing/2014/main" id="{AA8B53EF-C010-4EF4-B061-9456970B6D5E}"/>
+                  <a16:creationId xmlns:a16="http://schemas.microsoft.com/office/drawing/2014/main" xmlns="" id="{AA8B53EF-C010-4EF4-B061-9456970B6D5E}"/>
                 </a:ext>
               </a:extLst>
             </p:cNvPr>
@@ -15604,7 +15697,7 @@
             <p:cNvPr id="22" name="矩形 21">
               <a:extLst>
                 <a:ext uri="{FF2B5EF4-FFF2-40B4-BE49-F238E27FC236}">
-                  <a16:creationId xmlns:a16="http://schemas.microsoft.com/office/drawing/2014/main" id="{066696DA-9313-4E4B-871C-84ADDC678106}"/>
+                  <a16:creationId xmlns:a16="http://schemas.microsoft.com/office/drawing/2014/main" xmlns="" id="{066696DA-9313-4E4B-871C-84ADDC678106}"/>
                 </a:ext>
               </a:extLst>
             </p:cNvPr>
@@ -15659,7 +15752,7 @@
             <p:cNvPr id="23" name="矩形 22">
               <a:extLst>
                 <a:ext uri="{FF2B5EF4-FFF2-40B4-BE49-F238E27FC236}">
-                  <a16:creationId xmlns:a16="http://schemas.microsoft.com/office/drawing/2014/main" id="{FC56AE96-4295-4D24-B746-963B4F4BF8E5}"/>
+                  <a16:creationId xmlns:a16="http://schemas.microsoft.com/office/drawing/2014/main" xmlns="" id="{FC56AE96-4295-4D24-B746-963B4F4BF8E5}"/>
                 </a:ext>
               </a:extLst>
             </p:cNvPr>
@@ -15714,7 +15807,7 @@
             <p:cNvPr id="24" name="矩形 23">
               <a:extLst>
                 <a:ext uri="{FF2B5EF4-FFF2-40B4-BE49-F238E27FC236}">
-                  <a16:creationId xmlns:a16="http://schemas.microsoft.com/office/drawing/2014/main" id="{7C8284BA-D9BF-4E1C-81F9-1A6B5FBA870B}"/>
+                  <a16:creationId xmlns:a16="http://schemas.microsoft.com/office/drawing/2014/main" xmlns="" id="{7C8284BA-D9BF-4E1C-81F9-1A6B5FBA870B}"/>
                 </a:ext>
               </a:extLst>
             </p:cNvPr>
@@ -15769,7 +15862,7 @@
             <p:cNvPr id="25" name="矩形 24">
               <a:extLst>
                 <a:ext uri="{FF2B5EF4-FFF2-40B4-BE49-F238E27FC236}">
-                  <a16:creationId xmlns:a16="http://schemas.microsoft.com/office/drawing/2014/main" id="{6FF71A69-8C13-44D9-B0D0-214EF78E0CB2}"/>
+                  <a16:creationId xmlns:a16="http://schemas.microsoft.com/office/drawing/2014/main" xmlns="" id="{6FF71A69-8C13-44D9-B0D0-214EF78E0CB2}"/>
                 </a:ext>
               </a:extLst>
             </p:cNvPr>
@@ -15824,7 +15917,7 @@
             <p:cNvPr id="26" name="矩形 25">
               <a:extLst>
                 <a:ext uri="{FF2B5EF4-FFF2-40B4-BE49-F238E27FC236}">
-                  <a16:creationId xmlns:a16="http://schemas.microsoft.com/office/drawing/2014/main" id="{586B7DCF-14EE-4304-BFDD-F8E41FDEEE12}"/>
+                  <a16:creationId xmlns:a16="http://schemas.microsoft.com/office/drawing/2014/main" xmlns="" id="{586B7DCF-14EE-4304-BFDD-F8E41FDEEE12}"/>
                 </a:ext>
               </a:extLst>
             </p:cNvPr>
@@ -15879,7 +15972,7 @@
             <p:cNvPr id="27" name="矩形 26">
               <a:extLst>
                 <a:ext uri="{FF2B5EF4-FFF2-40B4-BE49-F238E27FC236}">
-                  <a16:creationId xmlns:a16="http://schemas.microsoft.com/office/drawing/2014/main" id="{4F9407C0-EFD0-43B9-8A36-8D892AEF3B28}"/>
+                  <a16:creationId xmlns:a16="http://schemas.microsoft.com/office/drawing/2014/main" xmlns="" id="{4F9407C0-EFD0-43B9-8A36-8D892AEF3B28}"/>
                 </a:ext>
               </a:extLst>
             </p:cNvPr>
@@ -15934,7 +16027,7 @@
             <p:cNvPr id="28" name="矩形 27">
               <a:extLst>
                 <a:ext uri="{FF2B5EF4-FFF2-40B4-BE49-F238E27FC236}">
-                  <a16:creationId xmlns:a16="http://schemas.microsoft.com/office/drawing/2014/main" id="{7D9E52CE-4D25-4C74-A7D6-0F911C8BB5FE}"/>
+                  <a16:creationId xmlns:a16="http://schemas.microsoft.com/office/drawing/2014/main" xmlns="" id="{7D9E52CE-4D25-4C74-A7D6-0F911C8BB5FE}"/>
                 </a:ext>
               </a:extLst>
             </p:cNvPr>
@@ -15982,7 +16075,7 @@
             <p:cNvPr id="29" name="矩形 28">
               <a:extLst>
                 <a:ext uri="{FF2B5EF4-FFF2-40B4-BE49-F238E27FC236}">
-                  <a16:creationId xmlns:a16="http://schemas.microsoft.com/office/drawing/2014/main" id="{1FF070DA-414F-49FE-97A1-D9F01C222624}"/>
+                  <a16:creationId xmlns:a16="http://schemas.microsoft.com/office/drawing/2014/main" xmlns="" id="{1FF070DA-414F-49FE-97A1-D9F01C222624}"/>
                 </a:ext>
               </a:extLst>
             </p:cNvPr>
@@ -16030,7 +16123,7 @@
             <p:cNvPr id="30" name="矩形 29">
               <a:extLst>
                 <a:ext uri="{FF2B5EF4-FFF2-40B4-BE49-F238E27FC236}">
-                  <a16:creationId xmlns:a16="http://schemas.microsoft.com/office/drawing/2014/main" id="{8CEF42DF-93AB-4945-A6A8-8D339B4DBF17}"/>
+                  <a16:creationId xmlns:a16="http://schemas.microsoft.com/office/drawing/2014/main" xmlns="" id="{8CEF42DF-93AB-4945-A6A8-8D339B4DBF17}"/>
                 </a:ext>
               </a:extLst>
             </p:cNvPr>
@@ -16078,7 +16171,7 @@
             <p:cNvPr id="31" name="矩形 30">
               <a:extLst>
                 <a:ext uri="{FF2B5EF4-FFF2-40B4-BE49-F238E27FC236}">
-                  <a16:creationId xmlns:a16="http://schemas.microsoft.com/office/drawing/2014/main" id="{C7F47249-2D08-4AB1-9681-F2F62707AE98}"/>
+                  <a16:creationId xmlns:a16="http://schemas.microsoft.com/office/drawing/2014/main" xmlns="" id="{C7F47249-2D08-4AB1-9681-F2F62707AE98}"/>
                 </a:ext>
               </a:extLst>
             </p:cNvPr>
@@ -16126,7 +16219,7 @@
             <p:cNvPr id="32" name="矩形 31">
               <a:extLst>
                 <a:ext uri="{FF2B5EF4-FFF2-40B4-BE49-F238E27FC236}">
-                  <a16:creationId xmlns:a16="http://schemas.microsoft.com/office/drawing/2014/main" id="{3A5ADC00-ACCB-4CBF-9CB1-155BE7026C02}"/>
+                  <a16:creationId xmlns:a16="http://schemas.microsoft.com/office/drawing/2014/main" xmlns="" id="{3A5ADC00-ACCB-4CBF-9CB1-155BE7026C02}"/>
                 </a:ext>
               </a:extLst>
             </p:cNvPr>
@@ -16174,7 +16267,7 @@
             <p:cNvPr id="33" name="矩形 32">
               <a:extLst>
                 <a:ext uri="{FF2B5EF4-FFF2-40B4-BE49-F238E27FC236}">
-                  <a16:creationId xmlns:a16="http://schemas.microsoft.com/office/drawing/2014/main" id="{00A66F15-32AA-4AB3-B1AE-40AE4AC36167}"/>
+                  <a16:creationId xmlns:a16="http://schemas.microsoft.com/office/drawing/2014/main" xmlns="" id="{00A66F15-32AA-4AB3-B1AE-40AE4AC36167}"/>
                 </a:ext>
               </a:extLst>
             </p:cNvPr>
@@ -16222,7 +16315,7 @@
             <p:cNvPr id="46" name="矩形 45">
               <a:extLst>
                 <a:ext uri="{FF2B5EF4-FFF2-40B4-BE49-F238E27FC236}">
-                  <a16:creationId xmlns:a16="http://schemas.microsoft.com/office/drawing/2014/main" id="{A8EC09B3-4D26-45A0-8845-A6EECF3A0B32}"/>
+                  <a16:creationId xmlns:a16="http://schemas.microsoft.com/office/drawing/2014/main" xmlns="" id="{A8EC09B3-4D26-45A0-8845-A6EECF3A0B32}"/>
                 </a:ext>
               </a:extLst>
             </p:cNvPr>
@@ -16278,7 +16371,7 @@
             <p:cNvPr id="47" name="矩形 46">
               <a:extLst>
                 <a:ext uri="{FF2B5EF4-FFF2-40B4-BE49-F238E27FC236}">
-                  <a16:creationId xmlns:a16="http://schemas.microsoft.com/office/drawing/2014/main" id="{6AAB4875-4FC4-4AB7-8FC0-871911AB8FF2}"/>
+                  <a16:creationId xmlns:a16="http://schemas.microsoft.com/office/drawing/2014/main" xmlns="" id="{6AAB4875-4FC4-4AB7-8FC0-871911AB8FF2}"/>
                 </a:ext>
               </a:extLst>
             </p:cNvPr>
@@ -16334,7 +16427,7 @@
             <p:cNvPr id="48" name="矩形 47">
               <a:extLst>
                 <a:ext uri="{FF2B5EF4-FFF2-40B4-BE49-F238E27FC236}">
-                  <a16:creationId xmlns:a16="http://schemas.microsoft.com/office/drawing/2014/main" id="{C8DC75B5-6D3E-476A-8716-1C2D38AA8497}"/>
+                  <a16:creationId xmlns:a16="http://schemas.microsoft.com/office/drawing/2014/main" xmlns="" id="{C8DC75B5-6D3E-476A-8716-1C2D38AA8497}"/>
                 </a:ext>
               </a:extLst>
             </p:cNvPr>
@@ -16390,7 +16483,7 @@
             <p:cNvPr id="82" name="矩形 81">
               <a:extLst>
                 <a:ext uri="{FF2B5EF4-FFF2-40B4-BE49-F238E27FC236}">
-                  <a16:creationId xmlns:a16="http://schemas.microsoft.com/office/drawing/2014/main" id="{D00AE3E5-F787-4496-BC9F-FE4478F87F73}"/>
+                  <a16:creationId xmlns:a16="http://schemas.microsoft.com/office/drawing/2014/main" xmlns="" id="{D00AE3E5-F787-4496-BC9F-FE4478F87F73}"/>
                 </a:ext>
               </a:extLst>
             </p:cNvPr>
@@ -16446,7 +16539,7 @@
             <p:cNvPr id="83" name="矩形 82">
               <a:extLst>
                 <a:ext uri="{FF2B5EF4-FFF2-40B4-BE49-F238E27FC236}">
-                  <a16:creationId xmlns:a16="http://schemas.microsoft.com/office/drawing/2014/main" id="{22C1626D-1EB9-49B7-B850-E755AD6AC26D}"/>
+                  <a16:creationId xmlns:a16="http://schemas.microsoft.com/office/drawing/2014/main" xmlns="" id="{22C1626D-1EB9-49B7-B850-E755AD6AC26D}"/>
                 </a:ext>
               </a:extLst>
             </p:cNvPr>
@@ -16503,7 +16596,7 @@
           <p:cNvPr id="35" name="组合 34">
             <a:extLst>
               <a:ext uri="{FF2B5EF4-FFF2-40B4-BE49-F238E27FC236}">
-                <a16:creationId xmlns:a16="http://schemas.microsoft.com/office/drawing/2014/main" id="{D95035E2-DF95-4CBF-915B-C2D64D7C8039}"/>
+                <a16:creationId xmlns:a16="http://schemas.microsoft.com/office/drawing/2014/main" xmlns="" id="{D95035E2-DF95-4CBF-915B-C2D64D7C8039}"/>
               </a:ext>
             </a:extLst>
           </p:cNvPr>
@@ -16523,7 +16616,7 @@
             <p:cNvPr id="36" name="文本框 35">
               <a:extLst>
                 <a:ext uri="{FF2B5EF4-FFF2-40B4-BE49-F238E27FC236}">
-                  <a16:creationId xmlns:a16="http://schemas.microsoft.com/office/drawing/2014/main" id="{57ECD779-18A3-4BF0-BCF0-9139F1891390}"/>
+                  <a16:creationId xmlns:a16="http://schemas.microsoft.com/office/drawing/2014/main" xmlns="" id="{57ECD779-18A3-4BF0-BCF0-9139F1891390}"/>
                 </a:ext>
               </a:extLst>
             </p:cNvPr>
@@ -16575,7 +16668,7 @@
             <p:cNvPr id="40" name="燕尾形 23">
               <a:extLst>
                 <a:ext uri="{FF2B5EF4-FFF2-40B4-BE49-F238E27FC236}">
-                  <a16:creationId xmlns:a16="http://schemas.microsoft.com/office/drawing/2014/main" id="{DFE2851B-1E8E-4955-8D3B-72304C42B698}"/>
+                  <a16:creationId xmlns:a16="http://schemas.microsoft.com/office/drawing/2014/main" xmlns="" id="{DFE2851B-1E8E-4955-8D3B-72304C42B698}"/>
                 </a:ext>
               </a:extLst>
             </p:cNvPr>
@@ -16678,7 +16771,7 @@
           <p:cNvPr id="29" name="组合 28">
             <a:extLst>
               <a:ext uri="{FF2B5EF4-FFF2-40B4-BE49-F238E27FC236}">
-                <a16:creationId xmlns:a16="http://schemas.microsoft.com/office/drawing/2014/main" id="{6E2E6247-D5BD-4C75-B61E-3965EF32694F}"/>
+                <a16:creationId xmlns:a16="http://schemas.microsoft.com/office/drawing/2014/main" xmlns="" id="{6E2E6247-D5BD-4C75-B61E-3965EF32694F}"/>
               </a:ext>
             </a:extLst>
           </p:cNvPr>
@@ -16698,7 +16791,7 @@
             <p:cNvPr id="34" name="饼形 6">
               <a:extLst>
                 <a:ext uri="{FF2B5EF4-FFF2-40B4-BE49-F238E27FC236}">
-                  <a16:creationId xmlns:a16="http://schemas.microsoft.com/office/drawing/2014/main" id="{E443680E-5E21-42C5-82E3-F92BE292DAAE}"/>
+                  <a16:creationId xmlns:a16="http://schemas.microsoft.com/office/drawing/2014/main" xmlns="" id="{E443680E-5E21-42C5-82E3-F92BE292DAAE}"/>
                 </a:ext>
               </a:extLst>
             </p:cNvPr>
@@ -16756,7 +16849,7 @@
             <p:cNvPr id="38" name="矩形 37">
               <a:extLst>
                 <a:ext uri="{FF2B5EF4-FFF2-40B4-BE49-F238E27FC236}">
-                  <a16:creationId xmlns:a16="http://schemas.microsoft.com/office/drawing/2014/main" id="{70C7200A-1BD1-4B1A-B6FE-D3E9C916A9A7}"/>
+                  <a16:creationId xmlns:a16="http://schemas.microsoft.com/office/drawing/2014/main" xmlns="" id="{70C7200A-1BD1-4B1A-B6FE-D3E9C916A9A7}"/>
                 </a:ext>
               </a:extLst>
             </p:cNvPr>
@@ -16808,7 +16901,7 @@
             <p:cNvPr id="39" name="文本框 38">
               <a:extLst>
                 <a:ext uri="{FF2B5EF4-FFF2-40B4-BE49-F238E27FC236}">
-                  <a16:creationId xmlns:a16="http://schemas.microsoft.com/office/drawing/2014/main" id="{55698F93-45E8-402C-98AF-AD5AFFAFEFF9}"/>
+                  <a16:creationId xmlns:a16="http://schemas.microsoft.com/office/drawing/2014/main" xmlns="" id="{55698F93-45E8-402C-98AF-AD5AFFAFEFF9}"/>
                 </a:ext>
               </a:extLst>
             </p:cNvPr>
@@ -16863,7 +16956,7 @@
           <p:cNvPr id="6" name="文本框 7">
             <a:extLst>
               <a:ext uri="{FF2B5EF4-FFF2-40B4-BE49-F238E27FC236}">
-                <a16:creationId xmlns:a16="http://schemas.microsoft.com/office/drawing/2014/main" id="{1D96F194-070B-B644-83F6-676BAF1DCBFC}"/>
+                <a16:creationId xmlns:a16="http://schemas.microsoft.com/office/drawing/2014/main" xmlns="" id="{1D96F194-070B-B644-83F6-676BAF1DCBFC}"/>
               </a:ext>
             </a:extLst>
           </p:cNvPr>
@@ -16888,7 +16981,23 @@
           <a:p>
             <a:r>
               <a:rPr kumimoji="1" lang="en-US" altLang="zh-CN" sz="4000" b="1" dirty="0"/>
-              <a:t>1.Provide some advice to players to gain a higher rank</a:t>
+              <a:t>1</a:t>
+            </a:r>
+            <a:r>
+              <a:rPr kumimoji="1" lang="en-US" altLang="zh-CN" sz="4000" b="1" dirty="0" smtClean="0"/>
+              <a:t>.</a:t>
+            </a:r>
+            <a:r>
+              <a:rPr kumimoji="1" lang="zh-CN" altLang="en-US" sz="4000" b="1" dirty="0" smtClean="0"/>
+              <a:t> </a:t>
+            </a:r>
+            <a:r>
+              <a:rPr kumimoji="1" lang="en-US" altLang="zh-CN" sz="4000" b="1" dirty="0" smtClean="0"/>
+              <a:t>Provide </a:t>
+            </a:r>
+            <a:r>
+              <a:rPr kumimoji="1" lang="en-US" altLang="zh-CN" sz="4000" b="1" dirty="0"/>
+              <a:t>some advice to players to gain a higher rank</a:t>
             </a:r>
           </a:p>
           <a:p>
@@ -16901,7 +17010,7 @@
           <p:cNvPr id="7" name="文本框 7">
             <a:extLst>
               <a:ext uri="{FF2B5EF4-FFF2-40B4-BE49-F238E27FC236}">
-                <a16:creationId xmlns:a16="http://schemas.microsoft.com/office/drawing/2014/main" id="{D70D89A7-CD27-7048-96A1-1095B45D363E}"/>
+                <a16:creationId xmlns:a16="http://schemas.microsoft.com/office/drawing/2014/main" xmlns="" id="{D70D89A7-CD27-7048-96A1-1095B45D363E}"/>
               </a:ext>
             </a:extLst>
           </p:cNvPr>
@@ -16926,7 +17035,23 @@
           <a:p>
             <a:r>
               <a:rPr kumimoji="1" lang="en-US" altLang="zh-CN" sz="4000" b="1" dirty="0"/>
-              <a:t>2.Try to detect some cheaters</a:t>
+              <a:t>2</a:t>
+            </a:r>
+            <a:r>
+              <a:rPr kumimoji="1" lang="en-US" altLang="zh-CN" sz="4000" b="1" dirty="0" smtClean="0"/>
+              <a:t>.</a:t>
+            </a:r>
+            <a:r>
+              <a:rPr kumimoji="1" lang="zh-CN" altLang="en-US" sz="4000" b="1" dirty="0" smtClean="0"/>
+              <a:t> </a:t>
+            </a:r>
+            <a:r>
+              <a:rPr kumimoji="1" lang="en-US" altLang="zh-CN" sz="4000" b="1" dirty="0" smtClean="0"/>
+              <a:t>Try </a:t>
+            </a:r>
+            <a:r>
+              <a:rPr kumimoji="1" lang="en-US" altLang="zh-CN" sz="4000" b="1" dirty="0"/>
+              <a:t>to detect some cheaters</a:t>
             </a:r>
           </a:p>
           <a:p>
@@ -16981,7 +17106,7 @@
           <p:cNvPr id="29" name="组合 28">
             <a:extLst>
               <a:ext uri="{FF2B5EF4-FFF2-40B4-BE49-F238E27FC236}">
-                <a16:creationId xmlns:a16="http://schemas.microsoft.com/office/drawing/2014/main" id="{6E2E6247-D5BD-4C75-B61E-3965EF32694F}"/>
+                <a16:creationId xmlns:a16="http://schemas.microsoft.com/office/drawing/2014/main" xmlns="" id="{6E2E6247-D5BD-4C75-B61E-3965EF32694F}"/>
               </a:ext>
             </a:extLst>
           </p:cNvPr>
@@ -17001,7 +17126,7 @@
             <p:cNvPr id="34" name="饼形 6">
               <a:extLst>
                 <a:ext uri="{FF2B5EF4-FFF2-40B4-BE49-F238E27FC236}">
-                  <a16:creationId xmlns:a16="http://schemas.microsoft.com/office/drawing/2014/main" id="{E443680E-5E21-42C5-82E3-F92BE292DAAE}"/>
+                  <a16:creationId xmlns:a16="http://schemas.microsoft.com/office/drawing/2014/main" xmlns="" id="{E443680E-5E21-42C5-82E3-F92BE292DAAE}"/>
                 </a:ext>
               </a:extLst>
             </p:cNvPr>
@@ -17059,7 +17184,7 @@
             <p:cNvPr id="38" name="矩形 37">
               <a:extLst>
                 <a:ext uri="{FF2B5EF4-FFF2-40B4-BE49-F238E27FC236}">
-                  <a16:creationId xmlns:a16="http://schemas.microsoft.com/office/drawing/2014/main" id="{70C7200A-1BD1-4B1A-B6FE-D3E9C916A9A7}"/>
+                  <a16:creationId xmlns:a16="http://schemas.microsoft.com/office/drawing/2014/main" xmlns="" id="{70C7200A-1BD1-4B1A-B6FE-D3E9C916A9A7}"/>
                 </a:ext>
               </a:extLst>
             </p:cNvPr>
@@ -17111,7 +17236,7 @@
             <p:cNvPr id="39" name="文本框 38">
               <a:extLst>
                 <a:ext uri="{FF2B5EF4-FFF2-40B4-BE49-F238E27FC236}">
-                  <a16:creationId xmlns:a16="http://schemas.microsoft.com/office/drawing/2014/main" id="{55698F93-45E8-402C-98AF-AD5AFFAFEFF9}"/>
+                  <a16:creationId xmlns:a16="http://schemas.microsoft.com/office/drawing/2014/main" xmlns="" id="{55698F93-45E8-402C-98AF-AD5AFFAFEFF9}"/>
                 </a:ext>
               </a:extLst>
             </p:cNvPr>
@@ -17142,8 +17267,7 @@
                       <a:lumOff val="25000"/>
                     </a:schemeClr>
                   </a:solidFill>
-                  <a:latin typeface="思源黑体 CN Medium" panose="020B0600000000000000" pitchFamily="34" charset="-122"/>
-                  <a:ea typeface="思源黑体 CN Medium" panose="020B0600000000000000" pitchFamily="34" charset="-122"/>
+                  <a:latin typeface="+mn-ea"/>
                 </a:rPr>
                 <a:t>Dataset</a:t>
               </a:r>
@@ -17154,8 +17278,7 @@
                     <a:lumOff val="25000"/>
                   </a:schemeClr>
                 </a:solidFill>
-                <a:latin typeface="思源黑体 CN Medium" panose="020B0600000000000000" pitchFamily="34" charset="-122"/>
-                <a:ea typeface="思源黑体 CN Medium" panose="020B0600000000000000" pitchFamily="34" charset="-122"/>
+                <a:latin typeface="+mn-ea"/>
               </a:endParaRPr>
             </a:p>
           </p:txBody>
@@ -17166,7 +17289,7 @@
           <p:cNvPr id="11" name="文本框 38">
             <a:extLst>
               <a:ext uri="{FF2B5EF4-FFF2-40B4-BE49-F238E27FC236}">
-                <a16:creationId xmlns:a16="http://schemas.microsoft.com/office/drawing/2014/main" id="{CE2B8551-A726-4547-B392-773D061353A3}"/>
+                <a16:creationId xmlns:a16="http://schemas.microsoft.com/office/drawing/2014/main" xmlns="" id="{CE2B8551-A726-4547-B392-773D061353A3}"/>
               </a:ext>
             </a:extLst>
           </p:cNvPr>
@@ -17220,7 +17343,7 @@
           <p:cNvPr id="14" name="文本框 38">
             <a:extLst>
               <a:ext uri="{FF2B5EF4-FFF2-40B4-BE49-F238E27FC236}">
-                <a16:creationId xmlns:a16="http://schemas.microsoft.com/office/drawing/2014/main" id="{7C03B25C-23B0-9341-881E-379FEC9431B8}"/>
+                <a16:creationId xmlns:a16="http://schemas.microsoft.com/office/drawing/2014/main" xmlns="" id="{7C03B25C-23B0-9341-881E-379FEC9431B8}"/>
               </a:ext>
             </a:extLst>
           </p:cNvPr>
@@ -17229,8 +17352,8 @@
         </p:nvSpPr>
         <p:spPr>
           <a:xfrm>
-            <a:off x="502357" y="2044977"/>
-            <a:ext cx="2356919" cy="523220"/>
+            <a:off x="502358" y="2044977"/>
+            <a:ext cx="2021902" cy="523220"/>
           </a:xfrm>
           <a:prstGeom prst="rect">
             <a:avLst/>
@@ -17274,7 +17397,7 @@
           <p:cNvPr id="3" name="Picture 2" descr="A screenshot of a cell phone&#10;&#10;Description automatically generated">
             <a:extLst>
               <a:ext uri="{FF2B5EF4-FFF2-40B4-BE49-F238E27FC236}">
-                <a16:creationId xmlns:a16="http://schemas.microsoft.com/office/drawing/2014/main" id="{4A5A96F7-E1CB-8449-B3BE-7E262CDF65BA}"/>
+                <a16:creationId xmlns:a16="http://schemas.microsoft.com/office/drawing/2014/main" xmlns="" id="{4A5A96F7-E1CB-8449-B3BE-7E262CDF65BA}"/>
               </a:ext>
             </a:extLst>
           </p:cNvPr>
@@ -17310,7 +17433,7 @@
           <p:cNvPr id="5" name="Picture 4" descr="A close up of a white wall&#10;&#10;Description automatically generated">
             <a:extLst>
               <a:ext uri="{FF2B5EF4-FFF2-40B4-BE49-F238E27FC236}">
-                <a16:creationId xmlns:a16="http://schemas.microsoft.com/office/drawing/2014/main" id="{12BE6B5C-61D3-ED40-BC52-36192B3F01BE}"/>
+                <a16:creationId xmlns:a16="http://schemas.microsoft.com/office/drawing/2014/main" xmlns="" id="{12BE6B5C-61D3-ED40-BC52-36192B3F01BE}"/>
               </a:ext>
             </a:extLst>
           </p:cNvPr>
@@ -17333,8 +17456,8 @@
         </p:blipFill>
         <p:spPr>
           <a:xfrm>
-            <a:off x="3251952" y="1133670"/>
-            <a:ext cx="8271566" cy="2345834"/>
+            <a:off x="3128617" y="1133670"/>
+            <a:ext cx="8518236" cy="2345834"/>
           </a:xfrm>
           <a:prstGeom prst="rect">
             <a:avLst/>
@@ -17388,7 +17511,7 @@
           <p:cNvPr id="29" name="组合 28">
             <a:extLst>
               <a:ext uri="{FF2B5EF4-FFF2-40B4-BE49-F238E27FC236}">
-                <a16:creationId xmlns:a16="http://schemas.microsoft.com/office/drawing/2014/main" id="{6E2E6247-D5BD-4C75-B61E-3965EF32694F}"/>
+                <a16:creationId xmlns:a16="http://schemas.microsoft.com/office/drawing/2014/main" xmlns="" id="{6E2E6247-D5BD-4C75-B61E-3965EF32694F}"/>
               </a:ext>
             </a:extLst>
           </p:cNvPr>
@@ -17408,7 +17531,7 @@
             <p:cNvPr id="34" name="饼形 6">
               <a:extLst>
                 <a:ext uri="{FF2B5EF4-FFF2-40B4-BE49-F238E27FC236}">
-                  <a16:creationId xmlns:a16="http://schemas.microsoft.com/office/drawing/2014/main" id="{E443680E-5E21-42C5-82E3-F92BE292DAAE}"/>
+                  <a16:creationId xmlns:a16="http://schemas.microsoft.com/office/drawing/2014/main" xmlns="" id="{E443680E-5E21-42C5-82E3-F92BE292DAAE}"/>
                 </a:ext>
               </a:extLst>
             </p:cNvPr>
@@ -17466,7 +17589,7 @@
             <p:cNvPr id="38" name="矩形 37">
               <a:extLst>
                 <a:ext uri="{FF2B5EF4-FFF2-40B4-BE49-F238E27FC236}">
-                  <a16:creationId xmlns:a16="http://schemas.microsoft.com/office/drawing/2014/main" id="{70C7200A-1BD1-4B1A-B6FE-D3E9C916A9A7}"/>
+                  <a16:creationId xmlns:a16="http://schemas.microsoft.com/office/drawing/2014/main" xmlns="" id="{70C7200A-1BD1-4B1A-B6FE-D3E9C916A9A7}"/>
                 </a:ext>
               </a:extLst>
             </p:cNvPr>
@@ -17518,7 +17641,7 @@
             <p:cNvPr id="39" name="文本框 38">
               <a:extLst>
                 <a:ext uri="{FF2B5EF4-FFF2-40B4-BE49-F238E27FC236}">
-                  <a16:creationId xmlns:a16="http://schemas.microsoft.com/office/drawing/2014/main" id="{55698F93-45E8-402C-98AF-AD5AFFAFEFF9}"/>
+                  <a16:creationId xmlns:a16="http://schemas.microsoft.com/office/drawing/2014/main" xmlns="" id="{55698F93-45E8-402C-98AF-AD5AFFAFEFF9}"/>
                 </a:ext>
               </a:extLst>
             </p:cNvPr>
@@ -17615,7 +17738,7 @@
           <p:cNvPr id="29" name="组合 28">
             <a:extLst>
               <a:ext uri="{FF2B5EF4-FFF2-40B4-BE49-F238E27FC236}">
-                <a16:creationId xmlns:a16="http://schemas.microsoft.com/office/drawing/2014/main" id="{6E2E6247-D5BD-4C75-B61E-3965EF32694F}"/>
+                <a16:creationId xmlns:a16="http://schemas.microsoft.com/office/drawing/2014/main" xmlns="" id="{6E2E6247-D5BD-4C75-B61E-3965EF32694F}"/>
               </a:ext>
             </a:extLst>
           </p:cNvPr>
@@ -17635,7 +17758,7 @@
             <p:cNvPr id="34" name="饼形 6">
               <a:extLst>
                 <a:ext uri="{FF2B5EF4-FFF2-40B4-BE49-F238E27FC236}">
-                  <a16:creationId xmlns:a16="http://schemas.microsoft.com/office/drawing/2014/main" id="{E443680E-5E21-42C5-82E3-F92BE292DAAE}"/>
+                  <a16:creationId xmlns:a16="http://schemas.microsoft.com/office/drawing/2014/main" xmlns="" id="{E443680E-5E21-42C5-82E3-F92BE292DAAE}"/>
                 </a:ext>
               </a:extLst>
             </p:cNvPr>
@@ -17693,7 +17816,7 @@
             <p:cNvPr id="38" name="矩形 37">
               <a:extLst>
                 <a:ext uri="{FF2B5EF4-FFF2-40B4-BE49-F238E27FC236}">
-                  <a16:creationId xmlns:a16="http://schemas.microsoft.com/office/drawing/2014/main" id="{70C7200A-1BD1-4B1A-B6FE-D3E9C916A9A7}"/>
+                  <a16:creationId xmlns:a16="http://schemas.microsoft.com/office/drawing/2014/main" xmlns="" id="{70C7200A-1BD1-4B1A-B6FE-D3E9C916A9A7}"/>
                 </a:ext>
               </a:extLst>
             </p:cNvPr>
@@ -17745,7 +17868,7 @@
             <p:cNvPr id="39" name="文本框 38">
               <a:extLst>
                 <a:ext uri="{FF2B5EF4-FFF2-40B4-BE49-F238E27FC236}">
-                  <a16:creationId xmlns:a16="http://schemas.microsoft.com/office/drawing/2014/main" id="{55698F93-45E8-402C-98AF-AD5AFFAFEFF9}"/>
+                  <a16:creationId xmlns:a16="http://schemas.microsoft.com/office/drawing/2014/main" xmlns="" id="{55698F93-45E8-402C-98AF-AD5AFFAFEFF9}"/>
                 </a:ext>
               </a:extLst>
             </p:cNvPr>
@@ -17755,7 +17878,7 @@
           <p:spPr>
             <a:xfrm>
               <a:off x="1269560" y="360163"/>
-              <a:ext cx="5768914" cy="523220"/>
+              <a:ext cx="5768914" cy="584775"/>
             </a:xfrm>
             <a:prstGeom prst="rect">
               <a:avLst/>
@@ -17769,53 +17892,49 @@
             <a:lstStyle/>
             <a:p>
               <a:r>
-                <a:rPr lang="en-US" altLang="zh-CN" sz="2800" spc="300" dirty="0">
+                <a:rPr lang="en-US" altLang="zh-CN" sz="3200" spc="300" dirty="0">
                   <a:solidFill>
                     <a:schemeClr val="tx1">
                       <a:lumMod val="75000"/>
                       <a:lumOff val="25000"/>
                     </a:schemeClr>
                   </a:solidFill>
-                  <a:latin typeface="思源黑体 CN Medium" panose="020B0600000000000000" pitchFamily="34" charset="-122"/>
-                  <a:ea typeface="思源黑体 CN Medium" panose="020B0600000000000000" pitchFamily="34" charset="-122"/>
+                  <a:latin typeface="+mn-ea"/>
                 </a:rPr>
                 <a:t>Death Place (</a:t>
               </a:r>
               <a:r>
-                <a:rPr lang="en-US" altLang="zh-CN" sz="2800" spc="300" dirty="0" err="1">
+                <a:rPr lang="en-US" altLang="zh-CN" sz="3200" spc="300" dirty="0" err="1">
                   <a:solidFill>
                     <a:schemeClr val="tx1">
                       <a:lumMod val="75000"/>
                       <a:lumOff val="25000"/>
                     </a:schemeClr>
                   </a:solidFill>
-                  <a:latin typeface="思源黑体 CN Medium" panose="020B0600000000000000" pitchFamily="34" charset="-122"/>
-                  <a:ea typeface="思源黑体 CN Medium" panose="020B0600000000000000" pitchFamily="34" charset="-122"/>
+                  <a:latin typeface="+mn-ea"/>
                 </a:rPr>
                 <a:t>Erangel</a:t>
               </a:r>
               <a:r>
-                <a:rPr lang="en-US" altLang="zh-CN" sz="2800" spc="300" dirty="0">
+                <a:rPr lang="en-US" altLang="zh-CN" sz="3200" spc="300" dirty="0">
                   <a:solidFill>
                     <a:schemeClr val="tx1">
                       <a:lumMod val="75000"/>
                       <a:lumOff val="25000"/>
                     </a:schemeClr>
                   </a:solidFill>
-                  <a:latin typeface="思源黑体 CN Medium" panose="020B0600000000000000" pitchFamily="34" charset="-122"/>
-                  <a:ea typeface="思源黑体 CN Medium" panose="020B0600000000000000" pitchFamily="34" charset="-122"/>
+                  <a:latin typeface="+mn-ea"/>
                 </a:rPr>
                 <a:t>)</a:t>
               </a:r>
-              <a:endParaRPr lang="zh-CN" altLang="en-US" sz="2800" spc="300" dirty="0">
+              <a:endParaRPr lang="zh-CN" altLang="en-US" sz="3200" spc="300" dirty="0">
                 <a:solidFill>
                   <a:schemeClr val="tx1">
                     <a:lumMod val="75000"/>
                     <a:lumOff val="25000"/>
                   </a:schemeClr>
                 </a:solidFill>
-                <a:latin typeface="思源黑体 CN Medium" panose="020B0600000000000000" pitchFamily="34" charset="-122"/>
-                <a:ea typeface="思源黑体 CN Medium" panose="020B0600000000000000" pitchFamily="34" charset="-122"/>
+                <a:latin typeface="+mn-ea"/>
               </a:endParaRPr>
             </a:p>
           </p:txBody>
@@ -17886,7 +18005,7 @@
           <p:cNvPr id="8" name="文本框 7">
             <a:extLst>
               <a:ext uri="{FF2B5EF4-FFF2-40B4-BE49-F238E27FC236}">
-                <a16:creationId xmlns:a16="http://schemas.microsoft.com/office/drawing/2014/main" id="{7CB0847D-9AC6-0D40-A2CF-ECE21C8F3D43}"/>
+                <a16:creationId xmlns:a16="http://schemas.microsoft.com/office/drawing/2014/main" xmlns="" id="{7CB0847D-9AC6-0D40-A2CF-ECE21C8F3D43}"/>
               </a:ext>
             </a:extLst>
           </p:cNvPr>
@@ -17922,7 +18041,7 @@
           <p:cNvPr id="9" name="文本框 7">
             <a:extLst>
               <a:ext uri="{FF2B5EF4-FFF2-40B4-BE49-F238E27FC236}">
-                <a16:creationId xmlns:a16="http://schemas.microsoft.com/office/drawing/2014/main" id="{FDD66388-EB34-9942-B543-191BE66A55D8}"/>
+                <a16:creationId xmlns:a16="http://schemas.microsoft.com/office/drawing/2014/main" xmlns="" id="{FDD66388-EB34-9942-B543-191BE66A55D8}"/>
               </a:ext>
             </a:extLst>
           </p:cNvPr>
@@ -18000,7 +18119,7 @@
           <p:cNvPr id="29" name="组合 28">
             <a:extLst>
               <a:ext uri="{FF2B5EF4-FFF2-40B4-BE49-F238E27FC236}">
-                <a16:creationId xmlns:a16="http://schemas.microsoft.com/office/drawing/2014/main" id="{6E2E6247-D5BD-4C75-B61E-3965EF32694F}"/>
+                <a16:creationId xmlns:a16="http://schemas.microsoft.com/office/drawing/2014/main" xmlns="" id="{6E2E6247-D5BD-4C75-B61E-3965EF32694F}"/>
               </a:ext>
             </a:extLst>
           </p:cNvPr>
@@ -18020,7 +18139,7 @@
             <p:cNvPr id="34" name="饼形 6">
               <a:extLst>
                 <a:ext uri="{FF2B5EF4-FFF2-40B4-BE49-F238E27FC236}">
-                  <a16:creationId xmlns:a16="http://schemas.microsoft.com/office/drawing/2014/main" id="{E443680E-5E21-42C5-82E3-F92BE292DAAE}"/>
+                  <a16:creationId xmlns:a16="http://schemas.microsoft.com/office/drawing/2014/main" xmlns="" id="{E443680E-5E21-42C5-82E3-F92BE292DAAE}"/>
                 </a:ext>
               </a:extLst>
             </p:cNvPr>
@@ -18078,7 +18197,7 @@
             <p:cNvPr id="38" name="矩形 37">
               <a:extLst>
                 <a:ext uri="{FF2B5EF4-FFF2-40B4-BE49-F238E27FC236}">
-                  <a16:creationId xmlns:a16="http://schemas.microsoft.com/office/drawing/2014/main" id="{70C7200A-1BD1-4B1A-B6FE-D3E9C916A9A7}"/>
+                  <a16:creationId xmlns:a16="http://schemas.microsoft.com/office/drawing/2014/main" xmlns="" id="{70C7200A-1BD1-4B1A-B6FE-D3E9C916A9A7}"/>
                 </a:ext>
               </a:extLst>
             </p:cNvPr>
@@ -18130,7 +18249,7 @@
             <p:cNvPr id="39" name="文本框 38">
               <a:extLst>
                 <a:ext uri="{FF2B5EF4-FFF2-40B4-BE49-F238E27FC236}">
-                  <a16:creationId xmlns:a16="http://schemas.microsoft.com/office/drawing/2014/main" id="{55698F93-45E8-402C-98AF-AD5AFFAFEFF9}"/>
+                  <a16:creationId xmlns:a16="http://schemas.microsoft.com/office/drawing/2014/main" xmlns="" id="{55698F93-45E8-402C-98AF-AD5AFFAFEFF9}"/>
                 </a:ext>
               </a:extLst>
             </p:cNvPr>
@@ -18140,7 +18259,7 @@
           <p:spPr>
             <a:xfrm>
               <a:off x="1269560" y="360163"/>
-              <a:ext cx="5768914" cy="523220"/>
+              <a:ext cx="5768914" cy="584775"/>
             </a:xfrm>
             <a:prstGeom prst="rect">
               <a:avLst/>
@@ -18154,27 +18273,25 @@
             <a:lstStyle/>
             <a:p>
               <a:r>
-                <a:rPr lang="en-US" altLang="zh-CN" sz="2800" spc="300" dirty="0">
+                <a:rPr lang="en-US" altLang="zh-CN" sz="3200" spc="300" dirty="0">
                   <a:solidFill>
                     <a:schemeClr val="tx1">
                       <a:lumMod val="75000"/>
                       <a:lumOff val="25000"/>
                     </a:schemeClr>
                   </a:solidFill>
-                  <a:latin typeface="思源黑体 CN Medium" panose="020B0600000000000000" pitchFamily="34" charset="-122"/>
-                  <a:ea typeface="思源黑体 CN Medium" panose="020B0600000000000000" pitchFamily="34" charset="-122"/>
+                  <a:latin typeface="+mn-ea"/>
                 </a:rPr>
                 <a:t>Deaths Place (Miramar)</a:t>
               </a:r>
-              <a:endParaRPr lang="zh-CN" altLang="en-US" sz="2800" spc="300" dirty="0">
+              <a:endParaRPr lang="zh-CN" altLang="en-US" sz="3200" spc="300" dirty="0">
                 <a:solidFill>
                   <a:schemeClr val="tx1">
                     <a:lumMod val="75000"/>
                     <a:lumOff val="25000"/>
                   </a:schemeClr>
                 </a:solidFill>
-                <a:latin typeface="思源黑体 CN Medium" panose="020B0600000000000000" pitchFamily="34" charset="-122"/>
-                <a:ea typeface="思源黑体 CN Medium" panose="020B0600000000000000" pitchFamily="34" charset="-122"/>
+                <a:latin typeface="+mn-ea"/>
               </a:endParaRPr>
             </a:p>
           </p:txBody>
@@ -18245,7 +18362,7 @@
           <p:cNvPr id="8" name="文本框 7">
             <a:extLst>
               <a:ext uri="{FF2B5EF4-FFF2-40B4-BE49-F238E27FC236}">
-                <a16:creationId xmlns:a16="http://schemas.microsoft.com/office/drawing/2014/main" id="{D409B5F9-28D3-A84B-A104-DA1ECE6C20FA}"/>
+                <a16:creationId xmlns:a16="http://schemas.microsoft.com/office/drawing/2014/main" xmlns="" id="{D409B5F9-28D3-A84B-A104-DA1ECE6C20FA}"/>
               </a:ext>
             </a:extLst>
           </p:cNvPr>
@@ -18281,7 +18398,7 @@
           <p:cNvPr id="9" name="文本框 7">
             <a:extLst>
               <a:ext uri="{FF2B5EF4-FFF2-40B4-BE49-F238E27FC236}">
-                <a16:creationId xmlns:a16="http://schemas.microsoft.com/office/drawing/2014/main" id="{58FDE433-1940-544F-9053-C5735764C14F}"/>
+                <a16:creationId xmlns:a16="http://schemas.microsoft.com/office/drawing/2014/main" xmlns="" id="{58FDE433-1940-544F-9053-C5735764C14F}"/>
               </a:ext>
             </a:extLst>
           </p:cNvPr>
@@ -18359,7 +18476,7 @@
           <p:cNvPr id="29" name="组合 28">
             <a:extLst>
               <a:ext uri="{FF2B5EF4-FFF2-40B4-BE49-F238E27FC236}">
-                <a16:creationId xmlns:a16="http://schemas.microsoft.com/office/drawing/2014/main" id="{6E2E6247-D5BD-4C75-B61E-3965EF32694F}"/>
+                <a16:creationId xmlns:a16="http://schemas.microsoft.com/office/drawing/2014/main" xmlns="" id="{6E2E6247-D5BD-4C75-B61E-3965EF32694F}"/>
               </a:ext>
             </a:extLst>
           </p:cNvPr>
@@ -18379,7 +18496,7 @@
             <p:cNvPr id="34" name="饼形 6">
               <a:extLst>
                 <a:ext uri="{FF2B5EF4-FFF2-40B4-BE49-F238E27FC236}">
-                  <a16:creationId xmlns:a16="http://schemas.microsoft.com/office/drawing/2014/main" id="{E443680E-5E21-42C5-82E3-F92BE292DAAE}"/>
+                  <a16:creationId xmlns:a16="http://schemas.microsoft.com/office/drawing/2014/main" xmlns="" id="{E443680E-5E21-42C5-82E3-F92BE292DAAE}"/>
                 </a:ext>
               </a:extLst>
             </p:cNvPr>
@@ -18437,7 +18554,7 @@
             <p:cNvPr id="38" name="矩形 37">
               <a:extLst>
                 <a:ext uri="{FF2B5EF4-FFF2-40B4-BE49-F238E27FC236}">
-                  <a16:creationId xmlns:a16="http://schemas.microsoft.com/office/drawing/2014/main" id="{70C7200A-1BD1-4B1A-B6FE-D3E9C916A9A7}"/>
+                  <a16:creationId xmlns:a16="http://schemas.microsoft.com/office/drawing/2014/main" xmlns="" id="{70C7200A-1BD1-4B1A-B6FE-D3E9C916A9A7}"/>
                 </a:ext>
               </a:extLst>
             </p:cNvPr>
@@ -18489,7 +18606,7 @@
             <p:cNvPr id="39" name="文本框 38">
               <a:extLst>
                 <a:ext uri="{FF2B5EF4-FFF2-40B4-BE49-F238E27FC236}">
-                  <a16:creationId xmlns:a16="http://schemas.microsoft.com/office/drawing/2014/main" id="{55698F93-45E8-402C-98AF-AD5AFFAFEFF9}"/>
+                  <a16:creationId xmlns:a16="http://schemas.microsoft.com/office/drawing/2014/main" xmlns="" id="{55698F93-45E8-402C-98AF-AD5AFFAFEFF9}"/>
                 </a:ext>
               </a:extLst>
             </p:cNvPr>
@@ -18499,7 +18616,7 @@
           <p:spPr>
             <a:xfrm>
               <a:off x="1269559" y="360163"/>
-              <a:ext cx="7092387" cy="523220"/>
+              <a:ext cx="7092387" cy="584775"/>
             </a:xfrm>
             <a:prstGeom prst="rect">
               <a:avLst/>
@@ -18513,19 +18630,20 @@
             <a:lstStyle/>
             <a:p>
               <a:r>
-                <a:rPr lang="en-US" altLang="zh-CN" sz="2800" spc="300" dirty="0">
+                <a:rPr lang="en-US" altLang="zh-CN" sz="3200" spc="300" dirty="0">
                   <a:solidFill>
                     <a:schemeClr val="tx1">
                       <a:lumMod val="75000"/>
                       <a:lumOff val="25000"/>
                     </a:schemeClr>
                   </a:solidFill>
-                  <a:latin typeface="思源黑体 CN Medium" panose="020B0600000000000000" pitchFamily="34" charset="-122"/>
-                  <a:ea typeface="思源黑体 CN Medium" panose="020B0600000000000000" pitchFamily="34" charset="-122"/>
+                  <a:latin typeface="+mn-ea"/>
                 </a:rPr>
                 <a:t>Deaths Reasons</a:t>
               </a:r>
-              <a:endParaRPr lang="en-US" altLang="zh-CN" sz="2800" dirty="0"/>
+              <a:endParaRPr lang="en-US" altLang="zh-CN" sz="3200" dirty="0">
+                <a:latin typeface="+mn-ea"/>
+              </a:endParaRPr>
             </a:p>
           </p:txBody>
         </p:sp>
@@ -18607,7 +18725,7 @@
           <p:cNvPr id="29" name="组合 28">
             <a:extLst>
               <a:ext uri="{FF2B5EF4-FFF2-40B4-BE49-F238E27FC236}">
-                <a16:creationId xmlns:a16="http://schemas.microsoft.com/office/drawing/2014/main" id="{6E2E6247-D5BD-4C75-B61E-3965EF32694F}"/>
+                <a16:creationId xmlns:a16="http://schemas.microsoft.com/office/drawing/2014/main" xmlns="" id="{6E2E6247-D5BD-4C75-B61E-3965EF32694F}"/>
               </a:ext>
             </a:extLst>
           </p:cNvPr>
@@ -18627,7 +18745,7 @@
             <p:cNvPr id="34" name="饼形 6">
               <a:extLst>
                 <a:ext uri="{FF2B5EF4-FFF2-40B4-BE49-F238E27FC236}">
-                  <a16:creationId xmlns:a16="http://schemas.microsoft.com/office/drawing/2014/main" id="{E443680E-5E21-42C5-82E3-F92BE292DAAE}"/>
+                  <a16:creationId xmlns:a16="http://schemas.microsoft.com/office/drawing/2014/main" xmlns="" id="{E443680E-5E21-42C5-82E3-F92BE292DAAE}"/>
                 </a:ext>
               </a:extLst>
             </p:cNvPr>
@@ -18685,7 +18803,7 @@
             <p:cNvPr id="38" name="矩形 37">
               <a:extLst>
                 <a:ext uri="{FF2B5EF4-FFF2-40B4-BE49-F238E27FC236}">
-                  <a16:creationId xmlns:a16="http://schemas.microsoft.com/office/drawing/2014/main" id="{70C7200A-1BD1-4B1A-B6FE-D3E9C916A9A7}"/>
+                  <a16:creationId xmlns:a16="http://schemas.microsoft.com/office/drawing/2014/main" xmlns="" id="{70C7200A-1BD1-4B1A-B6FE-D3E9C916A9A7}"/>
                 </a:ext>
               </a:extLst>
             </p:cNvPr>
@@ -18737,7 +18855,7 @@
             <p:cNvPr id="39" name="文本框 38">
               <a:extLst>
                 <a:ext uri="{FF2B5EF4-FFF2-40B4-BE49-F238E27FC236}">
-                  <a16:creationId xmlns:a16="http://schemas.microsoft.com/office/drawing/2014/main" id="{55698F93-45E8-402C-98AF-AD5AFFAFEFF9}"/>
+                  <a16:creationId xmlns:a16="http://schemas.microsoft.com/office/drawing/2014/main" xmlns="" id="{55698F93-45E8-402C-98AF-AD5AFFAFEFF9}"/>
                 </a:ext>
               </a:extLst>
             </p:cNvPr>
@@ -18747,7 +18865,7 @@
           <p:spPr>
             <a:xfrm>
               <a:off x="1269559" y="360163"/>
-              <a:ext cx="7092387" cy="523220"/>
+              <a:ext cx="7092387" cy="584775"/>
             </a:xfrm>
             <a:prstGeom prst="rect">
               <a:avLst/>
@@ -18761,7 +18879,9 @@
             <a:lstStyle/>
             <a:p>
               <a:r>
-                <a:rPr lang="en-US" altLang="zh-CN" sz="2800" b="1" dirty="0"/>
+                <a:rPr lang="en-US" altLang="zh-CN" sz="3200" dirty="0">
+                  <a:latin typeface="+mn-ea"/>
+                </a:rPr>
                 <a:t>Mostly Used Weapons by Cheaters</a:t>
               </a:r>
             </a:p>
@@ -18935,7 +19055,7 @@
           <p:cNvPr id="29" name="组合 28">
             <a:extLst>
               <a:ext uri="{FF2B5EF4-FFF2-40B4-BE49-F238E27FC236}">
-                <a16:creationId xmlns:a16="http://schemas.microsoft.com/office/drawing/2014/main" id="{6E2E6247-D5BD-4C75-B61E-3965EF32694F}"/>
+                <a16:creationId xmlns:a16="http://schemas.microsoft.com/office/drawing/2014/main" xmlns="" id="{6E2E6247-D5BD-4C75-B61E-3965EF32694F}"/>
               </a:ext>
             </a:extLst>
           </p:cNvPr>
@@ -18955,7 +19075,7 @@
             <p:cNvPr id="34" name="饼形 6">
               <a:extLst>
                 <a:ext uri="{FF2B5EF4-FFF2-40B4-BE49-F238E27FC236}">
-                  <a16:creationId xmlns:a16="http://schemas.microsoft.com/office/drawing/2014/main" id="{E443680E-5E21-42C5-82E3-F92BE292DAAE}"/>
+                  <a16:creationId xmlns:a16="http://schemas.microsoft.com/office/drawing/2014/main" xmlns="" id="{E443680E-5E21-42C5-82E3-F92BE292DAAE}"/>
                 </a:ext>
               </a:extLst>
             </p:cNvPr>
@@ -19013,7 +19133,7 @@
             <p:cNvPr id="38" name="矩形 37">
               <a:extLst>
                 <a:ext uri="{FF2B5EF4-FFF2-40B4-BE49-F238E27FC236}">
-                  <a16:creationId xmlns:a16="http://schemas.microsoft.com/office/drawing/2014/main" id="{70C7200A-1BD1-4B1A-B6FE-D3E9C916A9A7}"/>
+                  <a16:creationId xmlns:a16="http://schemas.microsoft.com/office/drawing/2014/main" xmlns="" id="{70C7200A-1BD1-4B1A-B6FE-D3E9C916A9A7}"/>
                 </a:ext>
               </a:extLst>
             </p:cNvPr>
@@ -19186,7 +19306,7 @@
           <p:cNvPr id="10" name="文本框 9">
             <a:extLst>
               <a:ext uri="{FF2B5EF4-FFF2-40B4-BE49-F238E27FC236}">
-                <a16:creationId xmlns:a16="http://schemas.microsoft.com/office/drawing/2014/main" id="{55698F93-45E8-402C-98AF-AD5AFFAFEFF9}"/>
+                <a16:creationId xmlns:a16="http://schemas.microsoft.com/office/drawing/2014/main" xmlns="" id="{55698F93-45E8-402C-98AF-AD5AFFAFEFF9}"/>
               </a:ext>
             </a:extLst>
           </p:cNvPr>
@@ -19196,7 +19316,7 @@
         <p:spPr>
           <a:xfrm>
             <a:off x="1269559" y="360163"/>
-            <a:ext cx="7092387" cy="523220"/>
+            <a:ext cx="7092387" cy="584775"/>
           </a:xfrm>
           <a:prstGeom prst="rect">
             <a:avLst/>
@@ -19210,19 +19330,20 @@
           <a:lstStyle/>
           <a:p>
             <a:r>
-              <a:rPr lang="en-US" altLang="zh-CN" sz="2800" spc="300" dirty="0">
+              <a:rPr lang="en-US" altLang="zh-CN" sz="3200" spc="300" dirty="0">
                 <a:solidFill>
                   <a:schemeClr val="tx1">
                     <a:lumMod val="75000"/>
                     <a:lumOff val="25000"/>
                   </a:schemeClr>
                 </a:solidFill>
-                <a:latin typeface="思源黑体 CN Medium" panose="020B0600000000000000" pitchFamily="34" charset="-122"/>
-                <a:ea typeface="思源黑体 CN Medium" panose="020B0600000000000000" pitchFamily="34" charset="-122"/>
+                <a:latin typeface="+mn-ea"/>
               </a:rPr>
               <a:t>Top 10 Weapons</a:t>
             </a:r>
-            <a:endParaRPr lang="en-US" altLang="zh-CN" sz="2800" dirty="0"/>
+            <a:endParaRPr lang="en-US" altLang="zh-CN" sz="3200" dirty="0">
+              <a:latin typeface="+mn-ea"/>
+            </a:endParaRPr>
           </a:p>
         </p:txBody>
       </p:sp>

--- a/slide.pptx
+++ b/slide.pptx
@@ -2323,7 +2323,7 @@
           <a:p>
             <a:fld id="{6DBCBB2E-48DC-49CA-8E72-BE7599524DFA}" type="datetimeFigureOut">
               <a:rPr lang="zh-CN" altLang="en-US" smtClean="0"/>
-              <a:t>2019/12/9</a:t>
+              <a:t>2019/12/10</a:t>
             </a:fld>
             <a:endParaRPr lang="zh-CN" altLang="en-US"/>
           </a:p>
@@ -4231,7 +4231,7 @@
           <a:p>
             <a:fld id="{134FF752-093A-47B5-9666-7DC80AC766F8}" type="datetimeFigureOut">
               <a:rPr lang="zh-CN" altLang="en-US" smtClean="0"/>
-              <a:t>2019/12/9</a:t>
+              <a:t>2019/12/10</a:t>
             </a:fld>
             <a:endParaRPr lang="zh-CN" altLang="en-US"/>
           </a:p>
@@ -4411,7 +4411,7 @@
           <a:p>
             <a:fld id="{134FF752-093A-47B5-9666-7DC80AC766F8}" type="datetimeFigureOut">
               <a:rPr lang="zh-CN" altLang="en-US" smtClean="0"/>
-              <a:t>2019/12/9</a:t>
+              <a:t>2019/12/10</a:t>
             </a:fld>
             <a:endParaRPr lang="zh-CN" altLang="en-US"/>
           </a:p>
@@ -4601,7 +4601,7 @@
           <a:p>
             <a:fld id="{134FF752-093A-47B5-9666-7DC80AC766F8}" type="datetimeFigureOut">
               <a:rPr lang="zh-CN" altLang="en-US" smtClean="0"/>
-              <a:t>2019/12/9</a:t>
+              <a:t>2019/12/10</a:t>
             </a:fld>
             <a:endParaRPr lang="zh-CN" altLang="en-US"/>
           </a:p>
@@ -4781,7 +4781,7 @@
           <a:p>
             <a:fld id="{134FF752-093A-47B5-9666-7DC80AC766F8}" type="datetimeFigureOut">
               <a:rPr lang="zh-CN" altLang="en-US" smtClean="0"/>
-              <a:t>2019/12/9</a:t>
+              <a:t>2019/12/10</a:t>
             </a:fld>
             <a:endParaRPr lang="zh-CN" altLang="en-US"/>
           </a:p>
@@ -5038,7 +5038,7 @@
           <a:p>
             <a:fld id="{134FF752-093A-47B5-9666-7DC80AC766F8}" type="datetimeFigureOut">
               <a:rPr lang="zh-CN" altLang="en-US" smtClean="0"/>
-              <a:t>2019/12/9</a:t>
+              <a:t>2019/12/10</a:t>
             </a:fld>
             <a:endParaRPr lang="zh-CN" altLang="en-US"/>
           </a:p>
@@ -5839,7 +5839,7 @@
           <a:p>
             <a:fld id="{134FF752-093A-47B5-9666-7DC80AC766F8}" type="datetimeFigureOut">
               <a:rPr lang="zh-CN" altLang="en-US" smtClean="0"/>
-              <a:t>2019/12/9</a:t>
+              <a:t>2019/12/10</a:t>
             </a:fld>
             <a:endParaRPr lang="zh-CN" altLang="en-US"/>
           </a:p>
@@ -6215,7 +6215,7 @@
           <a:p>
             <a:fld id="{134FF752-093A-47B5-9666-7DC80AC766F8}" type="datetimeFigureOut">
               <a:rPr lang="zh-CN" altLang="en-US" smtClean="0"/>
-              <a:t>2019/12/9</a:t>
+              <a:t>2019/12/10</a:t>
             </a:fld>
             <a:endParaRPr lang="zh-CN" altLang="en-US"/>
           </a:p>
@@ -6344,7 +6344,7 @@
           <a:p>
             <a:fld id="{134FF752-093A-47B5-9666-7DC80AC766F8}" type="datetimeFigureOut">
               <a:rPr lang="zh-CN" altLang="en-US" smtClean="0"/>
-              <a:t>2019/12/9</a:t>
+              <a:t>2019/12/10</a:t>
             </a:fld>
             <a:endParaRPr lang="zh-CN" altLang="en-US"/>
           </a:p>
@@ -6451,7 +6451,7 @@
           <a:p>
             <a:fld id="{134FF752-093A-47B5-9666-7DC80AC766F8}" type="datetimeFigureOut">
               <a:rPr lang="zh-CN" altLang="en-US" smtClean="0"/>
-              <a:t>2019/12/9</a:t>
+              <a:t>2019/12/10</a:t>
             </a:fld>
             <a:endParaRPr lang="zh-CN" altLang="en-US"/>
           </a:p>
@@ -6738,7 +6738,7 @@
           <a:p>
             <a:fld id="{134FF752-093A-47B5-9666-7DC80AC766F8}" type="datetimeFigureOut">
               <a:rPr lang="zh-CN" altLang="en-US" smtClean="0"/>
-              <a:t>2019/12/9</a:t>
+              <a:t>2019/12/10</a:t>
             </a:fld>
             <a:endParaRPr lang="zh-CN" altLang="en-US"/>
           </a:p>
@@ -7002,7 +7002,7 @@
           <a:p>
             <a:fld id="{134FF752-093A-47B5-9666-7DC80AC766F8}" type="datetimeFigureOut">
               <a:rPr lang="zh-CN" altLang="en-US" smtClean="0"/>
-              <a:t>2019/12/9</a:t>
+              <a:t>2019/12/10</a:t>
             </a:fld>
             <a:endParaRPr lang="zh-CN" altLang="en-US"/>
           </a:p>
@@ -7230,7 +7230,7 @@
           <a:p>
             <a:fld id="{134FF752-093A-47B5-9666-7DC80AC766F8}" type="datetimeFigureOut">
               <a:rPr lang="zh-CN" altLang="en-US" smtClean="0"/>
-              <a:t>2019/12/9</a:t>
+              <a:t>2019/12/10</a:t>
             </a:fld>
             <a:endParaRPr lang="zh-CN" altLang="en-US"/>
           </a:p>
@@ -7662,7 +7662,7 @@
           <p:cNvPr id="42" name="组合 41">
             <a:extLst>
               <a:ext uri="{FF2B5EF4-FFF2-40B4-BE49-F238E27FC236}">
-                <a16:creationId xmlns:a16="http://schemas.microsoft.com/office/drawing/2014/main" xmlns="" id="{7AFA7012-798C-40E5-B08A-FE9678A251D7}"/>
+                <a16:creationId xmlns:a16="http://schemas.microsoft.com/office/drawing/2014/main" id="{7AFA7012-798C-40E5-B08A-FE9678A251D7}"/>
               </a:ext>
             </a:extLst>
           </p:cNvPr>
@@ -7682,7 +7682,7 @@
             <p:cNvPr id="44" name="矩形 43">
               <a:extLst>
                 <a:ext uri="{FF2B5EF4-FFF2-40B4-BE49-F238E27FC236}">
-                  <a16:creationId xmlns:a16="http://schemas.microsoft.com/office/drawing/2014/main" xmlns="" id="{227B53CD-A63F-4C91-A9FF-1D36E56A1C02}"/>
+                  <a16:creationId xmlns:a16="http://schemas.microsoft.com/office/drawing/2014/main" id="{227B53CD-A63F-4C91-A9FF-1D36E56A1C02}"/>
                 </a:ext>
               </a:extLst>
             </p:cNvPr>
@@ -7738,7 +7738,7 @@
             <p:cNvPr id="12" name="矩形 11">
               <a:extLst>
                 <a:ext uri="{FF2B5EF4-FFF2-40B4-BE49-F238E27FC236}">
-                  <a16:creationId xmlns:a16="http://schemas.microsoft.com/office/drawing/2014/main" xmlns="" id="{36B1F8BD-6223-4476-8E54-3EA176FBE218}"/>
+                  <a16:creationId xmlns:a16="http://schemas.microsoft.com/office/drawing/2014/main" id="{36B1F8BD-6223-4476-8E54-3EA176FBE218}"/>
                 </a:ext>
               </a:extLst>
             </p:cNvPr>
@@ -7793,7 +7793,7 @@
             <p:cNvPr id="13" name="矩形 12">
               <a:extLst>
                 <a:ext uri="{FF2B5EF4-FFF2-40B4-BE49-F238E27FC236}">
-                  <a16:creationId xmlns:a16="http://schemas.microsoft.com/office/drawing/2014/main" xmlns="" id="{6E7ADB3A-2F2C-410D-8252-ED41992D3E41}"/>
+                  <a16:creationId xmlns:a16="http://schemas.microsoft.com/office/drawing/2014/main" id="{6E7ADB3A-2F2C-410D-8252-ED41992D3E41}"/>
                 </a:ext>
               </a:extLst>
             </p:cNvPr>
@@ -7848,7 +7848,7 @@
             <p:cNvPr id="14" name="矩形 13">
               <a:extLst>
                 <a:ext uri="{FF2B5EF4-FFF2-40B4-BE49-F238E27FC236}">
-                  <a16:creationId xmlns:a16="http://schemas.microsoft.com/office/drawing/2014/main" xmlns="" id="{A5FF5BCC-FD31-420A-A408-C5135593AC27}"/>
+                  <a16:creationId xmlns:a16="http://schemas.microsoft.com/office/drawing/2014/main" id="{A5FF5BCC-FD31-420A-A408-C5135593AC27}"/>
                 </a:ext>
               </a:extLst>
             </p:cNvPr>
@@ -7903,7 +7903,7 @@
             <p:cNvPr id="15" name="矩形 14">
               <a:extLst>
                 <a:ext uri="{FF2B5EF4-FFF2-40B4-BE49-F238E27FC236}">
-                  <a16:creationId xmlns:a16="http://schemas.microsoft.com/office/drawing/2014/main" xmlns="" id="{7CCF0A5B-5F90-48C0-80EA-D6D0A8DABC5E}"/>
+                  <a16:creationId xmlns:a16="http://schemas.microsoft.com/office/drawing/2014/main" id="{7CCF0A5B-5F90-48C0-80EA-D6D0A8DABC5E}"/>
                 </a:ext>
               </a:extLst>
             </p:cNvPr>
@@ -7958,7 +7958,7 @@
             <p:cNvPr id="16" name="矩形 15">
               <a:extLst>
                 <a:ext uri="{FF2B5EF4-FFF2-40B4-BE49-F238E27FC236}">
-                  <a16:creationId xmlns:a16="http://schemas.microsoft.com/office/drawing/2014/main" xmlns="" id="{F6310E21-0E24-41DC-87C5-0237703D19D6}"/>
+                  <a16:creationId xmlns:a16="http://schemas.microsoft.com/office/drawing/2014/main" id="{F6310E21-0E24-41DC-87C5-0237703D19D6}"/>
                 </a:ext>
               </a:extLst>
             </p:cNvPr>
@@ -8013,7 +8013,7 @@
             <p:cNvPr id="17" name="矩形 16">
               <a:extLst>
                 <a:ext uri="{FF2B5EF4-FFF2-40B4-BE49-F238E27FC236}">
-                  <a16:creationId xmlns:a16="http://schemas.microsoft.com/office/drawing/2014/main" xmlns="" id="{41928513-ACB6-48B3-A3C8-D031F908A5A2}"/>
+                  <a16:creationId xmlns:a16="http://schemas.microsoft.com/office/drawing/2014/main" id="{41928513-ACB6-48B3-A3C8-D031F908A5A2}"/>
                 </a:ext>
               </a:extLst>
             </p:cNvPr>
@@ -8068,7 +8068,7 @@
             <p:cNvPr id="18" name="矩形 17">
               <a:extLst>
                 <a:ext uri="{FF2B5EF4-FFF2-40B4-BE49-F238E27FC236}">
-                  <a16:creationId xmlns:a16="http://schemas.microsoft.com/office/drawing/2014/main" xmlns="" id="{006EBB9F-CD94-422C-B0EE-AAD400BB34DF}"/>
+                  <a16:creationId xmlns:a16="http://schemas.microsoft.com/office/drawing/2014/main" id="{006EBB9F-CD94-422C-B0EE-AAD400BB34DF}"/>
                 </a:ext>
               </a:extLst>
             </p:cNvPr>
@@ -8123,7 +8123,7 @@
             <p:cNvPr id="19" name="矩形 18">
               <a:extLst>
                 <a:ext uri="{FF2B5EF4-FFF2-40B4-BE49-F238E27FC236}">
-                  <a16:creationId xmlns:a16="http://schemas.microsoft.com/office/drawing/2014/main" xmlns="" id="{40E9E687-E6E0-4351-B0E9-1EA7FB106887}"/>
+                  <a16:creationId xmlns:a16="http://schemas.microsoft.com/office/drawing/2014/main" id="{40E9E687-E6E0-4351-B0E9-1EA7FB106887}"/>
                 </a:ext>
               </a:extLst>
             </p:cNvPr>
@@ -8178,7 +8178,7 @@
             <p:cNvPr id="20" name="矩形 19">
               <a:extLst>
                 <a:ext uri="{FF2B5EF4-FFF2-40B4-BE49-F238E27FC236}">
-                  <a16:creationId xmlns:a16="http://schemas.microsoft.com/office/drawing/2014/main" xmlns="" id="{0EA22228-8B9C-4A87-9906-3A886140440F}"/>
+                  <a16:creationId xmlns:a16="http://schemas.microsoft.com/office/drawing/2014/main" id="{0EA22228-8B9C-4A87-9906-3A886140440F}"/>
                 </a:ext>
               </a:extLst>
             </p:cNvPr>
@@ -8233,7 +8233,7 @@
             <p:cNvPr id="21" name="矩形 20">
               <a:extLst>
                 <a:ext uri="{FF2B5EF4-FFF2-40B4-BE49-F238E27FC236}">
-                  <a16:creationId xmlns:a16="http://schemas.microsoft.com/office/drawing/2014/main" xmlns="" id="{AA8B53EF-C010-4EF4-B061-9456970B6D5E}"/>
+                  <a16:creationId xmlns:a16="http://schemas.microsoft.com/office/drawing/2014/main" id="{AA8B53EF-C010-4EF4-B061-9456970B6D5E}"/>
                 </a:ext>
               </a:extLst>
             </p:cNvPr>
@@ -8288,7 +8288,7 @@
             <p:cNvPr id="22" name="矩形 21">
               <a:extLst>
                 <a:ext uri="{FF2B5EF4-FFF2-40B4-BE49-F238E27FC236}">
-                  <a16:creationId xmlns:a16="http://schemas.microsoft.com/office/drawing/2014/main" xmlns="" id="{066696DA-9313-4E4B-871C-84ADDC678106}"/>
+                  <a16:creationId xmlns:a16="http://schemas.microsoft.com/office/drawing/2014/main" id="{066696DA-9313-4E4B-871C-84ADDC678106}"/>
                 </a:ext>
               </a:extLst>
             </p:cNvPr>
@@ -8343,7 +8343,7 @@
             <p:cNvPr id="23" name="矩形 22">
               <a:extLst>
                 <a:ext uri="{FF2B5EF4-FFF2-40B4-BE49-F238E27FC236}">
-                  <a16:creationId xmlns:a16="http://schemas.microsoft.com/office/drawing/2014/main" xmlns="" id="{FC56AE96-4295-4D24-B746-963B4F4BF8E5}"/>
+                  <a16:creationId xmlns:a16="http://schemas.microsoft.com/office/drawing/2014/main" id="{FC56AE96-4295-4D24-B746-963B4F4BF8E5}"/>
                 </a:ext>
               </a:extLst>
             </p:cNvPr>
@@ -8398,7 +8398,7 @@
             <p:cNvPr id="24" name="矩形 23">
               <a:extLst>
                 <a:ext uri="{FF2B5EF4-FFF2-40B4-BE49-F238E27FC236}">
-                  <a16:creationId xmlns:a16="http://schemas.microsoft.com/office/drawing/2014/main" xmlns="" id="{7C8284BA-D9BF-4E1C-81F9-1A6B5FBA870B}"/>
+                  <a16:creationId xmlns:a16="http://schemas.microsoft.com/office/drawing/2014/main" id="{7C8284BA-D9BF-4E1C-81F9-1A6B5FBA870B}"/>
                 </a:ext>
               </a:extLst>
             </p:cNvPr>
@@ -8453,7 +8453,7 @@
             <p:cNvPr id="25" name="矩形 24">
               <a:extLst>
                 <a:ext uri="{FF2B5EF4-FFF2-40B4-BE49-F238E27FC236}">
-                  <a16:creationId xmlns:a16="http://schemas.microsoft.com/office/drawing/2014/main" xmlns="" id="{6FF71A69-8C13-44D9-B0D0-214EF78E0CB2}"/>
+                  <a16:creationId xmlns:a16="http://schemas.microsoft.com/office/drawing/2014/main" id="{6FF71A69-8C13-44D9-B0D0-214EF78E0CB2}"/>
                 </a:ext>
               </a:extLst>
             </p:cNvPr>
@@ -8508,7 +8508,7 @@
             <p:cNvPr id="26" name="矩形 25">
               <a:extLst>
                 <a:ext uri="{FF2B5EF4-FFF2-40B4-BE49-F238E27FC236}">
-                  <a16:creationId xmlns:a16="http://schemas.microsoft.com/office/drawing/2014/main" xmlns="" id="{586B7DCF-14EE-4304-BFDD-F8E41FDEEE12}"/>
+                  <a16:creationId xmlns:a16="http://schemas.microsoft.com/office/drawing/2014/main" id="{586B7DCF-14EE-4304-BFDD-F8E41FDEEE12}"/>
                 </a:ext>
               </a:extLst>
             </p:cNvPr>
@@ -8563,7 +8563,7 @@
             <p:cNvPr id="27" name="矩形 26">
               <a:extLst>
                 <a:ext uri="{FF2B5EF4-FFF2-40B4-BE49-F238E27FC236}">
-                  <a16:creationId xmlns:a16="http://schemas.microsoft.com/office/drawing/2014/main" xmlns="" id="{4F9407C0-EFD0-43B9-8A36-8D892AEF3B28}"/>
+                  <a16:creationId xmlns:a16="http://schemas.microsoft.com/office/drawing/2014/main" id="{4F9407C0-EFD0-43B9-8A36-8D892AEF3B28}"/>
                 </a:ext>
               </a:extLst>
             </p:cNvPr>
@@ -8618,7 +8618,7 @@
             <p:cNvPr id="28" name="矩形 27">
               <a:extLst>
                 <a:ext uri="{FF2B5EF4-FFF2-40B4-BE49-F238E27FC236}">
-                  <a16:creationId xmlns:a16="http://schemas.microsoft.com/office/drawing/2014/main" xmlns="" id="{7D9E52CE-4D25-4C74-A7D6-0F911C8BB5FE}"/>
+                  <a16:creationId xmlns:a16="http://schemas.microsoft.com/office/drawing/2014/main" id="{7D9E52CE-4D25-4C74-A7D6-0F911C8BB5FE}"/>
                 </a:ext>
               </a:extLst>
             </p:cNvPr>
@@ -8666,7 +8666,7 @@
             <p:cNvPr id="29" name="矩形 28">
               <a:extLst>
                 <a:ext uri="{FF2B5EF4-FFF2-40B4-BE49-F238E27FC236}">
-                  <a16:creationId xmlns:a16="http://schemas.microsoft.com/office/drawing/2014/main" xmlns="" id="{1FF070DA-414F-49FE-97A1-D9F01C222624}"/>
+                  <a16:creationId xmlns:a16="http://schemas.microsoft.com/office/drawing/2014/main" id="{1FF070DA-414F-49FE-97A1-D9F01C222624}"/>
                 </a:ext>
               </a:extLst>
             </p:cNvPr>
@@ -8714,7 +8714,7 @@
             <p:cNvPr id="30" name="矩形 29">
               <a:extLst>
                 <a:ext uri="{FF2B5EF4-FFF2-40B4-BE49-F238E27FC236}">
-                  <a16:creationId xmlns:a16="http://schemas.microsoft.com/office/drawing/2014/main" xmlns="" id="{8CEF42DF-93AB-4945-A6A8-8D339B4DBF17}"/>
+                  <a16:creationId xmlns:a16="http://schemas.microsoft.com/office/drawing/2014/main" id="{8CEF42DF-93AB-4945-A6A8-8D339B4DBF17}"/>
                 </a:ext>
               </a:extLst>
             </p:cNvPr>
@@ -8762,7 +8762,7 @@
             <p:cNvPr id="31" name="矩形 30">
               <a:extLst>
                 <a:ext uri="{FF2B5EF4-FFF2-40B4-BE49-F238E27FC236}">
-                  <a16:creationId xmlns:a16="http://schemas.microsoft.com/office/drawing/2014/main" xmlns="" id="{C7F47249-2D08-4AB1-9681-F2F62707AE98}"/>
+                  <a16:creationId xmlns:a16="http://schemas.microsoft.com/office/drawing/2014/main" id="{C7F47249-2D08-4AB1-9681-F2F62707AE98}"/>
                 </a:ext>
               </a:extLst>
             </p:cNvPr>
@@ -8810,7 +8810,7 @@
             <p:cNvPr id="32" name="矩形 31">
               <a:extLst>
                 <a:ext uri="{FF2B5EF4-FFF2-40B4-BE49-F238E27FC236}">
-                  <a16:creationId xmlns:a16="http://schemas.microsoft.com/office/drawing/2014/main" xmlns="" id="{3A5ADC00-ACCB-4CBF-9CB1-155BE7026C02}"/>
+                  <a16:creationId xmlns:a16="http://schemas.microsoft.com/office/drawing/2014/main" id="{3A5ADC00-ACCB-4CBF-9CB1-155BE7026C02}"/>
                 </a:ext>
               </a:extLst>
             </p:cNvPr>
@@ -8858,7 +8858,7 @@
             <p:cNvPr id="33" name="矩形 32">
               <a:extLst>
                 <a:ext uri="{FF2B5EF4-FFF2-40B4-BE49-F238E27FC236}">
-                  <a16:creationId xmlns:a16="http://schemas.microsoft.com/office/drawing/2014/main" xmlns="" id="{00A66F15-32AA-4AB3-B1AE-40AE4AC36167}"/>
+                  <a16:creationId xmlns:a16="http://schemas.microsoft.com/office/drawing/2014/main" id="{00A66F15-32AA-4AB3-B1AE-40AE4AC36167}"/>
                 </a:ext>
               </a:extLst>
             </p:cNvPr>
@@ -8906,7 +8906,7 @@
             <p:cNvPr id="46" name="矩形 45">
               <a:extLst>
                 <a:ext uri="{FF2B5EF4-FFF2-40B4-BE49-F238E27FC236}">
-                  <a16:creationId xmlns:a16="http://schemas.microsoft.com/office/drawing/2014/main" xmlns="" id="{A8EC09B3-4D26-45A0-8845-A6EECF3A0B32}"/>
+                  <a16:creationId xmlns:a16="http://schemas.microsoft.com/office/drawing/2014/main" id="{A8EC09B3-4D26-45A0-8845-A6EECF3A0B32}"/>
                 </a:ext>
               </a:extLst>
             </p:cNvPr>
@@ -8962,7 +8962,7 @@
             <p:cNvPr id="47" name="矩形 46">
               <a:extLst>
                 <a:ext uri="{FF2B5EF4-FFF2-40B4-BE49-F238E27FC236}">
-                  <a16:creationId xmlns:a16="http://schemas.microsoft.com/office/drawing/2014/main" xmlns="" id="{6AAB4875-4FC4-4AB7-8FC0-871911AB8FF2}"/>
+                  <a16:creationId xmlns:a16="http://schemas.microsoft.com/office/drawing/2014/main" id="{6AAB4875-4FC4-4AB7-8FC0-871911AB8FF2}"/>
                 </a:ext>
               </a:extLst>
             </p:cNvPr>
@@ -9018,7 +9018,7 @@
             <p:cNvPr id="48" name="矩形 47">
               <a:extLst>
                 <a:ext uri="{FF2B5EF4-FFF2-40B4-BE49-F238E27FC236}">
-                  <a16:creationId xmlns:a16="http://schemas.microsoft.com/office/drawing/2014/main" xmlns="" id="{C8DC75B5-6D3E-476A-8716-1C2D38AA8497}"/>
+                  <a16:creationId xmlns:a16="http://schemas.microsoft.com/office/drawing/2014/main" id="{C8DC75B5-6D3E-476A-8716-1C2D38AA8497}"/>
                 </a:ext>
               </a:extLst>
             </p:cNvPr>
@@ -9074,7 +9074,7 @@
             <p:cNvPr id="82" name="矩形 81">
               <a:extLst>
                 <a:ext uri="{FF2B5EF4-FFF2-40B4-BE49-F238E27FC236}">
-                  <a16:creationId xmlns:a16="http://schemas.microsoft.com/office/drawing/2014/main" xmlns="" id="{D00AE3E5-F787-4496-BC9F-FE4478F87F73}"/>
+                  <a16:creationId xmlns:a16="http://schemas.microsoft.com/office/drawing/2014/main" id="{D00AE3E5-F787-4496-BC9F-FE4478F87F73}"/>
                 </a:ext>
               </a:extLst>
             </p:cNvPr>
@@ -9130,7 +9130,7 @@
             <p:cNvPr id="83" name="矩形 82">
               <a:extLst>
                 <a:ext uri="{FF2B5EF4-FFF2-40B4-BE49-F238E27FC236}">
-                  <a16:creationId xmlns:a16="http://schemas.microsoft.com/office/drawing/2014/main" xmlns="" id="{22C1626D-1EB9-49B7-B850-E755AD6AC26D}"/>
+                  <a16:creationId xmlns:a16="http://schemas.microsoft.com/office/drawing/2014/main" id="{22C1626D-1EB9-49B7-B850-E755AD6AC26D}"/>
                 </a:ext>
               </a:extLst>
             </p:cNvPr>
@@ -9187,7 +9187,7 @@
           <p:cNvPr id="35" name="组合 34">
             <a:extLst>
               <a:ext uri="{FF2B5EF4-FFF2-40B4-BE49-F238E27FC236}">
-                <a16:creationId xmlns:a16="http://schemas.microsoft.com/office/drawing/2014/main" xmlns="" id="{D95035E2-DF95-4CBF-915B-C2D64D7C8039}"/>
+                <a16:creationId xmlns:a16="http://schemas.microsoft.com/office/drawing/2014/main" id="{D95035E2-DF95-4CBF-915B-C2D64D7C8039}"/>
               </a:ext>
             </a:extLst>
           </p:cNvPr>
@@ -9207,7 +9207,7 @@
             <p:cNvPr id="36" name="文本框 35">
               <a:extLst>
                 <a:ext uri="{FF2B5EF4-FFF2-40B4-BE49-F238E27FC236}">
-                  <a16:creationId xmlns:a16="http://schemas.microsoft.com/office/drawing/2014/main" xmlns="" id="{57ECD779-18A3-4BF0-BCF0-9139F1891390}"/>
+                  <a16:creationId xmlns:a16="http://schemas.microsoft.com/office/drawing/2014/main" id="{57ECD779-18A3-4BF0-BCF0-9139F1891390}"/>
                 </a:ext>
               </a:extLst>
             </p:cNvPr>
@@ -9282,7 +9282,7 @@
             <p:cNvPr id="40" name="燕尾形 23">
               <a:extLst>
                 <a:ext uri="{FF2B5EF4-FFF2-40B4-BE49-F238E27FC236}">
-                  <a16:creationId xmlns:a16="http://schemas.microsoft.com/office/drawing/2014/main" xmlns="" id="{DFE2851B-1E8E-4955-8D3B-72304C42B698}"/>
+                  <a16:creationId xmlns:a16="http://schemas.microsoft.com/office/drawing/2014/main" id="{DFE2851B-1E8E-4955-8D3B-72304C42B698}"/>
                 </a:ext>
               </a:extLst>
             </p:cNvPr>
@@ -9342,7 +9342,7 @@
             <p:cNvPr id="41" name="文本框 40">
               <a:extLst>
                 <a:ext uri="{FF2B5EF4-FFF2-40B4-BE49-F238E27FC236}">
-                  <a16:creationId xmlns:a16="http://schemas.microsoft.com/office/drawing/2014/main" xmlns="" id="{40C8042C-E9F6-469B-90F3-28BC1A5EFAB5}"/>
+                  <a16:creationId xmlns:a16="http://schemas.microsoft.com/office/drawing/2014/main" id="{40C8042C-E9F6-469B-90F3-28BC1A5EFAB5}"/>
                 </a:ext>
               </a:extLst>
             </p:cNvPr>
@@ -9477,7 +9477,7 @@
           <p:cNvPr id="29" name="组合 28">
             <a:extLst>
               <a:ext uri="{FF2B5EF4-FFF2-40B4-BE49-F238E27FC236}">
-                <a16:creationId xmlns:a16="http://schemas.microsoft.com/office/drawing/2014/main" xmlns="" id="{6E2E6247-D5BD-4C75-B61E-3965EF32694F}"/>
+                <a16:creationId xmlns:a16="http://schemas.microsoft.com/office/drawing/2014/main" id="{6E2E6247-D5BD-4C75-B61E-3965EF32694F}"/>
               </a:ext>
             </a:extLst>
           </p:cNvPr>
@@ -9497,7 +9497,7 @@
             <p:cNvPr id="34" name="饼形 6">
               <a:extLst>
                 <a:ext uri="{FF2B5EF4-FFF2-40B4-BE49-F238E27FC236}">
-                  <a16:creationId xmlns:a16="http://schemas.microsoft.com/office/drawing/2014/main" xmlns="" id="{E443680E-5E21-42C5-82E3-F92BE292DAAE}"/>
+                  <a16:creationId xmlns:a16="http://schemas.microsoft.com/office/drawing/2014/main" id="{E443680E-5E21-42C5-82E3-F92BE292DAAE}"/>
                 </a:ext>
               </a:extLst>
             </p:cNvPr>
@@ -9555,7 +9555,7 @@
             <p:cNvPr id="38" name="矩形 37">
               <a:extLst>
                 <a:ext uri="{FF2B5EF4-FFF2-40B4-BE49-F238E27FC236}">
-                  <a16:creationId xmlns:a16="http://schemas.microsoft.com/office/drawing/2014/main" xmlns="" id="{70C7200A-1BD1-4B1A-B6FE-D3E9C916A9A7}"/>
+                  <a16:creationId xmlns:a16="http://schemas.microsoft.com/office/drawing/2014/main" id="{70C7200A-1BD1-4B1A-B6FE-D3E9C916A9A7}"/>
                 </a:ext>
               </a:extLst>
             </p:cNvPr>
@@ -9607,7 +9607,7 @@
             <p:cNvPr id="39" name="文本框 38">
               <a:extLst>
                 <a:ext uri="{FF2B5EF4-FFF2-40B4-BE49-F238E27FC236}">
-                  <a16:creationId xmlns:a16="http://schemas.microsoft.com/office/drawing/2014/main" xmlns="" id="{55698F93-45E8-402C-98AF-AD5AFFAFEFF9}"/>
+                  <a16:creationId xmlns:a16="http://schemas.microsoft.com/office/drawing/2014/main" id="{55698F93-45E8-402C-98AF-AD5AFFAFEFF9}"/>
                 </a:ext>
               </a:extLst>
             </p:cNvPr>
@@ -9704,7 +9704,7 @@
           <p:cNvPr id="31" name="组合 30">
             <a:extLst>
               <a:ext uri="{FF2B5EF4-FFF2-40B4-BE49-F238E27FC236}">
-                <a16:creationId xmlns:a16="http://schemas.microsoft.com/office/drawing/2014/main" xmlns="" id="{AE777496-9F9E-4A7A-BB8F-ADFAD85B2F4A}"/>
+                <a16:creationId xmlns:a16="http://schemas.microsoft.com/office/drawing/2014/main" id="{AE777496-9F9E-4A7A-BB8F-ADFAD85B2F4A}"/>
               </a:ext>
             </a:extLst>
           </p:cNvPr>
@@ -9724,7 +9724,7 @@
             <p:cNvPr id="32" name="饼形 6">
               <a:extLst>
                 <a:ext uri="{FF2B5EF4-FFF2-40B4-BE49-F238E27FC236}">
-                  <a16:creationId xmlns:a16="http://schemas.microsoft.com/office/drawing/2014/main" xmlns="" id="{F84FD497-AE93-4D6F-BF09-444AA041FB5A}"/>
+                  <a16:creationId xmlns:a16="http://schemas.microsoft.com/office/drawing/2014/main" id="{F84FD497-AE93-4D6F-BF09-444AA041FB5A}"/>
                 </a:ext>
               </a:extLst>
             </p:cNvPr>
@@ -9782,7 +9782,7 @@
             <p:cNvPr id="33" name="矩形 32">
               <a:extLst>
                 <a:ext uri="{FF2B5EF4-FFF2-40B4-BE49-F238E27FC236}">
-                  <a16:creationId xmlns:a16="http://schemas.microsoft.com/office/drawing/2014/main" xmlns="" id="{ED10EF23-834C-46BF-A59A-0C60BC651F36}"/>
+                  <a16:creationId xmlns:a16="http://schemas.microsoft.com/office/drawing/2014/main" id="{ED10EF23-834C-46BF-A59A-0C60BC651F36}"/>
                 </a:ext>
               </a:extLst>
             </p:cNvPr>
@@ -9835,7 +9835,7 @@
           <p:cNvPr id="25" name="文本框 24">
             <a:extLst>
               <a:ext uri="{FF2B5EF4-FFF2-40B4-BE49-F238E27FC236}">
-                <a16:creationId xmlns:a16="http://schemas.microsoft.com/office/drawing/2014/main" xmlns="" id="{55698F93-45E8-402C-98AF-AD5AFFAFEFF9}"/>
+                <a16:creationId xmlns:a16="http://schemas.microsoft.com/office/drawing/2014/main" id="{55698F93-45E8-402C-98AF-AD5AFFAFEFF9}"/>
               </a:ext>
             </a:extLst>
           </p:cNvPr>
@@ -9903,7 +9903,7 @@
           <p:cNvPr id="14" name="Group 13">
             <a:extLst>
               <a:ext uri="{FF2B5EF4-FFF2-40B4-BE49-F238E27FC236}">
-                <a16:creationId xmlns:a16="http://schemas.microsoft.com/office/drawing/2014/main" xmlns="" id="{6A0B2B05-E1BC-432C-93DE-513F4F1EBBBF}"/>
+                <a16:creationId xmlns:a16="http://schemas.microsoft.com/office/drawing/2014/main" id="{6A0B2B05-E1BC-432C-93DE-513F4F1EBBBF}"/>
               </a:ext>
             </a:extLst>
           </p:cNvPr>
@@ -9923,7 +9923,7 @@
             <p:cNvPr id="15" name="Freeform: Shape 14">
               <a:extLst>
                 <a:ext uri="{FF2B5EF4-FFF2-40B4-BE49-F238E27FC236}">
-                  <a16:creationId xmlns:a16="http://schemas.microsoft.com/office/drawing/2014/main" xmlns="" id="{9EAAF17F-6680-45E5-BDDD-FC031DB6B765}"/>
+                  <a16:creationId xmlns:a16="http://schemas.microsoft.com/office/drawing/2014/main" id="{9EAAF17F-6680-45E5-BDDD-FC031DB6B765}"/>
                 </a:ext>
               </a:extLst>
             </p:cNvPr>
@@ -10101,7 +10101,7 @@
             <p:cNvPr id="16" name="Shape 15">
               <a:extLst>
                 <a:ext uri="{FF2B5EF4-FFF2-40B4-BE49-F238E27FC236}">
-                  <a16:creationId xmlns:a16="http://schemas.microsoft.com/office/drawing/2014/main" xmlns="" id="{7762BCF5-E188-4C8D-9E77-AEABFC7BA1E3}"/>
+                  <a16:creationId xmlns:a16="http://schemas.microsoft.com/office/drawing/2014/main" id="{7762BCF5-E188-4C8D-9E77-AEABFC7BA1E3}"/>
                 </a:ext>
               </a:extLst>
             </p:cNvPr>
@@ -10161,7 +10161,7 @@
             <p:cNvPr id="17" name="Freeform: Shape 16">
               <a:extLst>
                 <a:ext uri="{FF2B5EF4-FFF2-40B4-BE49-F238E27FC236}">
-                  <a16:creationId xmlns:a16="http://schemas.microsoft.com/office/drawing/2014/main" xmlns="" id="{E0A46D3D-FD1E-48E8-8C3A-4FEB3896C613}"/>
+                  <a16:creationId xmlns:a16="http://schemas.microsoft.com/office/drawing/2014/main" id="{E0A46D3D-FD1E-48E8-8C3A-4FEB3896C613}"/>
                 </a:ext>
               </a:extLst>
             </p:cNvPr>
@@ -10332,7 +10332,7 @@
             <p:cNvPr id="18" name="Freeform: Shape 17">
               <a:extLst>
                 <a:ext uri="{FF2B5EF4-FFF2-40B4-BE49-F238E27FC236}">
-                  <a16:creationId xmlns:a16="http://schemas.microsoft.com/office/drawing/2014/main" xmlns="" id="{5D262382-9002-4CC8-9E1D-9CE9C52FF02A}"/>
+                  <a16:creationId xmlns:a16="http://schemas.microsoft.com/office/drawing/2014/main" id="{5D262382-9002-4CC8-9E1D-9CE9C52FF02A}"/>
                 </a:ext>
               </a:extLst>
             </p:cNvPr>
@@ -10494,52 +10494,22 @@
                 <a:buChar char="•"/>
               </a:pPr>
               <a:r>
-                <a:rPr lang="en-US" altLang="zh-CN" sz="2500" b="1" kern="1200" dirty="0" smtClean="0">
+                <a:rPr lang="en-US" altLang="zh-CN" sz="2500" b="1" kern="1200" dirty="0">
                   <a:ea typeface="思源黑体 CN Light" panose="020B0300000000000000"/>
                 </a:rPr>
-                <a:t>T</a:t>
+                <a:t>1st,</a:t>
               </a:r>
               <a:r>
-                <a:rPr lang="en-US" altLang="zh-CN" sz="2500" b="1" kern="1200" dirty="0" smtClean="0">
-                  <a:ea typeface="思源黑体 CN Light" panose="020B0300000000000000"/>
-                </a:rPr>
-                <a:t>op 1,</a:t>
-              </a:r>
-              <a:r>
-                <a:rPr lang="zh-CN" altLang="en-US" sz="2500" b="1" kern="1200" dirty="0" smtClean="0">
+                <a:rPr lang="zh-CN" altLang="en-US" sz="2500" b="1" kern="1200" dirty="0">
                   <a:ea typeface="思源黑体 CN Light" panose="020B0300000000000000"/>
                 </a:rPr>
                 <a:t> </a:t>
               </a:r>
               <a:r>
-                <a:rPr lang="en-US" altLang="zh-CN" sz="2500" b="1" kern="1200" dirty="0" smtClean="0">
-                  <a:ea typeface="思源黑体 CN Light" panose="020B0300000000000000"/>
-                </a:rPr>
-                <a:t>T</a:t>
-              </a:r>
-              <a:r>
-                <a:rPr lang="en-US" altLang="zh-CN" sz="2500" b="1" kern="1200" dirty="0" smtClean="0">
-                  <a:ea typeface="思源黑体 CN Light" panose="020B0300000000000000"/>
-                </a:rPr>
-                <a:t>op2-10</a:t>
-              </a:r>
-              <a:r>
                 <a:rPr lang="en-US" altLang="zh-CN" sz="2500" b="1" kern="1200" dirty="0">
                   <a:ea typeface="思源黑体 CN Light" panose="020B0300000000000000"/>
                 </a:rPr>
-                <a:t>, </a:t>
-              </a:r>
-              <a:r>
-                <a:rPr lang="en-US" altLang="zh-CN" sz="2500" b="1" kern="1200" dirty="0" smtClean="0">
-                  <a:ea typeface="思源黑体 CN Light" panose="020B0300000000000000"/>
-                </a:rPr>
-                <a:t>T</a:t>
-              </a:r>
-              <a:r>
-                <a:rPr lang="en-US" altLang="zh-CN" sz="2500" b="1" kern="1200" dirty="0" smtClean="0">
-                  <a:ea typeface="思源黑体 CN Light" panose="020B0300000000000000"/>
-                </a:rPr>
-                <a:t>op11-</a:t>
+                <a:t>2nd-10th, 11th-</a:t>
               </a:r>
               <a:endParaRPr lang="zh-CN" altLang="en-US" sz="2500" b="1" kern="1200" dirty="0">
                 <a:ea typeface="思源黑体 CN Light" panose="020B0300000000000000"/>
@@ -10575,7 +10545,7 @@
             <p:cNvPr id="19" name="Arrow: Circular 18">
               <a:extLst>
                 <a:ext uri="{FF2B5EF4-FFF2-40B4-BE49-F238E27FC236}">
-                  <a16:creationId xmlns:a16="http://schemas.microsoft.com/office/drawing/2014/main" xmlns="" id="{9887B09E-B95E-4A20-9B0C-85EBEFB5629D}"/>
+                  <a16:creationId xmlns:a16="http://schemas.microsoft.com/office/drawing/2014/main" id="{9887B09E-B95E-4A20-9B0C-85EBEFB5629D}"/>
                 </a:ext>
               </a:extLst>
             </p:cNvPr>
@@ -10635,7 +10605,7 @@
             <p:cNvPr id="20" name="Freeform: Shape 19">
               <a:extLst>
                 <a:ext uri="{FF2B5EF4-FFF2-40B4-BE49-F238E27FC236}">
-                  <a16:creationId xmlns:a16="http://schemas.microsoft.com/office/drawing/2014/main" xmlns="" id="{10C36825-FF90-467A-A06E-A03CE521DD9D}"/>
+                  <a16:creationId xmlns:a16="http://schemas.microsoft.com/office/drawing/2014/main" id="{10C36825-FF90-467A-A06E-A03CE521DD9D}"/>
                 </a:ext>
               </a:extLst>
             </p:cNvPr>
@@ -10806,7 +10776,7 @@
             <p:cNvPr id="21" name="Freeform: Shape 20">
               <a:extLst>
                 <a:ext uri="{FF2B5EF4-FFF2-40B4-BE49-F238E27FC236}">
-                  <a16:creationId xmlns:a16="http://schemas.microsoft.com/office/drawing/2014/main" xmlns="" id="{F89FD5BB-8845-4597-B786-74E4AE894D27}"/>
+                  <a16:creationId xmlns:a16="http://schemas.microsoft.com/office/drawing/2014/main" id="{F89FD5BB-8845-4597-B786-74E4AE894D27}"/>
                 </a:ext>
               </a:extLst>
             </p:cNvPr>
@@ -10984,7 +10954,7 @@
             <p:cNvPr id="22" name="Freeform: Shape 21">
               <a:extLst>
                 <a:ext uri="{FF2B5EF4-FFF2-40B4-BE49-F238E27FC236}">
-                  <a16:creationId xmlns:a16="http://schemas.microsoft.com/office/drawing/2014/main" xmlns="" id="{BA1DD3C9-E533-4766-BDD5-056A6D70BC94}"/>
+                  <a16:creationId xmlns:a16="http://schemas.microsoft.com/office/drawing/2014/main" id="{BA1DD3C9-E533-4766-BDD5-056A6D70BC94}"/>
                 </a:ext>
               </a:extLst>
             </p:cNvPr>
@@ -11198,7 +11168,7 @@
           <p:cNvPr id="29" name="组合 28">
             <a:extLst>
               <a:ext uri="{FF2B5EF4-FFF2-40B4-BE49-F238E27FC236}">
-                <a16:creationId xmlns:a16="http://schemas.microsoft.com/office/drawing/2014/main" xmlns="" id="{6E2E6247-D5BD-4C75-B61E-3965EF32694F}"/>
+                <a16:creationId xmlns:a16="http://schemas.microsoft.com/office/drawing/2014/main" id="{6E2E6247-D5BD-4C75-B61E-3965EF32694F}"/>
               </a:ext>
             </a:extLst>
           </p:cNvPr>
@@ -11218,7 +11188,7 @@
             <p:cNvPr id="34" name="饼形 6">
               <a:extLst>
                 <a:ext uri="{FF2B5EF4-FFF2-40B4-BE49-F238E27FC236}">
-                  <a16:creationId xmlns:a16="http://schemas.microsoft.com/office/drawing/2014/main" xmlns="" id="{E443680E-5E21-42C5-82E3-F92BE292DAAE}"/>
+                  <a16:creationId xmlns:a16="http://schemas.microsoft.com/office/drawing/2014/main" id="{E443680E-5E21-42C5-82E3-F92BE292DAAE}"/>
                 </a:ext>
               </a:extLst>
             </p:cNvPr>
@@ -11276,7 +11246,7 @@
             <p:cNvPr id="38" name="矩形 37">
               <a:extLst>
                 <a:ext uri="{FF2B5EF4-FFF2-40B4-BE49-F238E27FC236}">
-                  <a16:creationId xmlns:a16="http://schemas.microsoft.com/office/drawing/2014/main" xmlns="" id="{70C7200A-1BD1-4B1A-B6FE-D3E9C916A9A7}"/>
+                  <a16:creationId xmlns:a16="http://schemas.microsoft.com/office/drawing/2014/main" id="{70C7200A-1BD1-4B1A-B6FE-D3E9C916A9A7}"/>
                 </a:ext>
               </a:extLst>
             </p:cNvPr>
@@ -11328,7 +11298,7 @@
             <p:cNvPr id="39" name="文本框 38">
               <a:extLst>
                 <a:ext uri="{FF2B5EF4-FFF2-40B4-BE49-F238E27FC236}">
-                  <a16:creationId xmlns:a16="http://schemas.microsoft.com/office/drawing/2014/main" xmlns="" id="{55698F93-45E8-402C-98AF-AD5AFFAFEFF9}"/>
+                  <a16:creationId xmlns:a16="http://schemas.microsoft.com/office/drawing/2014/main" id="{55698F93-45E8-402C-98AF-AD5AFFAFEFF9}"/>
                 </a:ext>
               </a:extLst>
             </p:cNvPr>
@@ -11376,14 +11346,14 @@
           <p:nvPr>
             <p:extLst>
               <p:ext uri="{D42A27DB-BD31-4B8C-83A1-F6EECF244321}">
-                <p14:modId xmlns:p14="http://schemas.microsoft.com/office/powerpoint/2010/main" val="4014774916"/>
+                <p14:modId xmlns:p14="http://schemas.microsoft.com/office/powerpoint/2010/main" val="7600642"/>
               </p:ext>
             </p:extLst>
           </p:nvPr>
         </p:nvGraphicFramePr>
         <p:xfrm>
-          <a:off x="1269559" y="1828444"/>
-          <a:ext cx="9805734" cy="2865120"/>
+          <a:off x="1269558" y="1828444"/>
+          <a:ext cx="9611802" cy="2865120"/>
         </p:xfrm>
         <a:graphic>
           <a:graphicData uri="http://schemas.openxmlformats.org/drawingml/2006/table">
@@ -11392,45 +11362,45 @@
                 <a:tableStyleId>{6E25E649-3F16-4E02-A733-19D2CDBF48F0}</a:tableStyleId>
               </a:tblPr>
               <a:tblGrid>
-                <a:gridCol w="1634289">
+                <a:gridCol w="1601967">
                   <a:extLst>
                     <a:ext uri="{9D8B030D-6E8A-4147-A177-3AD203B41FA5}">
-                      <a16:colId xmlns:a16="http://schemas.microsoft.com/office/drawing/2014/main" xmlns="" val="20000"/>
+                      <a16:colId xmlns:a16="http://schemas.microsoft.com/office/drawing/2014/main" val="20000"/>
                     </a:ext>
                   </a:extLst>
                 </a:gridCol>
-                <a:gridCol w="1634289">
+                <a:gridCol w="1601967">
                   <a:extLst>
                     <a:ext uri="{9D8B030D-6E8A-4147-A177-3AD203B41FA5}">
-                      <a16:colId xmlns:a16="http://schemas.microsoft.com/office/drawing/2014/main" xmlns="" val="20001"/>
+                      <a16:colId xmlns:a16="http://schemas.microsoft.com/office/drawing/2014/main" val="20001"/>
                     </a:ext>
                   </a:extLst>
                 </a:gridCol>
-                <a:gridCol w="1634289">
+                <a:gridCol w="1601967">
                   <a:extLst>
                     <a:ext uri="{9D8B030D-6E8A-4147-A177-3AD203B41FA5}">
-                      <a16:colId xmlns:a16="http://schemas.microsoft.com/office/drawing/2014/main" xmlns="" val="20002"/>
+                      <a16:colId xmlns:a16="http://schemas.microsoft.com/office/drawing/2014/main" val="20002"/>
                     </a:ext>
                   </a:extLst>
                 </a:gridCol>
-                <a:gridCol w="1634289">
+                <a:gridCol w="1601967">
                   <a:extLst>
                     <a:ext uri="{9D8B030D-6E8A-4147-A177-3AD203B41FA5}">
-                      <a16:colId xmlns:a16="http://schemas.microsoft.com/office/drawing/2014/main" xmlns="" val="20003"/>
+                      <a16:colId xmlns:a16="http://schemas.microsoft.com/office/drawing/2014/main" val="20005"/>
                     </a:ext>
                   </a:extLst>
                 </a:gridCol>
-                <a:gridCol w="1634289">
+                <a:gridCol w="1601967">
                   <a:extLst>
                     <a:ext uri="{9D8B030D-6E8A-4147-A177-3AD203B41FA5}">
-                      <a16:colId xmlns:a16="http://schemas.microsoft.com/office/drawing/2014/main" xmlns="" val="20004"/>
+                      <a16:colId xmlns:a16="http://schemas.microsoft.com/office/drawing/2014/main" val="2880962677"/>
                     </a:ext>
                   </a:extLst>
                 </a:gridCol>
-                <a:gridCol w="1634289">
+                <a:gridCol w="1601967">
                   <a:extLst>
                     <a:ext uri="{9D8B030D-6E8A-4147-A177-3AD203B41FA5}">
-                      <a16:colId xmlns:a16="http://schemas.microsoft.com/office/drawing/2014/main" xmlns="" val="20005"/>
+                      <a16:colId xmlns:a16="http://schemas.microsoft.com/office/drawing/2014/main" val="445215772"/>
                     </a:ext>
                   </a:extLst>
                 </a:gridCol>
@@ -11488,6 +11458,21 @@
                     <a:p>
                       <a:pPr algn="ctr"/>
                       <a:r>
+                        <a:rPr lang="en-US" altLang="zh-CN" dirty="0"/>
+                        <a:t>KNN</a:t>
+                      </a:r>
+                      <a:endParaRPr lang="zh-CN" altLang="en-US" dirty="0"/>
+                    </a:p>
+                  </a:txBody>
+                  <a:tcPr anchor="ctr"/>
+                </a:tc>
+                <a:tc>
+                  <a:txBody>
+                    <a:bodyPr/>
+                    <a:lstStyle/>
+                    <a:p>
+                      <a:pPr algn="ctr"/>
+                      <a:r>
                         <a:rPr lang="en-US" altLang="zh-CN" dirty="0" err="1"/>
                         <a:t>Adaboost</a:t>
                       </a:r>
@@ -11518,24 +11503,9 @@
                   </a:txBody>
                   <a:tcPr anchor="ctr"/>
                 </a:tc>
-                <a:tc>
-                  <a:txBody>
-                    <a:bodyPr/>
-                    <a:lstStyle/>
-                    <a:p>
-                      <a:pPr algn="ctr"/>
-                      <a:r>
-                        <a:rPr lang="en-US" altLang="zh-CN" dirty="0"/>
-                        <a:t>KNN</a:t>
-                      </a:r>
-                      <a:endParaRPr lang="zh-CN" altLang="en-US" dirty="0"/>
-                    </a:p>
-                  </a:txBody>
-                  <a:tcPr anchor="ctr"/>
-                </a:tc>
                 <a:extLst>
                   <a:ext uri="{0D108BD9-81ED-4DB2-BD59-A6C34878D82A}">
-                    <a16:rowId xmlns:a16="http://schemas.microsoft.com/office/drawing/2014/main" xmlns="" val="10000"/>
+                    <a16:rowId xmlns:a16="http://schemas.microsoft.com/office/drawing/2014/main" val="10000"/>
                   </a:ext>
                 </a:extLst>
               </a:tr>
@@ -11575,64 +11545,100 @@
                     <a:bodyPr/>
                     <a:lstStyle/>
                     <a:p>
-                      <a:pPr algn="ctr"/>
+                      <a:pPr algn="ctr" rtl="0" fontAlgn="ctr"/>
                       <a:r>
-                        <a:rPr lang="en-US" altLang="zh-CN" dirty="0"/>
-                        <a:t>0.972</a:t>
+                        <a:rPr lang="en-US" altLang="zh-CN" sz="1800" u="none" strike="noStrike" dirty="0">
+                          <a:effectLst/>
+                        </a:rPr>
+                        <a:t>97%</a:t>
                       </a:r>
-                      <a:endParaRPr lang="zh-CN" altLang="en-US" dirty="0"/>
+                      <a:endParaRPr lang="en-US" altLang="zh-CN" sz="1800" b="1" i="0" u="none" strike="noStrike" dirty="0">
+                        <a:solidFill>
+                          <a:srgbClr val="FFFFFF"/>
+                        </a:solidFill>
+                        <a:effectLst/>
+                        <a:latin typeface="等线" panose="02010600030101010101" pitchFamily="2" charset="-122"/>
+                        <a:ea typeface="等线" panose="02010600030101010101" pitchFamily="2" charset="-122"/>
+                      </a:endParaRPr>
                     </a:p>
                   </a:txBody>
-                  <a:tcPr anchor="ctr"/>
+                  <a:tcPr marL="4763" marR="4763" marT="4763" marB="0" anchor="ctr"/>
                 </a:tc>
                 <a:tc>
                   <a:txBody>
                     <a:bodyPr/>
                     <a:lstStyle/>
                     <a:p>
-                      <a:pPr algn="ctr"/>
+                      <a:pPr algn="ctr" rtl="0" fontAlgn="ctr"/>
                       <a:r>
-                        <a:rPr lang="en-US" altLang="zh-CN" dirty="0"/>
-                        <a:t>1</a:t>
+                        <a:rPr lang="en-US" altLang="zh-CN" sz="1800" u="none" strike="noStrike" dirty="0">
+                          <a:effectLst/>
+                        </a:rPr>
+                        <a:t>98%</a:t>
                       </a:r>
-                      <a:endParaRPr lang="zh-CN" altLang="en-US" dirty="0"/>
+                      <a:endParaRPr lang="en-US" altLang="zh-CN" sz="1800" b="1" i="0" u="none" strike="noStrike" dirty="0">
+                        <a:solidFill>
+                          <a:srgbClr val="FFFFFF"/>
+                        </a:solidFill>
+                        <a:effectLst/>
+                        <a:latin typeface="等线" panose="02010600030101010101" pitchFamily="2" charset="-122"/>
+                        <a:ea typeface="等线" panose="02010600030101010101" pitchFamily="2" charset="-122"/>
+                      </a:endParaRPr>
                     </a:p>
                   </a:txBody>
-                  <a:tcPr anchor="ctr"/>
+                  <a:tcPr marL="4763" marR="4763" marT="4763" marB="0" anchor="ctr"/>
                 </a:tc>
                 <a:tc>
                   <a:txBody>
                     <a:bodyPr/>
                     <a:lstStyle/>
                     <a:p>
-                      <a:pPr algn="ctr"/>
+                      <a:pPr algn="ctr" rtl="0" fontAlgn="ctr"/>
                       <a:r>
-                        <a:rPr lang="en-US" altLang="zh-CN" dirty="0"/>
-                        <a:t>0.772</a:t>
+                        <a:rPr lang="en-US" altLang="zh-CN" sz="1800" u="none" strike="noStrike" dirty="0">
+                          <a:effectLst/>
+                        </a:rPr>
+                        <a:t>100%</a:t>
                       </a:r>
-                      <a:endParaRPr lang="zh-CN" altLang="en-US" dirty="0"/>
+                      <a:endParaRPr lang="en-US" altLang="zh-CN" sz="1800" b="1" i="0" u="none" strike="noStrike" dirty="0">
+                        <a:solidFill>
+                          <a:srgbClr val="FFFFFF"/>
+                        </a:solidFill>
+                        <a:effectLst/>
+                        <a:latin typeface="等线" panose="02010600030101010101" pitchFamily="2" charset="-122"/>
+                        <a:ea typeface="等线" panose="02010600030101010101" pitchFamily="2" charset="-122"/>
+                      </a:endParaRPr>
                     </a:p>
                   </a:txBody>
-                  <a:tcPr anchor="ctr"/>
+                  <a:tcPr marL="4763" marR="4763" marT="4763" marB="0" anchor="ctr"/>
                 </a:tc>
                 <a:tc>
                   <a:txBody>
                     <a:bodyPr/>
                     <a:lstStyle/>
                     <a:p>
-                      <a:pPr algn="ctr"/>
+                      <a:pPr algn="ctr" rtl="0" fontAlgn="ctr"/>
                       <a:r>
-                        <a:rPr lang="en-US" altLang="zh-CN" dirty="0"/>
-                        <a:t>0.984</a:t>
+                        <a:rPr lang="en-US" altLang="zh-CN" sz="1800" u="none" strike="noStrike" dirty="0">
+                          <a:effectLst/>
+                        </a:rPr>
+                        <a:t>77%</a:t>
                       </a:r>
-                      <a:endParaRPr lang="zh-CN" altLang="en-US" dirty="0"/>
+                      <a:endParaRPr lang="en-US" altLang="zh-CN" sz="1800" b="1" i="0" u="none" strike="noStrike" dirty="0">
+                        <a:solidFill>
+                          <a:srgbClr val="FFFFFF"/>
+                        </a:solidFill>
+                        <a:effectLst/>
+                        <a:latin typeface="等线" panose="02010600030101010101" pitchFamily="2" charset="-122"/>
+                        <a:ea typeface="等线" panose="02010600030101010101" pitchFamily="2" charset="-122"/>
+                      </a:endParaRPr>
                     </a:p>
                   </a:txBody>
-                  <a:tcPr anchor="ctr"/>
+                  <a:tcPr marL="4763" marR="4763" marT="4763" marB="0" anchor="ctr"/>
                 </a:tc>
                 <a:extLst>
                   <a:ext uri="{0D108BD9-81ED-4DB2-BD59-A6C34878D82A}">
-                    <a16:rowId xmlns:a16="http://schemas.microsoft.com/office/drawing/2014/main" xmlns="" val="10001"/>
+                    <a16:rowId xmlns:a16="http://schemas.microsoft.com/office/drawing/2014/main" val="10001"/>
                   </a:ext>
                 </a:extLst>
               </a:tr>
@@ -11668,64 +11674,100 @@
                     <a:bodyPr/>
                     <a:lstStyle/>
                     <a:p>
-                      <a:pPr algn="ctr"/>
+                      <a:pPr algn="ctr" rtl="0" fontAlgn="ctr"/>
                       <a:r>
-                        <a:rPr lang="en-US" altLang="zh-CN" dirty="0"/>
-                        <a:t>0.968</a:t>
+                        <a:rPr lang="en-US" altLang="zh-CN" sz="1800" b="1" u="none" strike="noStrike" dirty="0">
+                          <a:effectLst/>
+                        </a:rPr>
+                        <a:t>97%</a:t>
                       </a:r>
-                      <a:endParaRPr lang="zh-CN" altLang="en-US" dirty="0"/>
+                      <a:endParaRPr lang="en-US" altLang="zh-CN" sz="1800" b="1" i="0" u="none" strike="noStrike" dirty="0">
+                        <a:solidFill>
+                          <a:srgbClr val="000000"/>
+                        </a:solidFill>
+                        <a:effectLst/>
+                        <a:latin typeface="等线" panose="02010600030101010101" pitchFamily="2" charset="-122"/>
+                        <a:ea typeface="等线" panose="02010600030101010101" pitchFamily="2" charset="-122"/>
+                      </a:endParaRPr>
                     </a:p>
                   </a:txBody>
-                  <a:tcPr anchor="ctr"/>
+                  <a:tcPr marL="4763" marR="4763" marT="4763" marB="0" anchor="ctr"/>
                 </a:tc>
                 <a:tc>
                   <a:txBody>
                     <a:bodyPr/>
                     <a:lstStyle/>
                     <a:p>
-                      <a:pPr algn="ctr"/>
+                      <a:pPr algn="ctr" rtl="0" fontAlgn="ctr"/>
                       <a:r>
-                        <a:rPr lang="en-US" altLang="zh-CN" dirty="0"/>
-                        <a:t>0.964</a:t>
+                        <a:rPr lang="en-US" altLang="zh-CN" sz="1800" b="1" u="none" strike="noStrike" dirty="0">
+                          <a:effectLst/>
+                        </a:rPr>
+                        <a:t>97%</a:t>
                       </a:r>
-                      <a:endParaRPr lang="zh-CN" altLang="en-US" dirty="0"/>
+                      <a:endParaRPr lang="en-US" altLang="zh-CN" sz="1800" b="1" i="0" u="none" strike="noStrike" dirty="0">
+                        <a:solidFill>
+                          <a:srgbClr val="000000"/>
+                        </a:solidFill>
+                        <a:effectLst/>
+                        <a:latin typeface="等线" panose="02010600030101010101" pitchFamily="2" charset="-122"/>
+                        <a:ea typeface="等线" panose="02010600030101010101" pitchFamily="2" charset="-122"/>
+                      </a:endParaRPr>
                     </a:p>
                   </a:txBody>
-                  <a:tcPr anchor="ctr"/>
+                  <a:tcPr marL="4763" marR="4763" marT="4763" marB="0" anchor="ctr"/>
                 </a:tc>
                 <a:tc>
                   <a:txBody>
                     <a:bodyPr/>
                     <a:lstStyle/>
                     <a:p>
-                      <a:pPr algn="ctr"/>
+                      <a:pPr algn="ctr" rtl="0" fontAlgn="ctr"/>
                       <a:r>
-                        <a:rPr lang="en-US" altLang="zh-CN" dirty="0"/>
-                        <a:t>0.773</a:t>
+                        <a:rPr lang="en-US" altLang="zh-CN" sz="1800" u="none" strike="noStrike" dirty="0">
+                          <a:effectLst/>
+                        </a:rPr>
+                        <a:t>96%</a:t>
                       </a:r>
-                      <a:endParaRPr lang="zh-CN" altLang="en-US" dirty="0"/>
+                      <a:endParaRPr lang="en-US" altLang="zh-CN" sz="1800" b="0" i="0" u="none" strike="noStrike" dirty="0">
+                        <a:solidFill>
+                          <a:srgbClr val="000000"/>
+                        </a:solidFill>
+                        <a:effectLst/>
+                        <a:latin typeface="等线" panose="02010600030101010101" pitchFamily="2" charset="-122"/>
+                        <a:ea typeface="等线" panose="02010600030101010101" pitchFamily="2" charset="-122"/>
+                      </a:endParaRPr>
                     </a:p>
                   </a:txBody>
-                  <a:tcPr anchor="ctr"/>
+                  <a:tcPr marL="4763" marR="4763" marT="4763" marB="0" anchor="ctr"/>
                 </a:tc>
                 <a:tc>
                   <a:txBody>
                     <a:bodyPr/>
                     <a:lstStyle/>
                     <a:p>
-                      <a:pPr algn="ctr"/>
+                      <a:pPr algn="ctr" rtl="0" fontAlgn="ctr"/>
                       <a:r>
-                        <a:rPr lang="en-US" altLang="zh-CN" dirty="0"/>
-                        <a:t>0.968</a:t>
+                        <a:rPr lang="en-US" altLang="zh-CN" sz="1800" u="none" strike="noStrike">
+                          <a:effectLst/>
+                        </a:rPr>
+                        <a:t>77%</a:t>
                       </a:r>
-                      <a:endParaRPr lang="zh-CN" altLang="en-US" dirty="0"/>
+                      <a:endParaRPr lang="en-US" altLang="zh-CN" sz="1800" b="0" i="0" u="none" strike="noStrike">
+                        <a:solidFill>
+                          <a:srgbClr val="000000"/>
+                        </a:solidFill>
+                        <a:effectLst/>
+                        <a:latin typeface="等线" panose="02010600030101010101" pitchFamily="2" charset="-122"/>
+                        <a:ea typeface="等线" panose="02010600030101010101" pitchFamily="2" charset="-122"/>
+                      </a:endParaRPr>
                     </a:p>
                   </a:txBody>
-                  <a:tcPr anchor="ctr"/>
+                  <a:tcPr marL="4763" marR="4763" marT="4763" marB="0" anchor="ctr"/>
                 </a:tc>
                 <a:extLst>
                   <a:ext uri="{0D108BD9-81ED-4DB2-BD59-A6C34878D82A}">
-                    <a16:rowId xmlns:a16="http://schemas.microsoft.com/office/drawing/2014/main" xmlns="" val="10002"/>
+                    <a16:rowId xmlns:a16="http://schemas.microsoft.com/office/drawing/2014/main" val="10002"/>
                   </a:ext>
                 </a:extLst>
               </a:tr>
@@ -11765,64 +11807,100 @@
                     <a:bodyPr/>
                     <a:lstStyle/>
                     <a:p>
-                      <a:pPr algn="ctr"/>
+                      <a:pPr algn="ctr" rtl="0" fontAlgn="ctr"/>
                       <a:r>
-                        <a:rPr lang="en-US" altLang="zh-CN" dirty="0"/>
-                        <a:t>0.941</a:t>
+                        <a:rPr lang="en-US" altLang="zh-CN" sz="1800" u="none" strike="noStrike">
+                          <a:effectLst/>
+                        </a:rPr>
+                        <a:t>94%</a:t>
                       </a:r>
-                      <a:endParaRPr lang="zh-CN" altLang="en-US" dirty="0"/>
+                      <a:endParaRPr lang="en-US" altLang="zh-CN" sz="1800" b="0" i="0" u="none" strike="noStrike">
+                        <a:solidFill>
+                          <a:srgbClr val="000000"/>
+                        </a:solidFill>
+                        <a:effectLst/>
+                        <a:latin typeface="等线" panose="02010600030101010101" pitchFamily="2" charset="-122"/>
+                        <a:ea typeface="等线" panose="02010600030101010101" pitchFamily="2" charset="-122"/>
+                      </a:endParaRPr>
                     </a:p>
                   </a:txBody>
-                  <a:tcPr anchor="ctr"/>
+                  <a:tcPr marL="4763" marR="4763" marT="4763" marB="0" anchor="ctr"/>
                 </a:tc>
                 <a:tc>
                   <a:txBody>
                     <a:bodyPr/>
                     <a:lstStyle/>
                     <a:p>
-                      <a:pPr algn="ctr"/>
+                      <a:pPr algn="ctr" rtl="0" fontAlgn="ctr"/>
                       <a:r>
-                        <a:rPr lang="en-US" altLang="zh-CN" dirty="0"/>
-                        <a:t>0.967</a:t>
+                        <a:rPr lang="en-US" altLang="zh-CN" sz="1800" u="none" strike="noStrike" dirty="0">
+                          <a:effectLst/>
+                        </a:rPr>
+                        <a:t>97%</a:t>
                       </a:r>
-                      <a:endParaRPr lang="zh-CN" altLang="en-US" dirty="0"/>
+                      <a:endParaRPr lang="en-US" altLang="zh-CN" sz="1800" b="0" i="0" u="none" strike="noStrike" dirty="0">
+                        <a:solidFill>
+                          <a:srgbClr val="000000"/>
+                        </a:solidFill>
+                        <a:effectLst/>
+                        <a:latin typeface="等线" panose="02010600030101010101" pitchFamily="2" charset="-122"/>
+                        <a:ea typeface="等线" panose="02010600030101010101" pitchFamily="2" charset="-122"/>
+                      </a:endParaRPr>
                     </a:p>
                   </a:txBody>
-                  <a:tcPr anchor="ctr"/>
+                  <a:tcPr marL="4763" marR="4763" marT="4763" marB="0" anchor="ctr"/>
                 </a:tc>
                 <a:tc>
                   <a:txBody>
                     <a:bodyPr/>
                     <a:lstStyle/>
                     <a:p>
-                      <a:pPr algn="ctr"/>
+                      <a:pPr algn="ctr" rtl="0" fontAlgn="ctr"/>
                       <a:r>
-                        <a:rPr lang="en-US" altLang="zh-CN" dirty="0"/>
-                        <a:t>0.699</a:t>
+                        <a:rPr lang="en-US" altLang="zh-CN" sz="1800" u="none" strike="noStrike" dirty="0">
+                          <a:effectLst/>
+                        </a:rPr>
+                        <a:t>97%</a:t>
                       </a:r>
-                      <a:endParaRPr lang="zh-CN" altLang="en-US" dirty="0"/>
+                      <a:endParaRPr lang="en-US" altLang="zh-CN" sz="1800" b="0" i="0" u="none" strike="noStrike" dirty="0">
+                        <a:solidFill>
+                          <a:srgbClr val="000000"/>
+                        </a:solidFill>
+                        <a:effectLst/>
+                        <a:latin typeface="等线" panose="02010600030101010101" pitchFamily="2" charset="-122"/>
+                        <a:ea typeface="等线" panose="02010600030101010101" pitchFamily="2" charset="-122"/>
+                      </a:endParaRPr>
                     </a:p>
                   </a:txBody>
-                  <a:tcPr anchor="ctr"/>
+                  <a:tcPr marL="4763" marR="4763" marT="4763" marB="0" anchor="ctr"/>
                 </a:tc>
                 <a:tc>
                   <a:txBody>
                     <a:bodyPr/>
                     <a:lstStyle/>
                     <a:p>
-                      <a:pPr algn="ctr"/>
+                      <a:pPr algn="ctr" rtl="0" fontAlgn="ctr"/>
                       <a:r>
-                        <a:rPr lang="en-US" altLang="zh-CN" dirty="0"/>
-                        <a:t>0.974</a:t>
+                        <a:rPr lang="en-US" altLang="zh-CN" sz="1800" u="none" strike="noStrike">
+                          <a:effectLst/>
+                        </a:rPr>
+                        <a:t>70%</a:t>
                       </a:r>
-                      <a:endParaRPr lang="zh-CN" altLang="en-US" dirty="0"/>
+                      <a:endParaRPr lang="en-US" altLang="zh-CN" sz="1800" b="0" i="0" u="none" strike="noStrike">
+                        <a:solidFill>
+                          <a:srgbClr val="000000"/>
+                        </a:solidFill>
+                        <a:effectLst/>
+                        <a:latin typeface="等线" panose="02010600030101010101" pitchFamily="2" charset="-122"/>
+                        <a:ea typeface="等线" panose="02010600030101010101" pitchFamily="2" charset="-122"/>
+                      </a:endParaRPr>
                     </a:p>
                   </a:txBody>
-                  <a:tcPr anchor="ctr"/>
+                  <a:tcPr marL="4763" marR="4763" marT="4763" marB="0" anchor="ctr"/>
                 </a:tc>
                 <a:extLst>
                   <a:ext uri="{0D108BD9-81ED-4DB2-BD59-A6C34878D82A}">
-                    <a16:rowId xmlns:a16="http://schemas.microsoft.com/office/drawing/2014/main" xmlns="" val="10003"/>
+                    <a16:rowId xmlns:a16="http://schemas.microsoft.com/office/drawing/2014/main" val="10003"/>
                   </a:ext>
                 </a:extLst>
               </a:tr>
@@ -11858,64 +11936,100 @@
                     <a:bodyPr/>
                     <a:lstStyle/>
                     <a:p>
-                      <a:pPr algn="ctr"/>
+                      <a:pPr algn="ctr" rtl="0" fontAlgn="ctr"/>
                       <a:r>
-                        <a:rPr lang="en-US" altLang="zh-CN" dirty="0"/>
-                        <a:t>0.943</a:t>
+                        <a:rPr lang="en-US" altLang="zh-CN" sz="1800" b="1" u="none" strike="noStrike" dirty="0">
+                          <a:effectLst/>
+                        </a:rPr>
+                        <a:t>94%</a:t>
                       </a:r>
-                      <a:endParaRPr lang="zh-CN" altLang="en-US" dirty="0"/>
+                      <a:endParaRPr lang="en-US" altLang="zh-CN" sz="1800" b="1" i="0" u="none" strike="noStrike" dirty="0">
+                        <a:solidFill>
+                          <a:srgbClr val="000000"/>
+                        </a:solidFill>
+                        <a:effectLst/>
+                        <a:latin typeface="等线" panose="02010600030101010101" pitchFamily="2" charset="-122"/>
+                        <a:ea typeface="等线" panose="02010600030101010101" pitchFamily="2" charset="-122"/>
+                      </a:endParaRPr>
                     </a:p>
                   </a:txBody>
-                  <a:tcPr anchor="ctr"/>
+                  <a:tcPr marL="4763" marR="4763" marT="4763" marB="0" anchor="ctr"/>
                 </a:tc>
                 <a:tc>
                   <a:txBody>
                     <a:bodyPr/>
                     <a:lstStyle/>
                     <a:p>
-                      <a:pPr algn="ctr"/>
+                      <a:pPr algn="ctr" rtl="0" fontAlgn="ctr"/>
                       <a:r>
-                        <a:rPr lang="en-US" altLang="zh-CN" dirty="0"/>
-                        <a:t>0.904</a:t>
+                        <a:rPr lang="en-US" altLang="zh-CN" sz="1800" b="1" u="none" strike="noStrike" dirty="0">
+                          <a:effectLst/>
+                        </a:rPr>
+                        <a:t>95%</a:t>
                       </a:r>
-                      <a:endParaRPr lang="zh-CN" altLang="en-US" dirty="0"/>
+                      <a:endParaRPr lang="en-US" altLang="zh-CN" sz="1800" b="1" i="0" u="none" strike="noStrike" dirty="0">
+                        <a:solidFill>
+                          <a:srgbClr val="000000"/>
+                        </a:solidFill>
+                        <a:effectLst/>
+                        <a:latin typeface="等线" panose="02010600030101010101" pitchFamily="2" charset="-122"/>
+                        <a:ea typeface="等线" panose="02010600030101010101" pitchFamily="2" charset="-122"/>
+                      </a:endParaRPr>
                     </a:p>
                   </a:txBody>
-                  <a:tcPr anchor="ctr"/>
+                  <a:tcPr marL="4763" marR="4763" marT="4763" marB="0" anchor="ctr"/>
                 </a:tc>
                 <a:tc>
                   <a:txBody>
                     <a:bodyPr/>
                     <a:lstStyle/>
                     <a:p>
-                      <a:pPr algn="ctr"/>
+                      <a:pPr algn="ctr" rtl="0" fontAlgn="ctr"/>
                       <a:r>
-                        <a:rPr lang="en-US" altLang="zh-CN" dirty="0"/>
-                        <a:t>0.695</a:t>
+                        <a:rPr lang="en-US" altLang="zh-CN" sz="1800" u="none" strike="noStrike" dirty="0">
+                          <a:effectLst/>
+                        </a:rPr>
+                        <a:t>90%</a:t>
                       </a:r>
-                      <a:endParaRPr lang="zh-CN" altLang="en-US" dirty="0"/>
+                      <a:endParaRPr lang="en-US" altLang="zh-CN" sz="1800" b="0" i="0" u="none" strike="noStrike" dirty="0">
+                        <a:solidFill>
+                          <a:srgbClr val="000000"/>
+                        </a:solidFill>
+                        <a:effectLst/>
+                        <a:latin typeface="等线" panose="02010600030101010101" pitchFamily="2" charset="-122"/>
+                        <a:ea typeface="等线" panose="02010600030101010101" pitchFamily="2" charset="-122"/>
+                      </a:endParaRPr>
                     </a:p>
                   </a:txBody>
-                  <a:tcPr anchor="ctr"/>
+                  <a:tcPr marL="4763" marR="4763" marT="4763" marB="0" anchor="ctr"/>
                 </a:tc>
                 <a:tc>
                   <a:txBody>
                     <a:bodyPr/>
                     <a:lstStyle/>
                     <a:p>
-                      <a:pPr algn="ctr"/>
+                      <a:pPr algn="ctr" rtl="0" fontAlgn="ctr"/>
                       <a:r>
-                        <a:rPr lang="en-US" altLang="zh-CN" dirty="0"/>
-                        <a:t>0.949</a:t>
+                        <a:rPr lang="en-US" altLang="zh-CN" sz="1800" u="none" strike="noStrike" dirty="0">
+                          <a:effectLst/>
+                        </a:rPr>
+                        <a:t>70%</a:t>
                       </a:r>
-                      <a:endParaRPr lang="zh-CN" altLang="en-US" dirty="0"/>
+                      <a:endParaRPr lang="en-US" altLang="zh-CN" sz="1800" b="0" i="0" u="none" strike="noStrike" dirty="0">
+                        <a:solidFill>
+                          <a:srgbClr val="000000"/>
+                        </a:solidFill>
+                        <a:effectLst/>
+                        <a:latin typeface="等线" panose="02010600030101010101" pitchFamily="2" charset="-122"/>
+                        <a:ea typeface="等线" panose="02010600030101010101" pitchFamily="2" charset="-122"/>
+                      </a:endParaRPr>
                     </a:p>
                   </a:txBody>
-                  <a:tcPr anchor="ctr"/>
+                  <a:tcPr marL="4763" marR="4763" marT="4763" marB="0" anchor="ctr"/>
                 </a:tc>
                 <a:extLst>
                   <a:ext uri="{0D108BD9-81ED-4DB2-BD59-A6C34878D82A}">
-                    <a16:rowId xmlns:a16="http://schemas.microsoft.com/office/drawing/2014/main" xmlns="" val="10004"/>
+                    <a16:rowId xmlns:a16="http://schemas.microsoft.com/office/drawing/2014/main" val="10004"/>
                   </a:ext>
                 </a:extLst>
               </a:tr>
@@ -11955,64 +12069,100 @@
                     <a:bodyPr/>
                     <a:lstStyle/>
                     <a:p>
-                      <a:pPr algn="ctr"/>
+                      <a:pPr algn="ctr" rtl="0" fontAlgn="ctr"/>
                       <a:r>
-                        <a:rPr lang="en-US" altLang="zh-CN" dirty="0"/>
-                        <a:t>0.920</a:t>
+                        <a:rPr lang="en-US" altLang="zh-CN" sz="1800" u="none" strike="noStrike">
+                          <a:effectLst/>
+                        </a:rPr>
+                        <a:t>92%</a:t>
                       </a:r>
-                      <a:endParaRPr lang="zh-CN" altLang="en-US" dirty="0"/>
+                      <a:endParaRPr lang="en-US" altLang="zh-CN" sz="1800" b="0" i="0" u="none" strike="noStrike">
+                        <a:solidFill>
+                          <a:srgbClr val="000000"/>
+                        </a:solidFill>
+                        <a:effectLst/>
+                        <a:latin typeface="等线" panose="02010600030101010101" pitchFamily="2" charset="-122"/>
+                        <a:ea typeface="等线" panose="02010600030101010101" pitchFamily="2" charset="-122"/>
+                      </a:endParaRPr>
                     </a:p>
                   </a:txBody>
-                  <a:tcPr anchor="ctr"/>
+                  <a:tcPr marL="4763" marR="4763" marT="4763" marB="0" anchor="ctr"/>
                 </a:tc>
                 <a:tc>
                   <a:txBody>
                     <a:bodyPr/>
                     <a:lstStyle/>
                     <a:p>
-                      <a:pPr algn="ctr"/>
+                      <a:pPr algn="ctr" rtl="0" fontAlgn="ctr"/>
                       <a:r>
-                        <a:rPr lang="en-US" altLang="zh-CN" dirty="0"/>
-                        <a:t>0.976</a:t>
+                        <a:rPr lang="en-US" altLang="zh-CN" sz="1800" u="none" strike="noStrike" dirty="0">
+                          <a:effectLst/>
+                        </a:rPr>
+                        <a:t>96%</a:t>
                       </a:r>
-                      <a:endParaRPr lang="zh-CN" altLang="en-US" dirty="0"/>
+                      <a:endParaRPr lang="en-US" altLang="zh-CN" sz="1800" b="0" i="0" u="none" strike="noStrike" dirty="0">
+                        <a:solidFill>
+                          <a:srgbClr val="000000"/>
+                        </a:solidFill>
+                        <a:effectLst/>
+                        <a:latin typeface="等线" panose="02010600030101010101" pitchFamily="2" charset="-122"/>
+                        <a:ea typeface="等线" panose="02010600030101010101" pitchFamily="2" charset="-122"/>
+                      </a:endParaRPr>
                     </a:p>
                   </a:txBody>
-                  <a:tcPr anchor="ctr"/>
+                  <a:tcPr marL="4763" marR="4763" marT="4763" marB="0" anchor="ctr"/>
                 </a:tc>
                 <a:tc>
                   <a:txBody>
                     <a:bodyPr/>
                     <a:lstStyle/>
                     <a:p>
-                      <a:pPr algn="ctr"/>
+                      <a:pPr algn="ctr" rtl="0" fontAlgn="ctr"/>
                       <a:r>
-                        <a:rPr lang="en-US" altLang="zh-CN" dirty="0"/>
-                        <a:t>0.747</a:t>
+                        <a:rPr lang="en-US" altLang="zh-CN" sz="1800" u="none" strike="noStrike" dirty="0">
+                          <a:effectLst/>
+                        </a:rPr>
+                        <a:t>98%</a:t>
                       </a:r>
-                      <a:endParaRPr lang="zh-CN" altLang="en-US" dirty="0"/>
+                      <a:endParaRPr lang="en-US" altLang="zh-CN" sz="1800" b="0" i="0" u="none" strike="noStrike" dirty="0">
+                        <a:solidFill>
+                          <a:srgbClr val="000000"/>
+                        </a:solidFill>
+                        <a:effectLst/>
+                        <a:latin typeface="等线" panose="02010600030101010101" pitchFamily="2" charset="-122"/>
+                        <a:ea typeface="等线" panose="02010600030101010101" pitchFamily="2" charset="-122"/>
+                      </a:endParaRPr>
                     </a:p>
                   </a:txBody>
-                  <a:tcPr anchor="ctr"/>
+                  <a:tcPr marL="4763" marR="4763" marT="4763" marB="0" anchor="ctr"/>
                 </a:tc>
                 <a:tc>
                   <a:txBody>
                     <a:bodyPr/>
                     <a:lstStyle/>
                     <a:p>
-                      <a:pPr algn="ctr"/>
+                      <a:pPr algn="ctr" rtl="0" fontAlgn="ctr"/>
                       <a:r>
-                        <a:rPr lang="en-US" altLang="zh-CN" dirty="0"/>
-                        <a:t>0.962</a:t>
+                        <a:rPr lang="en-US" altLang="zh-CN" sz="1800" u="none" strike="noStrike" dirty="0">
+                          <a:effectLst/>
+                        </a:rPr>
+                        <a:t>75%</a:t>
                       </a:r>
-                      <a:endParaRPr lang="zh-CN" altLang="en-US" dirty="0"/>
+                      <a:endParaRPr lang="en-US" altLang="zh-CN" sz="1800" b="0" i="0" u="none" strike="noStrike" dirty="0">
+                        <a:solidFill>
+                          <a:srgbClr val="000000"/>
+                        </a:solidFill>
+                        <a:effectLst/>
+                        <a:latin typeface="等线" panose="02010600030101010101" pitchFamily="2" charset="-122"/>
+                        <a:ea typeface="等线" panose="02010600030101010101" pitchFamily="2" charset="-122"/>
+                      </a:endParaRPr>
                     </a:p>
                   </a:txBody>
-                  <a:tcPr anchor="ctr"/>
+                  <a:tcPr marL="4763" marR="4763" marT="4763" marB="0" anchor="ctr"/>
                 </a:tc>
                 <a:extLst>
                   <a:ext uri="{0D108BD9-81ED-4DB2-BD59-A6C34878D82A}">
-                    <a16:rowId xmlns:a16="http://schemas.microsoft.com/office/drawing/2014/main" xmlns="" val="10005"/>
+                    <a16:rowId xmlns:a16="http://schemas.microsoft.com/office/drawing/2014/main" val="10005"/>
                   </a:ext>
                 </a:extLst>
               </a:tr>
@@ -12048,64 +12198,100 @@
                     <a:bodyPr/>
                     <a:lstStyle/>
                     <a:p>
-                      <a:pPr algn="ctr"/>
+                      <a:pPr algn="ctr" rtl="0" fontAlgn="ctr"/>
                       <a:r>
-                        <a:rPr lang="en-US" altLang="zh-CN" dirty="0"/>
-                        <a:t>0.926</a:t>
+                        <a:rPr lang="en-US" altLang="zh-CN" sz="1800" b="1" u="none" strike="noStrike">
+                          <a:effectLst/>
+                        </a:rPr>
+                        <a:t>93%</a:t>
                       </a:r>
-                      <a:endParaRPr lang="zh-CN" altLang="en-US" dirty="0"/>
+                      <a:endParaRPr lang="en-US" altLang="zh-CN" sz="1800" b="1" i="0" u="none" strike="noStrike">
+                        <a:solidFill>
+                          <a:srgbClr val="000000"/>
+                        </a:solidFill>
+                        <a:effectLst/>
+                        <a:latin typeface="等线" panose="02010600030101010101" pitchFamily="2" charset="-122"/>
+                        <a:ea typeface="等线" panose="02010600030101010101" pitchFamily="2" charset="-122"/>
+                      </a:endParaRPr>
                     </a:p>
                   </a:txBody>
-                  <a:tcPr anchor="ctr"/>
+                  <a:tcPr marL="4763" marR="4763" marT="4763" marB="0" anchor="ctr"/>
                 </a:tc>
                 <a:tc>
                   <a:txBody>
                     <a:bodyPr/>
                     <a:lstStyle/>
                     <a:p>
-                      <a:pPr algn="ctr"/>
+                      <a:pPr algn="ctr" rtl="0" fontAlgn="ctr"/>
                       <a:r>
-                        <a:rPr lang="en-US" altLang="zh-CN" dirty="0"/>
-                        <a:t>0.902</a:t>
+                        <a:rPr lang="en-US" altLang="zh-CN" sz="1800" b="1" u="none" strike="noStrike" dirty="0">
+                          <a:effectLst/>
+                        </a:rPr>
+                        <a:t>93%</a:t>
                       </a:r>
-                      <a:endParaRPr lang="zh-CN" altLang="en-US" dirty="0"/>
+                      <a:endParaRPr lang="en-US" altLang="zh-CN" sz="1800" b="1" i="0" u="none" strike="noStrike" dirty="0">
+                        <a:solidFill>
+                          <a:srgbClr val="000000"/>
+                        </a:solidFill>
+                        <a:effectLst/>
+                        <a:latin typeface="等线" panose="02010600030101010101" pitchFamily="2" charset="-122"/>
+                        <a:ea typeface="等线" panose="02010600030101010101" pitchFamily="2" charset="-122"/>
+                      </a:endParaRPr>
                     </a:p>
                   </a:txBody>
-                  <a:tcPr anchor="ctr"/>
+                  <a:tcPr marL="4763" marR="4763" marT="4763" marB="0" anchor="ctr"/>
                 </a:tc>
                 <a:tc>
                   <a:txBody>
                     <a:bodyPr/>
                     <a:lstStyle/>
                     <a:p>
-                      <a:pPr algn="ctr"/>
+                      <a:pPr algn="ctr" rtl="0" fontAlgn="ctr"/>
                       <a:r>
-                        <a:rPr lang="en-US" altLang="zh-CN" dirty="0"/>
-                        <a:t>0.751</a:t>
+                        <a:rPr lang="en-US" altLang="zh-CN" sz="1800" u="none" strike="noStrike" dirty="0">
+                          <a:effectLst/>
+                        </a:rPr>
+                        <a:t>90%</a:t>
                       </a:r>
-                      <a:endParaRPr lang="zh-CN" altLang="en-US" dirty="0"/>
+                      <a:endParaRPr lang="en-US" altLang="zh-CN" sz="1800" b="0" i="0" u="none" strike="noStrike" dirty="0">
+                        <a:solidFill>
+                          <a:srgbClr val="000000"/>
+                        </a:solidFill>
+                        <a:effectLst/>
+                        <a:latin typeface="等线" panose="02010600030101010101" pitchFamily="2" charset="-122"/>
+                        <a:ea typeface="等线" panose="02010600030101010101" pitchFamily="2" charset="-122"/>
+                      </a:endParaRPr>
                     </a:p>
                   </a:txBody>
-                  <a:tcPr anchor="ctr"/>
+                  <a:tcPr marL="4763" marR="4763" marT="4763" marB="0" anchor="ctr"/>
                 </a:tc>
                 <a:tc>
                   <a:txBody>
                     <a:bodyPr/>
                     <a:lstStyle/>
                     <a:p>
-                      <a:pPr algn="ctr"/>
+                      <a:pPr algn="ctr" rtl="0" fontAlgn="ctr"/>
                       <a:r>
-                        <a:rPr lang="en-US" altLang="zh-CN" dirty="0"/>
-                        <a:t>0.931</a:t>
+                        <a:rPr lang="en-US" altLang="zh-CN" sz="1800" u="none" strike="noStrike" dirty="0">
+                          <a:effectLst/>
+                        </a:rPr>
+                        <a:t>75%</a:t>
                       </a:r>
-                      <a:endParaRPr lang="zh-CN" altLang="en-US" dirty="0"/>
+                      <a:endParaRPr lang="en-US" altLang="zh-CN" sz="1800" b="0" i="0" u="none" strike="noStrike" dirty="0">
+                        <a:solidFill>
+                          <a:srgbClr val="000000"/>
+                        </a:solidFill>
+                        <a:effectLst/>
+                        <a:latin typeface="等线" panose="02010600030101010101" pitchFamily="2" charset="-122"/>
+                        <a:ea typeface="等线" panose="02010600030101010101" pitchFamily="2" charset="-122"/>
+                      </a:endParaRPr>
                     </a:p>
                   </a:txBody>
-                  <a:tcPr anchor="ctr"/>
+                  <a:tcPr marL="4763" marR="4763" marT="4763" marB="0" anchor="ctr"/>
                 </a:tc>
                 <a:extLst>
                   <a:ext uri="{0D108BD9-81ED-4DB2-BD59-A6C34878D82A}">
-                    <a16:rowId xmlns:a16="http://schemas.microsoft.com/office/drawing/2014/main" xmlns="" val="10006"/>
+                    <a16:rowId xmlns:a16="http://schemas.microsoft.com/office/drawing/2014/main" val="10006"/>
                   </a:ext>
                 </a:extLst>
               </a:tr>
@@ -12160,7 +12346,7 @@
           <p:cNvPr id="29" name="组合 28">
             <a:extLst>
               <a:ext uri="{FF2B5EF4-FFF2-40B4-BE49-F238E27FC236}">
-                <a16:creationId xmlns:a16="http://schemas.microsoft.com/office/drawing/2014/main" xmlns="" id="{6E2E6247-D5BD-4C75-B61E-3965EF32694F}"/>
+                <a16:creationId xmlns:a16="http://schemas.microsoft.com/office/drawing/2014/main" id="{6E2E6247-D5BD-4C75-B61E-3965EF32694F}"/>
               </a:ext>
             </a:extLst>
           </p:cNvPr>
@@ -12180,7 +12366,7 @@
             <p:cNvPr id="34" name="饼形 6">
               <a:extLst>
                 <a:ext uri="{FF2B5EF4-FFF2-40B4-BE49-F238E27FC236}">
-                  <a16:creationId xmlns:a16="http://schemas.microsoft.com/office/drawing/2014/main" xmlns="" id="{E443680E-5E21-42C5-82E3-F92BE292DAAE}"/>
+                  <a16:creationId xmlns:a16="http://schemas.microsoft.com/office/drawing/2014/main" id="{E443680E-5E21-42C5-82E3-F92BE292DAAE}"/>
                 </a:ext>
               </a:extLst>
             </p:cNvPr>
@@ -12238,7 +12424,7 @@
             <p:cNvPr id="38" name="矩形 37">
               <a:extLst>
                 <a:ext uri="{FF2B5EF4-FFF2-40B4-BE49-F238E27FC236}">
-                  <a16:creationId xmlns:a16="http://schemas.microsoft.com/office/drawing/2014/main" xmlns="" id="{70C7200A-1BD1-4B1A-B6FE-D3E9C916A9A7}"/>
+                  <a16:creationId xmlns:a16="http://schemas.microsoft.com/office/drawing/2014/main" id="{70C7200A-1BD1-4B1A-B6FE-D3E9C916A9A7}"/>
                 </a:ext>
               </a:extLst>
             </p:cNvPr>
@@ -12290,7 +12476,7 @@
             <p:cNvPr id="39" name="文本框 38">
               <a:extLst>
                 <a:ext uri="{FF2B5EF4-FFF2-40B4-BE49-F238E27FC236}">
-                  <a16:creationId xmlns:a16="http://schemas.microsoft.com/office/drawing/2014/main" xmlns="" id="{55698F93-45E8-402C-98AF-AD5AFFAFEFF9}"/>
+                  <a16:creationId xmlns:a16="http://schemas.microsoft.com/office/drawing/2014/main" id="{55698F93-45E8-402C-98AF-AD5AFFAFEFF9}"/>
                 </a:ext>
               </a:extLst>
             </p:cNvPr>
@@ -12388,7 +12574,7 @@
           <p:cNvPr id="4" name="Picture 3">
             <a:extLst>
               <a:ext uri="{FF2B5EF4-FFF2-40B4-BE49-F238E27FC236}">
-                <a16:creationId xmlns:a16="http://schemas.microsoft.com/office/drawing/2014/main" xmlns="" id="{7FA8F14A-D910-4C3D-B4C5-681E8E8FA301}"/>
+                <a16:creationId xmlns:a16="http://schemas.microsoft.com/office/drawing/2014/main" id="{7FA8F14A-D910-4C3D-B4C5-681E8E8FA301}"/>
               </a:ext>
             </a:extLst>
           </p:cNvPr>
@@ -12466,7 +12652,7 @@
           <p:cNvPr id="29" name="组合 28">
             <a:extLst>
               <a:ext uri="{FF2B5EF4-FFF2-40B4-BE49-F238E27FC236}">
-                <a16:creationId xmlns:a16="http://schemas.microsoft.com/office/drawing/2014/main" xmlns="" id="{6E2E6247-D5BD-4C75-B61E-3965EF32694F}"/>
+                <a16:creationId xmlns:a16="http://schemas.microsoft.com/office/drawing/2014/main" id="{6E2E6247-D5BD-4C75-B61E-3965EF32694F}"/>
               </a:ext>
             </a:extLst>
           </p:cNvPr>
@@ -12486,7 +12672,7 @@
             <p:cNvPr id="34" name="饼形 6">
               <a:extLst>
                 <a:ext uri="{FF2B5EF4-FFF2-40B4-BE49-F238E27FC236}">
-                  <a16:creationId xmlns:a16="http://schemas.microsoft.com/office/drawing/2014/main" xmlns="" id="{E443680E-5E21-42C5-82E3-F92BE292DAAE}"/>
+                  <a16:creationId xmlns:a16="http://schemas.microsoft.com/office/drawing/2014/main" id="{E443680E-5E21-42C5-82E3-F92BE292DAAE}"/>
                 </a:ext>
               </a:extLst>
             </p:cNvPr>
@@ -12544,7 +12730,7 @@
             <p:cNvPr id="38" name="矩形 37">
               <a:extLst>
                 <a:ext uri="{FF2B5EF4-FFF2-40B4-BE49-F238E27FC236}">
-                  <a16:creationId xmlns:a16="http://schemas.microsoft.com/office/drawing/2014/main" xmlns="" id="{70C7200A-1BD1-4B1A-B6FE-D3E9C916A9A7}"/>
+                  <a16:creationId xmlns:a16="http://schemas.microsoft.com/office/drawing/2014/main" id="{70C7200A-1BD1-4B1A-B6FE-D3E9C916A9A7}"/>
                 </a:ext>
               </a:extLst>
             </p:cNvPr>
@@ -12596,7 +12782,7 @@
             <p:cNvPr id="39" name="文本框 38">
               <a:extLst>
                 <a:ext uri="{FF2B5EF4-FFF2-40B4-BE49-F238E27FC236}">
-                  <a16:creationId xmlns:a16="http://schemas.microsoft.com/office/drawing/2014/main" xmlns="" id="{55698F93-45E8-402C-98AF-AD5AFFAFEFF9}"/>
+                  <a16:creationId xmlns:a16="http://schemas.microsoft.com/office/drawing/2014/main" id="{55698F93-45E8-402C-98AF-AD5AFFAFEFF9}"/>
                 </a:ext>
               </a:extLst>
             </p:cNvPr>
@@ -12694,7 +12880,7 @@
           <p:cNvPr id="4" name="Picture 3">
             <a:extLst>
               <a:ext uri="{FF2B5EF4-FFF2-40B4-BE49-F238E27FC236}">
-                <a16:creationId xmlns:a16="http://schemas.microsoft.com/office/drawing/2014/main" xmlns="" id="{43CBB20E-A752-4569-B144-0B1243D03B3F}"/>
+                <a16:creationId xmlns:a16="http://schemas.microsoft.com/office/drawing/2014/main" id="{43CBB20E-A752-4569-B144-0B1243D03B3F}"/>
               </a:ext>
             </a:extLst>
           </p:cNvPr>
@@ -12772,7 +12958,7 @@
           <p:cNvPr id="29" name="组合 28">
             <a:extLst>
               <a:ext uri="{FF2B5EF4-FFF2-40B4-BE49-F238E27FC236}">
-                <a16:creationId xmlns:a16="http://schemas.microsoft.com/office/drawing/2014/main" xmlns="" id="{6E2E6247-D5BD-4C75-B61E-3965EF32694F}"/>
+                <a16:creationId xmlns:a16="http://schemas.microsoft.com/office/drawing/2014/main" id="{6E2E6247-D5BD-4C75-B61E-3965EF32694F}"/>
               </a:ext>
             </a:extLst>
           </p:cNvPr>
@@ -12792,7 +12978,7 @@
             <p:cNvPr id="34" name="饼形 6">
               <a:extLst>
                 <a:ext uri="{FF2B5EF4-FFF2-40B4-BE49-F238E27FC236}">
-                  <a16:creationId xmlns:a16="http://schemas.microsoft.com/office/drawing/2014/main" xmlns="" id="{E443680E-5E21-42C5-82E3-F92BE292DAAE}"/>
+                  <a16:creationId xmlns:a16="http://schemas.microsoft.com/office/drawing/2014/main" id="{E443680E-5E21-42C5-82E3-F92BE292DAAE}"/>
                 </a:ext>
               </a:extLst>
             </p:cNvPr>
@@ -12850,7 +13036,7 @@
             <p:cNvPr id="38" name="矩形 37">
               <a:extLst>
                 <a:ext uri="{FF2B5EF4-FFF2-40B4-BE49-F238E27FC236}">
-                  <a16:creationId xmlns:a16="http://schemas.microsoft.com/office/drawing/2014/main" xmlns="" id="{70C7200A-1BD1-4B1A-B6FE-D3E9C916A9A7}"/>
+                  <a16:creationId xmlns:a16="http://schemas.microsoft.com/office/drawing/2014/main" id="{70C7200A-1BD1-4B1A-B6FE-D3E9C916A9A7}"/>
                 </a:ext>
               </a:extLst>
             </p:cNvPr>
@@ -12902,7 +13088,7 @@
             <p:cNvPr id="39" name="文本框 38">
               <a:extLst>
                 <a:ext uri="{FF2B5EF4-FFF2-40B4-BE49-F238E27FC236}">
-                  <a16:creationId xmlns:a16="http://schemas.microsoft.com/office/drawing/2014/main" xmlns="" id="{55698F93-45E8-402C-98AF-AD5AFFAFEFF9}"/>
+                  <a16:creationId xmlns:a16="http://schemas.microsoft.com/office/drawing/2014/main" id="{55698F93-45E8-402C-98AF-AD5AFFAFEFF9}"/>
                 </a:ext>
               </a:extLst>
             </p:cNvPr>
@@ -13000,7 +13186,7 @@
           <p:cNvPr id="4" name="Picture 3">
             <a:extLst>
               <a:ext uri="{FF2B5EF4-FFF2-40B4-BE49-F238E27FC236}">
-                <a16:creationId xmlns:a16="http://schemas.microsoft.com/office/drawing/2014/main" xmlns="" id="{7D20F159-B34F-43BC-BCE8-8BE8FA2028A7}"/>
+                <a16:creationId xmlns:a16="http://schemas.microsoft.com/office/drawing/2014/main" id="{7D20F159-B34F-43BC-BCE8-8BE8FA2028A7}"/>
               </a:ext>
             </a:extLst>
           </p:cNvPr>
@@ -13078,7 +13264,7 @@
           <p:cNvPr id="29" name="组合 28">
             <a:extLst>
               <a:ext uri="{FF2B5EF4-FFF2-40B4-BE49-F238E27FC236}">
-                <a16:creationId xmlns:a16="http://schemas.microsoft.com/office/drawing/2014/main" xmlns="" id="{6E2E6247-D5BD-4C75-B61E-3965EF32694F}"/>
+                <a16:creationId xmlns:a16="http://schemas.microsoft.com/office/drawing/2014/main" id="{6E2E6247-D5BD-4C75-B61E-3965EF32694F}"/>
               </a:ext>
             </a:extLst>
           </p:cNvPr>
@@ -13098,7 +13284,7 @@
             <p:cNvPr id="34" name="饼形 6">
               <a:extLst>
                 <a:ext uri="{FF2B5EF4-FFF2-40B4-BE49-F238E27FC236}">
-                  <a16:creationId xmlns:a16="http://schemas.microsoft.com/office/drawing/2014/main" xmlns="" id="{E443680E-5E21-42C5-82E3-F92BE292DAAE}"/>
+                  <a16:creationId xmlns:a16="http://schemas.microsoft.com/office/drawing/2014/main" id="{E443680E-5E21-42C5-82E3-F92BE292DAAE}"/>
                 </a:ext>
               </a:extLst>
             </p:cNvPr>
@@ -13156,7 +13342,7 @@
             <p:cNvPr id="38" name="矩形 37">
               <a:extLst>
                 <a:ext uri="{FF2B5EF4-FFF2-40B4-BE49-F238E27FC236}">
-                  <a16:creationId xmlns:a16="http://schemas.microsoft.com/office/drawing/2014/main" xmlns="" id="{70C7200A-1BD1-4B1A-B6FE-D3E9C916A9A7}"/>
+                  <a16:creationId xmlns:a16="http://schemas.microsoft.com/office/drawing/2014/main" id="{70C7200A-1BD1-4B1A-B6FE-D3E9C916A9A7}"/>
                 </a:ext>
               </a:extLst>
             </p:cNvPr>
@@ -13208,7 +13394,7 @@
             <p:cNvPr id="39" name="文本框 38">
               <a:extLst>
                 <a:ext uri="{FF2B5EF4-FFF2-40B4-BE49-F238E27FC236}">
-                  <a16:creationId xmlns:a16="http://schemas.microsoft.com/office/drawing/2014/main" xmlns="" id="{55698F93-45E8-402C-98AF-AD5AFFAFEFF9}"/>
+                  <a16:creationId xmlns:a16="http://schemas.microsoft.com/office/drawing/2014/main" id="{55698F93-45E8-402C-98AF-AD5AFFAFEFF9}"/>
                 </a:ext>
               </a:extLst>
             </p:cNvPr>
@@ -13255,7 +13441,7 @@
           <p:cNvPr id="6" name="组合 3">
             <a:extLst>
               <a:ext uri="{FF2B5EF4-FFF2-40B4-BE49-F238E27FC236}">
-                <a16:creationId xmlns:a16="http://schemas.microsoft.com/office/drawing/2014/main" xmlns="" id="{4DFD84B2-5D7C-6D4D-A53F-7C4E24A81D11}"/>
+                <a16:creationId xmlns:a16="http://schemas.microsoft.com/office/drawing/2014/main" id="{4DFD84B2-5D7C-6D4D-A53F-7C4E24A81D11}"/>
               </a:ext>
             </a:extLst>
           </p:cNvPr>
@@ -13275,7 +13461,7 @@
             <p:cNvPr id="7" name="椭圆 11">
               <a:extLst>
                 <a:ext uri="{FF2B5EF4-FFF2-40B4-BE49-F238E27FC236}">
-                  <a16:creationId xmlns:a16="http://schemas.microsoft.com/office/drawing/2014/main" xmlns="" id="{BBAB2A8E-8C76-FB41-8CDE-7A414C840D16}"/>
+                  <a16:creationId xmlns:a16="http://schemas.microsoft.com/office/drawing/2014/main" id="{BBAB2A8E-8C76-FB41-8CDE-7A414C840D16}"/>
                 </a:ext>
               </a:extLst>
             </p:cNvPr>
@@ -13346,7 +13532,7 @@
             <p:cNvPr id="8" name="文本框 12">
               <a:extLst>
                 <a:ext uri="{FF2B5EF4-FFF2-40B4-BE49-F238E27FC236}">
-                  <a16:creationId xmlns:a16="http://schemas.microsoft.com/office/drawing/2014/main" xmlns="" id="{D38C8657-A1FE-5D48-BBD9-FF52BFF11BC3}"/>
+                  <a16:creationId xmlns:a16="http://schemas.microsoft.com/office/drawing/2014/main" id="{D38C8657-A1FE-5D48-BBD9-FF52BFF11BC3}"/>
                 </a:ext>
               </a:extLst>
             </p:cNvPr>
@@ -13495,7 +13681,7 @@
           <p:cNvPr id="11" name="椭圆 16">
             <a:extLst>
               <a:ext uri="{FF2B5EF4-FFF2-40B4-BE49-F238E27FC236}">
-                <a16:creationId xmlns:a16="http://schemas.microsoft.com/office/drawing/2014/main" xmlns="" id="{A640E9ED-67F8-5948-96B0-5DA291B65802}"/>
+                <a16:creationId xmlns:a16="http://schemas.microsoft.com/office/drawing/2014/main" id="{A640E9ED-67F8-5948-96B0-5DA291B65802}"/>
               </a:ext>
             </a:extLst>
           </p:cNvPr>
@@ -13565,7 +13751,7 @@
           <p:cNvPr id="15" name="椭圆 19">
             <a:extLst>
               <a:ext uri="{FF2B5EF4-FFF2-40B4-BE49-F238E27FC236}">
-                <a16:creationId xmlns:a16="http://schemas.microsoft.com/office/drawing/2014/main" xmlns="" id="{DFD5C809-DCA2-6D4A-817C-99ACBFAE30EB}"/>
+                <a16:creationId xmlns:a16="http://schemas.microsoft.com/office/drawing/2014/main" id="{DFD5C809-DCA2-6D4A-817C-99ACBFAE30EB}"/>
               </a:ext>
             </a:extLst>
           </p:cNvPr>
@@ -13619,7 +13805,7 @@
           <p:cNvPr id="18" name="文本框 12">
             <a:extLst>
               <a:ext uri="{FF2B5EF4-FFF2-40B4-BE49-F238E27FC236}">
-                <a16:creationId xmlns:a16="http://schemas.microsoft.com/office/drawing/2014/main" xmlns="" id="{B572686E-374A-094C-917D-C2F26AF7EF56}"/>
+                <a16:creationId xmlns:a16="http://schemas.microsoft.com/office/drawing/2014/main" id="{B572686E-374A-094C-917D-C2F26AF7EF56}"/>
               </a:ext>
             </a:extLst>
           </p:cNvPr>
@@ -13767,7 +13953,7 @@
           <p:cNvPr id="19" name="文本框 12">
             <a:extLst>
               <a:ext uri="{FF2B5EF4-FFF2-40B4-BE49-F238E27FC236}">
-                <a16:creationId xmlns:a16="http://schemas.microsoft.com/office/drawing/2014/main" xmlns="" id="{07B8F40C-0910-44A5-9FBE-4FB821392A2C}"/>
+                <a16:creationId xmlns:a16="http://schemas.microsoft.com/office/drawing/2014/main" id="{07B8F40C-0910-44A5-9FBE-4FB821392A2C}"/>
               </a:ext>
             </a:extLst>
           </p:cNvPr>
@@ -14043,7 +14229,7 @@
           <p:cNvPr id="29" name="组合 28">
             <a:extLst>
               <a:ext uri="{FF2B5EF4-FFF2-40B4-BE49-F238E27FC236}">
-                <a16:creationId xmlns:a16="http://schemas.microsoft.com/office/drawing/2014/main" xmlns="" id="{6E2E6247-D5BD-4C75-B61E-3965EF32694F}"/>
+                <a16:creationId xmlns:a16="http://schemas.microsoft.com/office/drawing/2014/main" id="{6E2E6247-D5BD-4C75-B61E-3965EF32694F}"/>
               </a:ext>
             </a:extLst>
           </p:cNvPr>
@@ -14063,7 +14249,7 @@
             <p:cNvPr id="34" name="饼形 6">
               <a:extLst>
                 <a:ext uri="{FF2B5EF4-FFF2-40B4-BE49-F238E27FC236}">
-                  <a16:creationId xmlns:a16="http://schemas.microsoft.com/office/drawing/2014/main" xmlns="" id="{E443680E-5E21-42C5-82E3-F92BE292DAAE}"/>
+                  <a16:creationId xmlns:a16="http://schemas.microsoft.com/office/drawing/2014/main" id="{E443680E-5E21-42C5-82E3-F92BE292DAAE}"/>
                 </a:ext>
               </a:extLst>
             </p:cNvPr>
@@ -14121,7 +14307,7 @@
             <p:cNvPr id="38" name="矩形 37">
               <a:extLst>
                 <a:ext uri="{FF2B5EF4-FFF2-40B4-BE49-F238E27FC236}">
-                  <a16:creationId xmlns:a16="http://schemas.microsoft.com/office/drawing/2014/main" xmlns="" id="{70C7200A-1BD1-4B1A-B6FE-D3E9C916A9A7}"/>
+                  <a16:creationId xmlns:a16="http://schemas.microsoft.com/office/drawing/2014/main" id="{70C7200A-1BD1-4B1A-B6FE-D3E9C916A9A7}"/>
                 </a:ext>
               </a:extLst>
             </p:cNvPr>
@@ -14173,7 +14359,7 @@
             <p:cNvPr id="39" name="文本框 38">
               <a:extLst>
                 <a:ext uri="{FF2B5EF4-FFF2-40B4-BE49-F238E27FC236}">
-                  <a16:creationId xmlns:a16="http://schemas.microsoft.com/office/drawing/2014/main" xmlns="" id="{55698F93-45E8-402C-98AF-AD5AFFAFEFF9}"/>
+                  <a16:creationId xmlns:a16="http://schemas.microsoft.com/office/drawing/2014/main" id="{55698F93-45E8-402C-98AF-AD5AFFAFEFF9}"/>
                 </a:ext>
               </a:extLst>
             </p:cNvPr>
@@ -14206,31 +14392,7 @@
                   </a:solidFill>
                   <a:latin typeface="+mn-ea"/>
                 </a:rPr>
-                <a:t>Specific </a:t>
-              </a:r>
-              <a:r>
-                <a:rPr lang="en-US" altLang="zh-CN" sz="3200" spc="300" smtClean="0">
-                  <a:solidFill>
-                    <a:schemeClr val="tx1">
-                      <a:lumMod val="75000"/>
-                      <a:lumOff val="25000"/>
-                    </a:schemeClr>
-                  </a:solidFill>
-                  <a:latin typeface="+mn-ea"/>
-                </a:rPr>
-                <a:t>S</a:t>
-              </a:r>
-              <a:r>
-                <a:rPr lang="en-US" altLang="zh-CN" sz="3200" spc="300" smtClean="0">
-                  <a:solidFill>
-                    <a:schemeClr val="tx1">
-                      <a:lumMod val="75000"/>
-                      <a:lumOff val="25000"/>
-                    </a:schemeClr>
-                  </a:solidFill>
-                  <a:latin typeface="+mn-ea"/>
-                </a:rPr>
-                <a:t>uggestion</a:t>
+                <a:t>Specific Suggestion</a:t>
               </a:r>
               <a:endParaRPr lang="en-US" altLang="zh-CN" sz="3200" dirty="0">
                 <a:latin typeface="+mn-ea"/>
@@ -14244,7 +14406,7 @@
           <p:cNvPr id="6" name="组合 3">
             <a:extLst>
               <a:ext uri="{FF2B5EF4-FFF2-40B4-BE49-F238E27FC236}">
-                <a16:creationId xmlns:a16="http://schemas.microsoft.com/office/drawing/2014/main" xmlns="" id="{4DFD84B2-5D7C-6D4D-A53F-7C4E24A81D11}"/>
+                <a16:creationId xmlns:a16="http://schemas.microsoft.com/office/drawing/2014/main" id="{4DFD84B2-5D7C-6D4D-A53F-7C4E24A81D11}"/>
               </a:ext>
             </a:extLst>
           </p:cNvPr>
@@ -14264,7 +14426,7 @@
             <p:cNvPr id="7" name="椭圆 11">
               <a:extLst>
                 <a:ext uri="{FF2B5EF4-FFF2-40B4-BE49-F238E27FC236}">
-                  <a16:creationId xmlns:a16="http://schemas.microsoft.com/office/drawing/2014/main" xmlns="" id="{BBAB2A8E-8C76-FB41-8CDE-7A414C840D16}"/>
+                  <a16:creationId xmlns:a16="http://schemas.microsoft.com/office/drawing/2014/main" id="{BBAB2A8E-8C76-FB41-8CDE-7A414C840D16}"/>
                 </a:ext>
               </a:extLst>
             </p:cNvPr>
@@ -14335,7 +14497,7 @@
             <p:cNvPr id="8" name="文本框 12">
               <a:extLst>
                 <a:ext uri="{FF2B5EF4-FFF2-40B4-BE49-F238E27FC236}">
-                  <a16:creationId xmlns:a16="http://schemas.microsoft.com/office/drawing/2014/main" xmlns="" id="{D38C8657-A1FE-5D48-BBD9-FF52BFF11BC3}"/>
+                  <a16:creationId xmlns:a16="http://schemas.microsoft.com/office/drawing/2014/main" id="{D38C8657-A1FE-5D48-BBD9-FF52BFF11BC3}"/>
                 </a:ext>
               </a:extLst>
             </p:cNvPr>
@@ -14463,33 +14625,7 @@
                   <a:latin typeface="思源黑体 CN Normal" panose="020B0400000000000000" pitchFamily="34" charset="-122"/>
                   <a:ea typeface="思源黑体 CN Normal" panose="020B0400000000000000" pitchFamily="34" charset="-122"/>
                 </a:rPr>
-                <a:t>It is player kills and player damage that </a:t>
-              </a:r>
-              <a:r>
-                <a:rPr lang="en-US" altLang="zh-CN" sz="2000" spc="300" dirty="0" smtClean="0">
-                  <a:solidFill>
-                    <a:schemeClr val="tx1">
-                      <a:lumMod val="75000"/>
-                      <a:lumOff val="25000"/>
-                    </a:schemeClr>
-                  </a:solidFill>
-                  <a:latin typeface="思源黑体 CN Normal" panose="020B0400000000000000" pitchFamily="34" charset="-122"/>
-                  <a:ea typeface="思源黑体 CN Normal" panose="020B0400000000000000" pitchFamily="34" charset="-122"/>
-                </a:rPr>
-                <a:t>count</a:t>
-              </a:r>
-              <a:r>
-                <a:rPr lang="en-US" altLang="zh-CN" sz="2000" spc="300" dirty="0">
-                  <a:solidFill>
-                    <a:schemeClr val="tx1">
-                      <a:lumMod val="75000"/>
-                      <a:lumOff val="25000"/>
-                    </a:schemeClr>
-                  </a:solidFill>
-                  <a:latin typeface="思源黑体 CN Normal" panose="020B0400000000000000" pitchFamily="34" charset="-122"/>
-                  <a:ea typeface="思源黑体 CN Normal" panose="020B0400000000000000" pitchFamily="34" charset="-122"/>
-                </a:rPr>
-                <a:t>.</a:t>
+                <a:t>It is player kills and player damage that count.</a:t>
               </a:r>
               <a:endParaRPr lang="zh-CN" altLang="en-US" sz="2000" spc="300" dirty="0">
                 <a:solidFill>
@@ -14510,7 +14646,7 @@
           <p:cNvPr id="11" name="椭圆 16">
             <a:extLst>
               <a:ext uri="{FF2B5EF4-FFF2-40B4-BE49-F238E27FC236}">
-                <a16:creationId xmlns:a16="http://schemas.microsoft.com/office/drawing/2014/main" xmlns="" id="{A640E9ED-67F8-5948-96B0-5DA291B65802}"/>
+                <a16:creationId xmlns:a16="http://schemas.microsoft.com/office/drawing/2014/main" id="{A640E9ED-67F8-5948-96B0-5DA291B65802}"/>
               </a:ext>
             </a:extLst>
           </p:cNvPr>
@@ -14580,7 +14716,7 @@
           <p:cNvPr id="15" name="椭圆 19">
             <a:extLst>
               <a:ext uri="{FF2B5EF4-FFF2-40B4-BE49-F238E27FC236}">
-                <a16:creationId xmlns:a16="http://schemas.microsoft.com/office/drawing/2014/main" xmlns="" id="{DFD5C809-DCA2-6D4A-817C-99ACBFAE30EB}"/>
+                <a16:creationId xmlns:a16="http://schemas.microsoft.com/office/drawing/2014/main" id="{DFD5C809-DCA2-6D4A-817C-99ACBFAE30EB}"/>
               </a:ext>
             </a:extLst>
           </p:cNvPr>
@@ -14634,7 +14770,7 @@
           <p:cNvPr id="18" name="文本框 12">
             <a:extLst>
               <a:ext uri="{FF2B5EF4-FFF2-40B4-BE49-F238E27FC236}">
-                <a16:creationId xmlns:a16="http://schemas.microsoft.com/office/drawing/2014/main" xmlns="" id="{B572686E-374A-094C-917D-C2F26AF7EF56}"/>
+                <a16:creationId xmlns:a16="http://schemas.microsoft.com/office/drawing/2014/main" id="{B572686E-374A-094C-917D-C2F26AF7EF56}"/>
               </a:ext>
             </a:extLst>
           </p:cNvPr>
@@ -14782,7 +14918,7 @@
           <p:cNvPr id="19" name="文本框 12">
             <a:extLst>
               <a:ext uri="{FF2B5EF4-FFF2-40B4-BE49-F238E27FC236}">
-                <a16:creationId xmlns:a16="http://schemas.microsoft.com/office/drawing/2014/main" xmlns="" id="{07B8F40C-0910-44A5-9FBE-4FB821392A2C}"/>
+                <a16:creationId xmlns:a16="http://schemas.microsoft.com/office/drawing/2014/main" id="{07B8F40C-0910-44A5-9FBE-4FB821392A2C}"/>
               </a:ext>
             </a:extLst>
           </p:cNvPr>
@@ -14910,20 +15046,7 @@
                 <a:latin typeface="思源黑体 CN Normal" panose="020B0400000000000000" pitchFamily="34" charset="-122"/>
                 <a:ea typeface="思源黑体 CN Normal" panose="020B0400000000000000" pitchFamily="34" charset="-122"/>
               </a:rPr>
-              <a:t>Focus more on two average moving </a:t>
-            </a:r>
-            <a:r>
-              <a:rPr lang="en-US" altLang="zh-CN" sz="2000" spc="300" dirty="0" smtClean="0">
-                <a:solidFill>
-                  <a:schemeClr val="tx1">
-                    <a:lumMod val="75000"/>
-                    <a:lumOff val="25000"/>
-                  </a:schemeClr>
-                </a:solidFill>
-                <a:latin typeface="思源黑体 CN Normal" panose="020B0400000000000000" pitchFamily="34" charset="-122"/>
-                <a:ea typeface="思源黑体 CN Normal" panose="020B0400000000000000" pitchFamily="34" charset="-122"/>
-              </a:rPr>
-              <a:t>speed.</a:t>
+              <a:t>Focus more on two average moving speed.</a:t>
             </a:r>
             <a:endParaRPr lang="zh-CN" altLang="en-US" sz="2000" spc="300" dirty="0">
               <a:solidFill>
@@ -15071,7 +15194,7 @@
           <p:cNvPr id="42" name="组合 41">
             <a:extLst>
               <a:ext uri="{FF2B5EF4-FFF2-40B4-BE49-F238E27FC236}">
-                <a16:creationId xmlns:a16="http://schemas.microsoft.com/office/drawing/2014/main" xmlns="" id="{7AFA7012-798C-40E5-B08A-FE9678A251D7}"/>
+                <a16:creationId xmlns:a16="http://schemas.microsoft.com/office/drawing/2014/main" id="{7AFA7012-798C-40E5-B08A-FE9678A251D7}"/>
               </a:ext>
             </a:extLst>
           </p:cNvPr>
@@ -15091,7 +15214,7 @@
             <p:cNvPr id="44" name="矩形 43">
               <a:extLst>
                 <a:ext uri="{FF2B5EF4-FFF2-40B4-BE49-F238E27FC236}">
-                  <a16:creationId xmlns:a16="http://schemas.microsoft.com/office/drawing/2014/main" xmlns="" id="{227B53CD-A63F-4C91-A9FF-1D36E56A1C02}"/>
+                  <a16:creationId xmlns:a16="http://schemas.microsoft.com/office/drawing/2014/main" id="{227B53CD-A63F-4C91-A9FF-1D36E56A1C02}"/>
                 </a:ext>
               </a:extLst>
             </p:cNvPr>
@@ -15147,7 +15270,7 @@
             <p:cNvPr id="12" name="矩形 11">
               <a:extLst>
                 <a:ext uri="{FF2B5EF4-FFF2-40B4-BE49-F238E27FC236}">
-                  <a16:creationId xmlns:a16="http://schemas.microsoft.com/office/drawing/2014/main" xmlns="" id="{36B1F8BD-6223-4476-8E54-3EA176FBE218}"/>
+                  <a16:creationId xmlns:a16="http://schemas.microsoft.com/office/drawing/2014/main" id="{36B1F8BD-6223-4476-8E54-3EA176FBE218}"/>
                 </a:ext>
               </a:extLst>
             </p:cNvPr>
@@ -15202,7 +15325,7 @@
             <p:cNvPr id="13" name="矩形 12">
               <a:extLst>
                 <a:ext uri="{FF2B5EF4-FFF2-40B4-BE49-F238E27FC236}">
-                  <a16:creationId xmlns:a16="http://schemas.microsoft.com/office/drawing/2014/main" xmlns="" id="{6E7ADB3A-2F2C-410D-8252-ED41992D3E41}"/>
+                  <a16:creationId xmlns:a16="http://schemas.microsoft.com/office/drawing/2014/main" id="{6E7ADB3A-2F2C-410D-8252-ED41992D3E41}"/>
                 </a:ext>
               </a:extLst>
             </p:cNvPr>
@@ -15257,7 +15380,7 @@
             <p:cNvPr id="14" name="矩形 13">
               <a:extLst>
                 <a:ext uri="{FF2B5EF4-FFF2-40B4-BE49-F238E27FC236}">
-                  <a16:creationId xmlns:a16="http://schemas.microsoft.com/office/drawing/2014/main" xmlns="" id="{A5FF5BCC-FD31-420A-A408-C5135593AC27}"/>
+                  <a16:creationId xmlns:a16="http://schemas.microsoft.com/office/drawing/2014/main" id="{A5FF5BCC-FD31-420A-A408-C5135593AC27}"/>
                 </a:ext>
               </a:extLst>
             </p:cNvPr>
@@ -15312,7 +15435,7 @@
             <p:cNvPr id="15" name="矩形 14">
               <a:extLst>
                 <a:ext uri="{FF2B5EF4-FFF2-40B4-BE49-F238E27FC236}">
-                  <a16:creationId xmlns:a16="http://schemas.microsoft.com/office/drawing/2014/main" xmlns="" id="{7CCF0A5B-5F90-48C0-80EA-D6D0A8DABC5E}"/>
+                  <a16:creationId xmlns:a16="http://schemas.microsoft.com/office/drawing/2014/main" id="{7CCF0A5B-5F90-48C0-80EA-D6D0A8DABC5E}"/>
                 </a:ext>
               </a:extLst>
             </p:cNvPr>
@@ -15367,7 +15490,7 @@
             <p:cNvPr id="16" name="矩形 15">
               <a:extLst>
                 <a:ext uri="{FF2B5EF4-FFF2-40B4-BE49-F238E27FC236}">
-                  <a16:creationId xmlns:a16="http://schemas.microsoft.com/office/drawing/2014/main" xmlns="" id="{F6310E21-0E24-41DC-87C5-0237703D19D6}"/>
+                  <a16:creationId xmlns:a16="http://schemas.microsoft.com/office/drawing/2014/main" id="{F6310E21-0E24-41DC-87C5-0237703D19D6}"/>
                 </a:ext>
               </a:extLst>
             </p:cNvPr>
@@ -15422,7 +15545,7 @@
             <p:cNvPr id="17" name="矩形 16">
               <a:extLst>
                 <a:ext uri="{FF2B5EF4-FFF2-40B4-BE49-F238E27FC236}">
-                  <a16:creationId xmlns:a16="http://schemas.microsoft.com/office/drawing/2014/main" xmlns="" id="{41928513-ACB6-48B3-A3C8-D031F908A5A2}"/>
+                  <a16:creationId xmlns:a16="http://schemas.microsoft.com/office/drawing/2014/main" id="{41928513-ACB6-48B3-A3C8-D031F908A5A2}"/>
                 </a:ext>
               </a:extLst>
             </p:cNvPr>
@@ -15477,7 +15600,7 @@
             <p:cNvPr id="18" name="矩形 17">
               <a:extLst>
                 <a:ext uri="{FF2B5EF4-FFF2-40B4-BE49-F238E27FC236}">
-                  <a16:creationId xmlns:a16="http://schemas.microsoft.com/office/drawing/2014/main" xmlns="" id="{006EBB9F-CD94-422C-B0EE-AAD400BB34DF}"/>
+                  <a16:creationId xmlns:a16="http://schemas.microsoft.com/office/drawing/2014/main" id="{006EBB9F-CD94-422C-B0EE-AAD400BB34DF}"/>
                 </a:ext>
               </a:extLst>
             </p:cNvPr>
@@ -15532,7 +15655,7 @@
             <p:cNvPr id="19" name="矩形 18">
               <a:extLst>
                 <a:ext uri="{FF2B5EF4-FFF2-40B4-BE49-F238E27FC236}">
-                  <a16:creationId xmlns:a16="http://schemas.microsoft.com/office/drawing/2014/main" xmlns="" id="{40E9E687-E6E0-4351-B0E9-1EA7FB106887}"/>
+                  <a16:creationId xmlns:a16="http://schemas.microsoft.com/office/drawing/2014/main" id="{40E9E687-E6E0-4351-B0E9-1EA7FB106887}"/>
                 </a:ext>
               </a:extLst>
             </p:cNvPr>
@@ -15587,7 +15710,7 @@
             <p:cNvPr id="20" name="矩形 19">
               <a:extLst>
                 <a:ext uri="{FF2B5EF4-FFF2-40B4-BE49-F238E27FC236}">
-                  <a16:creationId xmlns:a16="http://schemas.microsoft.com/office/drawing/2014/main" xmlns="" id="{0EA22228-8B9C-4A87-9906-3A886140440F}"/>
+                  <a16:creationId xmlns:a16="http://schemas.microsoft.com/office/drawing/2014/main" id="{0EA22228-8B9C-4A87-9906-3A886140440F}"/>
                 </a:ext>
               </a:extLst>
             </p:cNvPr>
@@ -15642,7 +15765,7 @@
             <p:cNvPr id="21" name="矩形 20">
               <a:extLst>
                 <a:ext uri="{FF2B5EF4-FFF2-40B4-BE49-F238E27FC236}">
-                  <a16:creationId xmlns:a16="http://schemas.microsoft.com/office/drawing/2014/main" xmlns="" id="{AA8B53EF-C010-4EF4-B061-9456970B6D5E}"/>
+                  <a16:creationId xmlns:a16="http://schemas.microsoft.com/office/drawing/2014/main" id="{AA8B53EF-C010-4EF4-B061-9456970B6D5E}"/>
                 </a:ext>
               </a:extLst>
             </p:cNvPr>
@@ -15697,7 +15820,7 @@
             <p:cNvPr id="22" name="矩形 21">
               <a:extLst>
                 <a:ext uri="{FF2B5EF4-FFF2-40B4-BE49-F238E27FC236}">
-                  <a16:creationId xmlns:a16="http://schemas.microsoft.com/office/drawing/2014/main" xmlns="" id="{066696DA-9313-4E4B-871C-84ADDC678106}"/>
+                  <a16:creationId xmlns:a16="http://schemas.microsoft.com/office/drawing/2014/main" id="{066696DA-9313-4E4B-871C-84ADDC678106}"/>
                 </a:ext>
               </a:extLst>
             </p:cNvPr>
@@ -15752,7 +15875,7 @@
             <p:cNvPr id="23" name="矩形 22">
               <a:extLst>
                 <a:ext uri="{FF2B5EF4-FFF2-40B4-BE49-F238E27FC236}">
-                  <a16:creationId xmlns:a16="http://schemas.microsoft.com/office/drawing/2014/main" xmlns="" id="{FC56AE96-4295-4D24-B746-963B4F4BF8E5}"/>
+                  <a16:creationId xmlns:a16="http://schemas.microsoft.com/office/drawing/2014/main" id="{FC56AE96-4295-4D24-B746-963B4F4BF8E5}"/>
                 </a:ext>
               </a:extLst>
             </p:cNvPr>
@@ -15807,7 +15930,7 @@
             <p:cNvPr id="24" name="矩形 23">
               <a:extLst>
                 <a:ext uri="{FF2B5EF4-FFF2-40B4-BE49-F238E27FC236}">
-                  <a16:creationId xmlns:a16="http://schemas.microsoft.com/office/drawing/2014/main" xmlns="" id="{7C8284BA-D9BF-4E1C-81F9-1A6B5FBA870B}"/>
+                  <a16:creationId xmlns:a16="http://schemas.microsoft.com/office/drawing/2014/main" id="{7C8284BA-D9BF-4E1C-81F9-1A6B5FBA870B}"/>
                 </a:ext>
               </a:extLst>
             </p:cNvPr>
@@ -15862,7 +15985,7 @@
             <p:cNvPr id="25" name="矩形 24">
               <a:extLst>
                 <a:ext uri="{FF2B5EF4-FFF2-40B4-BE49-F238E27FC236}">
-                  <a16:creationId xmlns:a16="http://schemas.microsoft.com/office/drawing/2014/main" xmlns="" id="{6FF71A69-8C13-44D9-B0D0-214EF78E0CB2}"/>
+                  <a16:creationId xmlns:a16="http://schemas.microsoft.com/office/drawing/2014/main" id="{6FF71A69-8C13-44D9-B0D0-214EF78E0CB2}"/>
                 </a:ext>
               </a:extLst>
             </p:cNvPr>
@@ -15917,7 +16040,7 @@
             <p:cNvPr id="26" name="矩形 25">
               <a:extLst>
                 <a:ext uri="{FF2B5EF4-FFF2-40B4-BE49-F238E27FC236}">
-                  <a16:creationId xmlns:a16="http://schemas.microsoft.com/office/drawing/2014/main" xmlns="" id="{586B7DCF-14EE-4304-BFDD-F8E41FDEEE12}"/>
+                  <a16:creationId xmlns:a16="http://schemas.microsoft.com/office/drawing/2014/main" id="{586B7DCF-14EE-4304-BFDD-F8E41FDEEE12}"/>
                 </a:ext>
               </a:extLst>
             </p:cNvPr>
@@ -15972,7 +16095,7 @@
             <p:cNvPr id="27" name="矩形 26">
               <a:extLst>
                 <a:ext uri="{FF2B5EF4-FFF2-40B4-BE49-F238E27FC236}">
-                  <a16:creationId xmlns:a16="http://schemas.microsoft.com/office/drawing/2014/main" xmlns="" id="{4F9407C0-EFD0-43B9-8A36-8D892AEF3B28}"/>
+                  <a16:creationId xmlns:a16="http://schemas.microsoft.com/office/drawing/2014/main" id="{4F9407C0-EFD0-43B9-8A36-8D892AEF3B28}"/>
                 </a:ext>
               </a:extLst>
             </p:cNvPr>
@@ -16027,7 +16150,7 @@
             <p:cNvPr id="28" name="矩形 27">
               <a:extLst>
                 <a:ext uri="{FF2B5EF4-FFF2-40B4-BE49-F238E27FC236}">
-                  <a16:creationId xmlns:a16="http://schemas.microsoft.com/office/drawing/2014/main" xmlns="" id="{7D9E52CE-4D25-4C74-A7D6-0F911C8BB5FE}"/>
+                  <a16:creationId xmlns:a16="http://schemas.microsoft.com/office/drawing/2014/main" id="{7D9E52CE-4D25-4C74-A7D6-0F911C8BB5FE}"/>
                 </a:ext>
               </a:extLst>
             </p:cNvPr>
@@ -16075,7 +16198,7 @@
             <p:cNvPr id="29" name="矩形 28">
               <a:extLst>
                 <a:ext uri="{FF2B5EF4-FFF2-40B4-BE49-F238E27FC236}">
-                  <a16:creationId xmlns:a16="http://schemas.microsoft.com/office/drawing/2014/main" xmlns="" id="{1FF070DA-414F-49FE-97A1-D9F01C222624}"/>
+                  <a16:creationId xmlns:a16="http://schemas.microsoft.com/office/drawing/2014/main" id="{1FF070DA-414F-49FE-97A1-D9F01C222624}"/>
                 </a:ext>
               </a:extLst>
             </p:cNvPr>
@@ -16123,7 +16246,7 @@
             <p:cNvPr id="30" name="矩形 29">
               <a:extLst>
                 <a:ext uri="{FF2B5EF4-FFF2-40B4-BE49-F238E27FC236}">
-                  <a16:creationId xmlns:a16="http://schemas.microsoft.com/office/drawing/2014/main" xmlns="" id="{8CEF42DF-93AB-4945-A6A8-8D339B4DBF17}"/>
+                  <a16:creationId xmlns:a16="http://schemas.microsoft.com/office/drawing/2014/main" id="{8CEF42DF-93AB-4945-A6A8-8D339B4DBF17}"/>
                 </a:ext>
               </a:extLst>
             </p:cNvPr>
@@ -16171,7 +16294,7 @@
             <p:cNvPr id="31" name="矩形 30">
               <a:extLst>
                 <a:ext uri="{FF2B5EF4-FFF2-40B4-BE49-F238E27FC236}">
-                  <a16:creationId xmlns:a16="http://schemas.microsoft.com/office/drawing/2014/main" xmlns="" id="{C7F47249-2D08-4AB1-9681-F2F62707AE98}"/>
+                  <a16:creationId xmlns:a16="http://schemas.microsoft.com/office/drawing/2014/main" id="{C7F47249-2D08-4AB1-9681-F2F62707AE98}"/>
                 </a:ext>
               </a:extLst>
             </p:cNvPr>
@@ -16219,7 +16342,7 @@
             <p:cNvPr id="32" name="矩形 31">
               <a:extLst>
                 <a:ext uri="{FF2B5EF4-FFF2-40B4-BE49-F238E27FC236}">
-                  <a16:creationId xmlns:a16="http://schemas.microsoft.com/office/drawing/2014/main" xmlns="" id="{3A5ADC00-ACCB-4CBF-9CB1-155BE7026C02}"/>
+                  <a16:creationId xmlns:a16="http://schemas.microsoft.com/office/drawing/2014/main" id="{3A5ADC00-ACCB-4CBF-9CB1-155BE7026C02}"/>
                 </a:ext>
               </a:extLst>
             </p:cNvPr>
@@ -16267,7 +16390,7 @@
             <p:cNvPr id="33" name="矩形 32">
               <a:extLst>
                 <a:ext uri="{FF2B5EF4-FFF2-40B4-BE49-F238E27FC236}">
-                  <a16:creationId xmlns:a16="http://schemas.microsoft.com/office/drawing/2014/main" xmlns="" id="{00A66F15-32AA-4AB3-B1AE-40AE4AC36167}"/>
+                  <a16:creationId xmlns:a16="http://schemas.microsoft.com/office/drawing/2014/main" id="{00A66F15-32AA-4AB3-B1AE-40AE4AC36167}"/>
                 </a:ext>
               </a:extLst>
             </p:cNvPr>
@@ -16315,7 +16438,7 @@
             <p:cNvPr id="46" name="矩形 45">
               <a:extLst>
                 <a:ext uri="{FF2B5EF4-FFF2-40B4-BE49-F238E27FC236}">
-                  <a16:creationId xmlns:a16="http://schemas.microsoft.com/office/drawing/2014/main" xmlns="" id="{A8EC09B3-4D26-45A0-8845-A6EECF3A0B32}"/>
+                  <a16:creationId xmlns:a16="http://schemas.microsoft.com/office/drawing/2014/main" id="{A8EC09B3-4D26-45A0-8845-A6EECF3A0B32}"/>
                 </a:ext>
               </a:extLst>
             </p:cNvPr>
@@ -16371,7 +16494,7 @@
             <p:cNvPr id="47" name="矩形 46">
               <a:extLst>
                 <a:ext uri="{FF2B5EF4-FFF2-40B4-BE49-F238E27FC236}">
-                  <a16:creationId xmlns:a16="http://schemas.microsoft.com/office/drawing/2014/main" xmlns="" id="{6AAB4875-4FC4-4AB7-8FC0-871911AB8FF2}"/>
+                  <a16:creationId xmlns:a16="http://schemas.microsoft.com/office/drawing/2014/main" id="{6AAB4875-4FC4-4AB7-8FC0-871911AB8FF2}"/>
                 </a:ext>
               </a:extLst>
             </p:cNvPr>
@@ -16427,7 +16550,7 @@
             <p:cNvPr id="48" name="矩形 47">
               <a:extLst>
                 <a:ext uri="{FF2B5EF4-FFF2-40B4-BE49-F238E27FC236}">
-                  <a16:creationId xmlns:a16="http://schemas.microsoft.com/office/drawing/2014/main" xmlns="" id="{C8DC75B5-6D3E-476A-8716-1C2D38AA8497}"/>
+                  <a16:creationId xmlns:a16="http://schemas.microsoft.com/office/drawing/2014/main" id="{C8DC75B5-6D3E-476A-8716-1C2D38AA8497}"/>
                 </a:ext>
               </a:extLst>
             </p:cNvPr>
@@ -16483,7 +16606,7 @@
             <p:cNvPr id="82" name="矩形 81">
               <a:extLst>
                 <a:ext uri="{FF2B5EF4-FFF2-40B4-BE49-F238E27FC236}">
-                  <a16:creationId xmlns:a16="http://schemas.microsoft.com/office/drawing/2014/main" xmlns="" id="{D00AE3E5-F787-4496-BC9F-FE4478F87F73}"/>
+                  <a16:creationId xmlns:a16="http://schemas.microsoft.com/office/drawing/2014/main" id="{D00AE3E5-F787-4496-BC9F-FE4478F87F73}"/>
                 </a:ext>
               </a:extLst>
             </p:cNvPr>
@@ -16539,7 +16662,7 @@
             <p:cNvPr id="83" name="矩形 82">
               <a:extLst>
                 <a:ext uri="{FF2B5EF4-FFF2-40B4-BE49-F238E27FC236}">
-                  <a16:creationId xmlns:a16="http://schemas.microsoft.com/office/drawing/2014/main" xmlns="" id="{22C1626D-1EB9-49B7-B850-E755AD6AC26D}"/>
+                  <a16:creationId xmlns:a16="http://schemas.microsoft.com/office/drawing/2014/main" id="{22C1626D-1EB9-49B7-B850-E755AD6AC26D}"/>
                 </a:ext>
               </a:extLst>
             </p:cNvPr>
@@ -16596,7 +16719,7 @@
           <p:cNvPr id="35" name="组合 34">
             <a:extLst>
               <a:ext uri="{FF2B5EF4-FFF2-40B4-BE49-F238E27FC236}">
-                <a16:creationId xmlns:a16="http://schemas.microsoft.com/office/drawing/2014/main" xmlns="" id="{D95035E2-DF95-4CBF-915B-C2D64D7C8039}"/>
+                <a16:creationId xmlns:a16="http://schemas.microsoft.com/office/drawing/2014/main" id="{D95035E2-DF95-4CBF-915B-C2D64D7C8039}"/>
               </a:ext>
             </a:extLst>
           </p:cNvPr>
@@ -16616,7 +16739,7 @@
             <p:cNvPr id="36" name="文本框 35">
               <a:extLst>
                 <a:ext uri="{FF2B5EF4-FFF2-40B4-BE49-F238E27FC236}">
-                  <a16:creationId xmlns:a16="http://schemas.microsoft.com/office/drawing/2014/main" xmlns="" id="{57ECD779-18A3-4BF0-BCF0-9139F1891390}"/>
+                  <a16:creationId xmlns:a16="http://schemas.microsoft.com/office/drawing/2014/main" id="{57ECD779-18A3-4BF0-BCF0-9139F1891390}"/>
                 </a:ext>
               </a:extLst>
             </p:cNvPr>
@@ -16668,7 +16791,7 @@
             <p:cNvPr id="40" name="燕尾形 23">
               <a:extLst>
                 <a:ext uri="{FF2B5EF4-FFF2-40B4-BE49-F238E27FC236}">
-                  <a16:creationId xmlns:a16="http://schemas.microsoft.com/office/drawing/2014/main" xmlns="" id="{DFE2851B-1E8E-4955-8D3B-72304C42B698}"/>
+                  <a16:creationId xmlns:a16="http://schemas.microsoft.com/office/drawing/2014/main" id="{DFE2851B-1E8E-4955-8D3B-72304C42B698}"/>
                 </a:ext>
               </a:extLst>
             </p:cNvPr>
@@ -16771,7 +16894,7 @@
           <p:cNvPr id="29" name="组合 28">
             <a:extLst>
               <a:ext uri="{FF2B5EF4-FFF2-40B4-BE49-F238E27FC236}">
-                <a16:creationId xmlns:a16="http://schemas.microsoft.com/office/drawing/2014/main" xmlns="" id="{6E2E6247-D5BD-4C75-B61E-3965EF32694F}"/>
+                <a16:creationId xmlns:a16="http://schemas.microsoft.com/office/drawing/2014/main" id="{6E2E6247-D5BD-4C75-B61E-3965EF32694F}"/>
               </a:ext>
             </a:extLst>
           </p:cNvPr>
@@ -16791,7 +16914,7 @@
             <p:cNvPr id="34" name="饼形 6">
               <a:extLst>
                 <a:ext uri="{FF2B5EF4-FFF2-40B4-BE49-F238E27FC236}">
-                  <a16:creationId xmlns:a16="http://schemas.microsoft.com/office/drawing/2014/main" xmlns="" id="{E443680E-5E21-42C5-82E3-F92BE292DAAE}"/>
+                  <a16:creationId xmlns:a16="http://schemas.microsoft.com/office/drawing/2014/main" id="{E443680E-5E21-42C5-82E3-F92BE292DAAE}"/>
                 </a:ext>
               </a:extLst>
             </p:cNvPr>
@@ -16849,7 +16972,7 @@
             <p:cNvPr id="38" name="矩形 37">
               <a:extLst>
                 <a:ext uri="{FF2B5EF4-FFF2-40B4-BE49-F238E27FC236}">
-                  <a16:creationId xmlns:a16="http://schemas.microsoft.com/office/drawing/2014/main" xmlns="" id="{70C7200A-1BD1-4B1A-B6FE-D3E9C916A9A7}"/>
+                  <a16:creationId xmlns:a16="http://schemas.microsoft.com/office/drawing/2014/main" id="{70C7200A-1BD1-4B1A-B6FE-D3E9C916A9A7}"/>
                 </a:ext>
               </a:extLst>
             </p:cNvPr>
@@ -16901,7 +17024,7 @@
             <p:cNvPr id="39" name="文本框 38">
               <a:extLst>
                 <a:ext uri="{FF2B5EF4-FFF2-40B4-BE49-F238E27FC236}">
-                  <a16:creationId xmlns:a16="http://schemas.microsoft.com/office/drawing/2014/main" xmlns="" id="{55698F93-45E8-402C-98AF-AD5AFFAFEFF9}"/>
+                  <a16:creationId xmlns:a16="http://schemas.microsoft.com/office/drawing/2014/main" id="{55698F93-45E8-402C-98AF-AD5AFFAFEFF9}"/>
                 </a:ext>
               </a:extLst>
             </p:cNvPr>
@@ -16956,7 +17079,7 @@
           <p:cNvPr id="6" name="文本框 7">
             <a:extLst>
               <a:ext uri="{FF2B5EF4-FFF2-40B4-BE49-F238E27FC236}">
-                <a16:creationId xmlns:a16="http://schemas.microsoft.com/office/drawing/2014/main" xmlns="" id="{1D96F194-070B-B644-83F6-676BAF1DCBFC}"/>
+                <a16:creationId xmlns:a16="http://schemas.microsoft.com/office/drawing/2014/main" id="{1D96F194-070B-B644-83F6-676BAF1DCBFC}"/>
               </a:ext>
             </a:extLst>
           </p:cNvPr>
@@ -16981,23 +17104,15 @@
           <a:p>
             <a:r>
               <a:rPr kumimoji="1" lang="en-US" altLang="zh-CN" sz="4000" b="1" dirty="0"/>
-              <a:t>1</a:t>
+              <a:t>1.</a:t>
             </a:r>
             <a:r>
-              <a:rPr kumimoji="1" lang="en-US" altLang="zh-CN" sz="4000" b="1" dirty="0" smtClean="0"/>
-              <a:t>.</a:t>
-            </a:r>
-            <a:r>
-              <a:rPr kumimoji="1" lang="zh-CN" altLang="en-US" sz="4000" b="1" dirty="0" smtClean="0"/>
+              <a:rPr kumimoji="1" lang="zh-CN" altLang="en-US" sz="4000" b="1" dirty="0"/>
               <a:t> </a:t>
             </a:r>
             <a:r>
-              <a:rPr kumimoji="1" lang="en-US" altLang="zh-CN" sz="4000" b="1" dirty="0" smtClean="0"/>
-              <a:t>Provide </a:t>
-            </a:r>
-            <a:r>
               <a:rPr kumimoji="1" lang="en-US" altLang="zh-CN" sz="4000" b="1" dirty="0"/>
-              <a:t>some advice to players to gain a higher rank</a:t>
+              <a:t>Provide some advice to players to gain a higher rank</a:t>
             </a:r>
           </a:p>
           <a:p>
@@ -17010,7 +17125,7 @@
           <p:cNvPr id="7" name="文本框 7">
             <a:extLst>
               <a:ext uri="{FF2B5EF4-FFF2-40B4-BE49-F238E27FC236}">
-                <a16:creationId xmlns:a16="http://schemas.microsoft.com/office/drawing/2014/main" xmlns="" id="{D70D89A7-CD27-7048-96A1-1095B45D363E}"/>
+                <a16:creationId xmlns:a16="http://schemas.microsoft.com/office/drawing/2014/main" id="{D70D89A7-CD27-7048-96A1-1095B45D363E}"/>
               </a:ext>
             </a:extLst>
           </p:cNvPr>
@@ -17035,23 +17150,15 @@
           <a:p>
             <a:r>
               <a:rPr kumimoji="1" lang="en-US" altLang="zh-CN" sz="4000" b="1" dirty="0"/>
-              <a:t>2</a:t>
+              <a:t>2.</a:t>
             </a:r>
             <a:r>
-              <a:rPr kumimoji="1" lang="en-US" altLang="zh-CN" sz="4000" b="1" dirty="0" smtClean="0"/>
-              <a:t>.</a:t>
-            </a:r>
-            <a:r>
-              <a:rPr kumimoji="1" lang="zh-CN" altLang="en-US" sz="4000" b="1" dirty="0" smtClean="0"/>
+              <a:rPr kumimoji="1" lang="zh-CN" altLang="en-US" sz="4000" b="1" dirty="0"/>
               <a:t> </a:t>
             </a:r>
             <a:r>
-              <a:rPr kumimoji="1" lang="en-US" altLang="zh-CN" sz="4000" b="1" dirty="0" smtClean="0"/>
-              <a:t>Try </a:t>
-            </a:r>
-            <a:r>
               <a:rPr kumimoji="1" lang="en-US" altLang="zh-CN" sz="4000" b="1" dirty="0"/>
-              <a:t>to detect some cheaters</a:t>
+              <a:t>Try to detect some cheaters</a:t>
             </a:r>
           </a:p>
           <a:p>
@@ -17106,7 +17213,7 @@
           <p:cNvPr id="29" name="组合 28">
             <a:extLst>
               <a:ext uri="{FF2B5EF4-FFF2-40B4-BE49-F238E27FC236}">
-                <a16:creationId xmlns:a16="http://schemas.microsoft.com/office/drawing/2014/main" xmlns="" id="{6E2E6247-D5BD-4C75-B61E-3965EF32694F}"/>
+                <a16:creationId xmlns:a16="http://schemas.microsoft.com/office/drawing/2014/main" id="{6E2E6247-D5BD-4C75-B61E-3965EF32694F}"/>
               </a:ext>
             </a:extLst>
           </p:cNvPr>
@@ -17126,7 +17233,7 @@
             <p:cNvPr id="34" name="饼形 6">
               <a:extLst>
                 <a:ext uri="{FF2B5EF4-FFF2-40B4-BE49-F238E27FC236}">
-                  <a16:creationId xmlns:a16="http://schemas.microsoft.com/office/drawing/2014/main" xmlns="" id="{E443680E-5E21-42C5-82E3-F92BE292DAAE}"/>
+                  <a16:creationId xmlns:a16="http://schemas.microsoft.com/office/drawing/2014/main" id="{E443680E-5E21-42C5-82E3-F92BE292DAAE}"/>
                 </a:ext>
               </a:extLst>
             </p:cNvPr>
@@ -17184,7 +17291,7 @@
             <p:cNvPr id="38" name="矩形 37">
               <a:extLst>
                 <a:ext uri="{FF2B5EF4-FFF2-40B4-BE49-F238E27FC236}">
-                  <a16:creationId xmlns:a16="http://schemas.microsoft.com/office/drawing/2014/main" xmlns="" id="{70C7200A-1BD1-4B1A-B6FE-D3E9C916A9A7}"/>
+                  <a16:creationId xmlns:a16="http://schemas.microsoft.com/office/drawing/2014/main" id="{70C7200A-1BD1-4B1A-B6FE-D3E9C916A9A7}"/>
                 </a:ext>
               </a:extLst>
             </p:cNvPr>
@@ -17236,7 +17343,7 @@
             <p:cNvPr id="39" name="文本框 38">
               <a:extLst>
                 <a:ext uri="{FF2B5EF4-FFF2-40B4-BE49-F238E27FC236}">
-                  <a16:creationId xmlns:a16="http://schemas.microsoft.com/office/drawing/2014/main" xmlns="" id="{55698F93-45E8-402C-98AF-AD5AFFAFEFF9}"/>
+                  <a16:creationId xmlns:a16="http://schemas.microsoft.com/office/drawing/2014/main" id="{55698F93-45E8-402C-98AF-AD5AFFAFEFF9}"/>
                 </a:ext>
               </a:extLst>
             </p:cNvPr>
@@ -17289,7 +17396,7 @@
           <p:cNvPr id="11" name="文本框 38">
             <a:extLst>
               <a:ext uri="{FF2B5EF4-FFF2-40B4-BE49-F238E27FC236}">
-                <a16:creationId xmlns:a16="http://schemas.microsoft.com/office/drawing/2014/main" xmlns="" id="{CE2B8551-A726-4547-B392-773D061353A3}"/>
+                <a16:creationId xmlns:a16="http://schemas.microsoft.com/office/drawing/2014/main" id="{CE2B8551-A726-4547-B392-773D061353A3}"/>
               </a:ext>
             </a:extLst>
           </p:cNvPr>
@@ -17343,7 +17450,7 @@
           <p:cNvPr id="14" name="文本框 38">
             <a:extLst>
               <a:ext uri="{FF2B5EF4-FFF2-40B4-BE49-F238E27FC236}">
-                <a16:creationId xmlns:a16="http://schemas.microsoft.com/office/drawing/2014/main" xmlns="" id="{7C03B25C-23B0-9341-881E-379FEC9431B8}"/>
+                <a16:creationId xmlns:a16="http://schemas.microsoft.com/office/drawing/2014/main" id="{7C03B25C-23B0-9341-881E-379FEC9431B8}"/>
               </a:ext>
             </a:extLst>
           </p:cNvPr>
@@ -17397,7 +17504,7 @@
           <p:cNvPr id="3" name="Picture 2" descr="A screenshot of a cell phone&#10;&#10;Description automatically generated">
             <a:extLst>
               <a:ext uri="{FF2B5EF4-FFF2-40B4-BE49-F238E27FC236}">
-                <a16:creationId xmlns:a16="http://schemas.microsoft.com/office/drawing/2014/main" xmlns="" id="{4A5A96F7-E1CB-8449-B3BE-7E262CDF65BA}"/>
+                <a16:creationId xmlns:a16="http://schemas.microsoft.com/office/drawing/2014/main" id="{4A5A96F7-E1CB-8449-B3BE-7E262CDF65BA}"/>
               </a:ext>
             </a:extLst>
           </p:cNvPr>
@@ -17433,7 +17540,7 @@
           <p:cNvPr id="5" name="Picture 4" descr="A close up of a white wall&#10;&#10;Description automatically generated">
             <a:extLst>
               <a:ext uri="{FF2B5EF4-FFF2-40B4-BE49-F238E27FC236}">
-                <a16:creationId xmlns:a16="http://schemas.microsoft.com/office/drawing/2014/main" xmlns="" id="{12BE6B5C-61D3-ED40-BC52-36192B3F01BE}"/>
+                <a16:creationId xmlns:a16="http://schemas.microsoft.com/office/drawing/2014/main" id="{12BE6B5C-61D3-ED40-BC52-36192B3F01BE}"/>
               </a:ext>
             </a:extLst>
           </p:cNvPr>
@@ -17511,7 +17618,7 @@
           <p:cNvPr id="29" name="组合 28">
             <a:extLst>
               <a:ext uri="{FF2B5EF4-FFF2-40B4-BE49-F238E27FC236}">
-                <a16:creationId xmlns:a16="http://schemas.microsoft.com/office/drawing/2014/main" xmlns="" id="{6E2E6247-D5BD-4C75-B61E-3965EF32694F}"/>
+                <a16:creationId xmlns:a16="http://schemas.microsoft.com/office/drawing/2014/main" id="{6E2E6247-D5BD-4C75-B61E-3965EF32694F}"/>
               </a:ext>
             </a:extLst>
           </p:cNvPr>
@@ -17531,7 +17638,7 @@
             <p:cNvPr id="34" name="饼形 6">
               <a:extLst>
                 <a:ext uri="{FF2B5EF4-FFF2-40B4-BE49-F238E27FC236}">
-                  <a16:creationId xmlns:a16="http://schemas.microsoft.com/office/drawing/2014/main" xmlns="" id="{E443680E-5E21-42C5-82E3-F92BE292DAAE}"/>
+                  <a16:creationId xmlns:a16="http://schemas.microsoft.com/office/drawing/2014/main" id="{E443680E-5E21-42C5-82E3-F92BE292DAAE}"/>
                 </a:ext>
               </a:extLst>
             </p:cNvPr>
@@ -17589,7 +17696,7 @@
             <p:cNvPr id="38" name="矩形 37">
               <a:extLst>
                 <a:ext uri="{FF2B5EF4-FFF2-40B4-BE49-F238E27FC236}">
-                  <a16:creationId xmlns:a16="http://schemas.microsoft.com/office/drawing/2014/main" xmlns="" id="{70C7200A-1BD1-4B1A-B6FE-D3E9C916A9A7}"/>
+                  <a16:creationId xmlns:a16="http://schemas.microsoft.com/office/drawing/2014/main" id="{70C7200A-1BD1-4B1A-B6FE-D3E9C916A9A7}"/>
                 </a:ext>
               </a:extLst>
             </p:cNvPr>
@@ -17641,7 +17748,7 @@
             <p:cNvPr id="39" name="文本框 38">
               <a:extLst>
                 <a:ext uri="{FF2B5EF4-FFF2-40B4-BE49-F238E27FC236}">
-                  <a16:creationId xmlns:a16="http://schemas.microsoft.com/office/drawing/2014/main" xmlns="" id="{55698F93-45E8-402C-98AF-AD5AFFAFEFF9}"/>
+                  <a16:creationId xmlns:a16="http://schemas.microsoft.com/office/drawing/2014/main" id="{55698F93-45E8-402C-98AF-AD5AFFAFEFF9}"/>
                 </a:ext>
               </a:extLst>
             </p:cNvPr>
@@ -17738,7 +17845,7 @@
           <p:cNvPr id="29" name="组合 28">
             <a:extLst>
               <a:ext uri="{FF2B5EF4-FFF2-40B4-BE49-F238E27FC236}">
-                <a16:creationId xmlns:a16="http://schemas.microsoft.com/office/drawing/2014/main" xmlns="" id="{6E2E6247-D5BD-4C75-B61E-3965EF32694F}"/>
+                <a16:creationId xmlns:a16="http://schemas.microsoft.com/office/drawing/2014/main" id="{6E2E6247-D5BD-4C75-B61E-3965EF32694F}"/>
               </a:ext>
             </a:extLst>
           </p:cNvPr>
@@ -17758,7 +17865,7 @@
             <p:cNvPr id="34" name="饼形 6">
               <a:extLst>
                 <a:ext uri="{FF2B5EF4-FFF2-40B4-BE49-F238E27FC236}">
-                  <a16:creationId xmlns:a16="http://schemas.microsoft.com/office/drawing/2014/main" xmlns="" id="{E443680E-5E21-42C5-82E3-F92BE292DAAE}"/>
+                  <a16:creationId xmlns:a16="http://schemas.microsoft.com/office/drawing/2014/main" id="{E443680E-5E21-42C5-82E3-F92BE292DAAE}"/>
                 </a:ext>
               </a:extLst>
             </p:cNvPr>
@@ -17816,7 +17923,7 @@
             <p:cNvPr id="38" name="矩形 37">
               <a:extLst>
                 <a:ext uri="{FF2B5EF4-FFF2-40B4-BE49-F238E27FC236}">
-                  <a16:creationId xmlns:a16="http://schemas.microsoft.com/office/drawing/2014/main" xmlns="" id="{70C7200A-1BD1-4B1A-B6FE-D3E9C916A9A7}"/>
+                  <a16:creationId xmlns:a16="http://schemas.microsoft.com/office/drawing/2014/main" id="{70C7200A-1BD1-4B1A-B6FE-D3E9C916A9A7}"/>
                 </a:ext>
               </a:extLst>
             </p:cNvPr>
@@ -17868,7 +17975,7 @@
             <p:cNvPr id="39" name="文本框 38">
               <a:extLst>
                 <a:ext uri="{FF2B5EF4-FFF2-40B4-BE49-F238E27FC236}">
-                  <a16:creationId xmlns:a16="http://schemas.microsoft.com/office/drawing/2014/main" xmlns="" id="{55698F93-45E8-402C-98AF-AD5AFFAFEFF9}"/>
+                  <a16:creationId xmlns:a16="http://schemas.microsoft.com/office/drawing/2014/main" id="{55698F93-45E8-402C-98AF-AD5AFFAFEFF9}"/>
                 </a:ext>
               </a:extLst>
             </p:cNvPr>
@@ -18005,7 +18112,7 @@
           <p:cNvPr id="8" name="文本框 7">
             <a:extLst>
               <a:ext uri="{FF2B5EF4-FFF2-40B4-BE49-F238E27FC236}">
-                <a16:creationId xmlns:a16="http://schemas.microsoft.com/office/drawing/2014/main" xmlns="" id="{7CB0847D-9AC6-0D40-A2CF-ECE21C8F3D43}"/>
+                <a16:creationId xmlns:a16="http://schemas.microsoft.com/office/drawing/2014/main" id="{7CB0847D-9AC6-0D40-A2CF-ECE21C8F3D43}"/>
               </a:ext>
             </a:extLst>
           </p:cNvPr>
@@ -18041,7 +18148,7 @@
           <p:cNvPr id="9" name="文本框 7">
             <a:extLst>
               <a:ext uri="{FF2B5EF4-FFF2-40B4-BE49-F238E27FC236}">
-                <a16:creationId xmlns:a16="http://schemas.microsoft.com/office/drawing/2014/main" xmlns="" id="{FDD66388-EB34-9942-B543-191BE66A55D8}"/>
+                <a16:creationId xmlns:a16="http://schemas.microsoft.com/office/drawing/2014/main" id="{FDD66388-EB34-9942-B543-191BE66A55D8}"/>
               </a:ext>
             </a:extLst>
           </p:cNvPr>
@@ -18119,7 +18226,7 @@
           <p:cNvPr id="29" name="组合 28">
             <a:extLst>
               <a:ext uri="{FF2B5EF4-FFF2-40B4-BE49-F238E27FC236}">
-                <a16:creationId xmlns:a16="http://schemas.microsoft.com/office/drawing/2014/main" xmlns="" id="{6E2E6247-D5BD-4C75-B61E-3965EF32694F}"/>
+                <a16:creationId xmlns:a16="http://schemas.microsoft.com/office/drawing/2014/main" id="{6E2E6247-D5BD-4C75-B61E-3965EF32694F}"/>
               </a:ext>
             </a:extLst>
           </p:cNvPr>
@@ -18139,7 +18246,7 @@
             <p:cNvPr id="34" name="饼形 6">
               <a:extLst>
                 <a:ext uri="{FF2B5EF4-FFF2-40B4-BE49-F238E27FC236}">
-                  <a16:creationId xmlns:a16="http://schemas.microsoft.com/office/drawing/2014/main" xmlns="" id="{E443680E-5E21-42C5-82E3-F92BE292DAAE}"/>
+                  <a16:creationId xmlns:a16="http://schemas.microsoft.com/office/drawing/2014/main" id="{E443680E-5E21-42C5-82E3-F92BE292DAAE}"/>
                 </a:ext>
               </a:extLst>
             </p:cNvPr>
@@ -18197,7 +18304,7 @@
             <p:cNvPr id="38" name="矩形 37">
               <a:extLst>
                 <a:ext uri="{FF2B5EF4-FFF2-40B4-BE49-F238E27FC236}">
-                  <a16:creationId xmlns:a16="http://schemas.microsoft.com/office/drawing/2014/main" xmlns="" id="{70C7200A-1BD1-4B1A-B6FE-D3E9C916A9A7}"/>
+                  <a16:creationId xmlns:a16="http://schemas.microsoft.com/office/drawing/2014/main" id="{70C7200A-1BD1-4B1A-B6FE-D3E9C916A9A7}"/>
                 </a:ext>
               </a:extLst>
             </p:cNvPr>
@@ -18249,7 +18356,7 @@
             <p:cNvPr id="39" name="文本框 38">
               <a:extLst>
                 <a:ext uri="{FF2B5EF4-FFF2-40B4-BE49-F238E27FC236}">
-                  <a16:creationId xmlns:a16="http://schemas.microsoft.com/office/drawing/2014/main" xmlns="" id="{55698F93-45E8-402C-98AF-AD5AFFAFEFF9}"/>
+                  <a16:creationId xmlns:a16="http://schemas.microsoft.com/office/drawing/2014/main" id="{55698F93-45E8-402C-98AF-AD5AFFAFEFF9}"/>
                 </a:ext>
               </a:extLst>
             </p:cNvPr>
@@ -18362,7 +18469,7 @@
           <p:cNvPr id="8" name="文本框 7">
             <a:extLst>
               <a:ext uri="{FF2B5EF4-FFF2-40B4-BE49-F238E27FC236}">
-                <a16:creationId xmlns:a16="http://schemas.microsoft.com/office/drawing/2014/main" xmlns="" id="{D409B5F9-28D3-A84B-A104-DA1ECE6C20FA}"/>
+                <a16:creationId xmlns:a16="http://schemas.microsoft.com/office/drawing/2014/main" id="{D409B5F9-28D3-A84B-A104-DA1ECE6C20FA}"/>
               </a:ext>
             </a:extLst>
           </p:cNvPr>
@@ -18398,7 +18505,7 @@
           <p:cNvPr id="9" name="文本框 7">
             <a:extLst>
               <a:ext uri="{FF2B5EF4-FFF2-40B4-BE49-F238E27FC236}">
-                <a16:creationId xmlns:a16="http://schemas.microsoft.com/office/drawing/2014/main" xmlns="" id="{58FDE433-1940-544F-9053-C5735764C14F}"/>
+                <a16:creationId xmlns:a16="http://schemas.microsoft.com/office/drawing/2014/main" id="{58FDE433-1940-544F-9053-C5735764C14F}"/>
               </a:ext>
             </a:extLst>
           </p:cNvPr>
@@ -18476,7 +18583,7 @@
           <p:cNvPr id="29" name="组合 28">
             <a:extLst>
               <a:ext uri="{FF2B5EF4-FFF2-40B4-BE49-F238E27FC236}">
-                <a16:creationId xmlns:a16="http://schemas.microsoft.com/office/drawing/2014/main" xmlns="" id="{6E2E6247-D5BD-4C75-B61E-3965EF32694F}"/>
+                <a16:creationId xmlns:a16="http://schemas.microsoft.com/office/drawing/2014/main" id="{6E2E6247-D5BD-4C75-B61E-3965EF32694F}"/>
               </a:ext>
             </a:extLst>
           </p:cNvPr>
@@ -18496,7 +18603,7 @@
             <p:cNvPr id="34" name="饼形 6">
               <a:extLst>
                 <a:ext uri="{FF2B5EF4-FFF2-40B4-BE49-F238E27FC236}">
-                  <a16:creationId xmlns:a16="http://schemas.microsoft.com/office/drawing/2014/main" xmlns="" id="{E443680E-5E21-42C5-82E3-F92BE292DAAE}"/>
+                  <a16:creationId xmlns:a16="http://schemas.microsoft.com/office/drawing/2014/main" id="{E443680E-5E21-42C5-82E3-F92BE292DAAE}"/>
                 </a:ext>
               </a:extLst>
             </p:cNvPr>
@@ -18554,7 +18661,7 @@
             <p:cNvPr id="38" name="矩形 37">
               <a:extLst>
                 <a:ext uri="{FF2B5EF4-FFF2-40B4-BE49-F238E27FC236}">
-                  <a16:creationId xmlns:a16="http://schemas.microsoft.com/office/drawing/2014/main" xmlns="" id="{70C7200A-1BD1-4B1A-B6FE-D3E9C916A9A7}"/>
+                  <a16:creationId xmlns:a16="http://schemas.microsoft.com/office/drawing/2014/main" id="{70C7200A-1BD1-4B1A-B6FE-D3E9C916A9A7}"/>
                 </a:ext>
               </a:extLst>
             </p:cNvPr>
@@ -18606,7 +18713,7 @@
             <p:cNvPr id="39" name="文本框 38">
               <a:extLst>
                 <a:ext uri="{FF2B5EF4-FFF2-40B4-BE49-F238E27FC236}">
-                  <a16:creationId xmlns:a16="http://schemas.microsoft.com/office/drawing/2014/main" xmlns="" id="{55698F93-45E8-402C-98AF-AD5AFFAFEFF9}"/>
+                  <a16:creationId xmlns:a16="http://schemas.microsoft.com/office/drawing/2014/main" id="{55698F93-45E8-402C-98AF-AD5AFFAFEFF9}"/>
                 </a:ext>
               </a:extLst>
             </p:cNvPr>
@@ -18725,7 +18832,7 @@
           <p:cNvPr id="29" name="组合 28">
             <a:extLst>
               <a:ext uri="{FF2B5EF4-FFF2-40B4-BE49-F238E27FC236}">
-                <a16:creationId xmlns:a16="http://schemas.microsoft.com/office/drawing/2014/main" xmlns="" id="{6E2E6247-D5BD-4C75-B61E-3965EF32694F}"/>
+                <a16:creationId xmlns:a16="http://schemas.microsoft.com/office/drawing/2014/main" id="{6E2E6247-D5BD-4C75-B61E-3965EF32694F}"/>
               </a:ext>
             </a:extLst>
           </p:cNvPr>
@@ -18745,7 +18852,7 @@
             <p:cNvPr id="34" name="饼形 6">
               <a:extLst>
                 <a:ext uri="{FF2B5EF4-FFF2-40B4-BE49-F238E27FC236}">
-                  <a16:creationId xmlns:a16="http://schemas.microsoft.com/office/drawing/2014/main" xmlns="" id="{E443680E-5E21-42C5-82E3-F92BE292DAAE}"/>
+                  <a16:creationId xmlns:a16="http://schemas.microsoft.com/office/drawing/2014/main" id="{E443680E-5E21-42C5-82E3-F92BE292DAAE}"/>
                 </a:ext>
               </a:extLst>
             </p:cNvPr>
@@ -18803,7 +18910,7 @@
             <p:cNvPr id="38" name="矩形 37">
               <a:extLst>
                 <a:ext uri="{FF2B5EF4-FFF2-40B4-BE49-F238E27FC236}">
-                  <a16:creationId xmlns:a16="http://schemas.microsoft.com/office/drawing/2014/main" xmlns="" id="{70C7200A-1BD1-4B1A-B6FE-D3E9C916A9A7}"/>
+                  <a16:creationId xmlns:a16="http://schemas.microsoft.com/office/drawing/2014/main" id="{70C7200A-1BD1-4B1A-B6FE-D3E9C916A9A7}"/>
                 </a:ext>
               </a:extLst>
             </p:cNvPr>
@@ -18855,7 +18962,7 @@
             <p:cNvPr id="39" name="文本框 38">
               <a:extLst>
                 <a:ext uri="{FF2B5EF4-FFF2-40B4-BE49-F238E27FC236}">
-                  <a16:creationId xmlns:a16="http://schemas.microsoft.com/office/drawing/2014/main" xmlns="" id="{55698F93-45E8-402C-98AF-AD5AFFAFEFF9}"/>
+                  <a16:creationId xmlns:a16="http://schemas.microsoft.com/office/drawing/2014/main" id="{55698F93-45E8-402C-98AF-AD5AFFAFEFF9}"/>
                 </a:ext>
               </a:extLst>
             </p:cNvPr>
@@ -19055,7 +19162,7 @@
           <p:cNvPr id="29" name="组合 28">
             <a:extLst>
               <a:ext uri="{FF2B5EF4-FFF2-40B4-BE49-F238E27FC236}">
-                <a16:creationId xmlns:a16="http://schemas.microsoft.com/office/drawing/2014/main" xmlns="" id="{6E2E6247-D5BD-4C75-B61E-3965EF32694F}"/>
+                <a16:creationId xmlns:a16="http://schemas.microsoft.com/office/drawing/2014/main" id="{6E2E6247-D5BD-4C75-B61E-3965EF32694F}"/>
               </a:ext>
             </a:extLst>
           </p:cNvPr>
@@ -19075,7 +19182,7 @@
             <p:cNvPr id="34" name="饼形 6">
               <a:extLst>
                 <a:ext uri="{FF2B5EF4-FFF2-40B4-BE49-F238E27FC236}">
-                  <a16:creationId xmlns:a16="http://schemas.microsoft.com/office/drawing/2014/main" xmlns="" id="{E443680E-5E21-42C5-82E3-F92BE292DAAE}"/>
+                  <a16:creationId xmlns:a16="http://schemas.microsoft.com/office/drawing/2014/main" id="{E443680E-5E21-42C5-82E3-F92BE292DAAE}"/>
                 </a:ext>
               </a:extLst>
             </p:cNvPr>
@@ -19133,7 +19240,7 @@
             <p:cNvPr id="38" name="矩形 37">
               <a:extLst>
                 <a:ext uri="{FF2B5EF4-FFF2-40B4-BE49-F238E27FC236}">
-                  <a16:creationId xmlns:a16="http://schemas.microsoft.com/office/drawing/2014/main" xmlns="" id="{70C7200A-1BD1-4B1A-B6FE-D3E9C916A9A7}"/>
+                  <a16:creationId xmlns:a16="http://schemas.microsoft.com/office/drawing/2014/main" id="{70C7200A-1BD1-4B1A-B6FE-D3E9C916A9A7}"/>
                 </a:ext>
               </a:extLst>
             </p:cNvPr>
@@ -19306,7 +19413,7 @@
           <p:cNvPr id="10" name="文本框 9">
             <a:extLst>
               <a:ext uri="{FF2B5EF4-FFF2-40B4-BE49-F238E27FC236}">
-                <a16:creationId xmlns:a16="http://schemas.microsoft.com/office/drawing/2014/main" xmlns="" id="{55698F93-45E8-402C-98AF-AD5AFFAFEFF9}"/>
+                <a16:creationId xmlns:a16="http://schemas.microsoft.com/office/drawing/2014/main" id="{55698F93-45E8-402C-98AF-AD5AFFAFEFF9}"/>
               </a:ext>
             </a:extLst>
           </p:cNvPr>

--- a/slide.pptx
+++ b/slide.pptx
@@ -18389,7 +18389,7 @@
                   </a:solidFill>
                   <a:latin typeface="+mn-ea"/>
                 </a:rPr>
-                <a:t>Deaths Place (Miramar)</a:t>
+                <a:t>Death Place (Miramar)</a:t>
               </a:r>
               <a:endParaRPr lang="zh-CN" altLang="en-US" sz="3200" spc="300" dirty="0">
                 <a:solidFill>
@@ -18746,7 +18746,7 @@
                   </a:solidFill>
                   <a:latin typeface="+mn-ea"/>
                 </a:rPr>
-                <a:t>Deaths Reasons</a:t>
+                <a:t>Death Reasons</a:t>
               </a:r>
               <a:endParaRPr lang="en-US" altLang="zh-CN" sz="3200" dirty="0">
                 <a:latin typeface="+mn-ea"/>
